--- a/Document/presentation/nam/9 notify wrong way.pptx
+++ b/Document/presentation/nam/9 notify wrong way.pptx
@@ -5,7 +5,7 @@
     <p:sldMasterId id="2147483660" r:id="rId1"/>
   </p:sldMasterIdLst>
   <p:notesMasterIdLst>
-    <p:notesMasterId r:id="rId22"/>
+    <p:notesMasterId r:id="rId23"/>
   </p:notesMasterIdLst>
   <p:sldIdLst>
     <p:sldId id="318" r:id="rId2"/>
@@ -28,6 +28,7 @@
     <p:sldId id="317" r:id="rId19"/>
     <p:sldId id="283" r:id="rId20"/>
     <p:sldId id="285" r:id="rId21"/>
+    <p:sldId id="323" r:id="rId22"/>
   </p:sldIdLst>
   <p:sldSz cx="9144000" cy="6858000" type="screen4x3"/>
   <p:notesSz cx="6858000" cy="9144000"/>
@@ -216,7 +217,7 @@
           <a:p>
             <a:fld id="{4129A581-B2BA-6A4B-B6BF-BD1B5D640D0B}" type="datetimeFigureOut">
               <a:rPr lang="en-US" smtClean="0"/>
-              <a:t>12/11/2015</a:t>
+              <a:t>12/14/2015</a:t>
             </a:fld>
             <a:endParaRPr lang="en-US"/>
           </a:p>
@@ -529,24 +530,72 @@
           <a:lstStyle/>
           <a:p>
             <a:r>
-              <a:rPr lang="en-US" dirty="0" err="1" smtClean="0"/>
-              <a:t>Như</a:t>
-            </a:r>
-            <a:r>
-              <a:rPr lang="en-US" baseline="0" dirty="0" smtClean="0"/>
-              <a:t> </a:t>
-            </a:r>
-            <a:r>
-              <a:rPr lang="en-US" baseline="0" dirty="0" err="1" smtClean="0"/>
-              <a:t>trước</a:t>
-            </a:r>
-            <a:r>
-              <a:rPr lang="en-US" baseline="0" dirty="0" smtClean="0"/>
-              <a:t> </a:t>
-            </a:r>
-            <a:r>
-              <a:rPr lang="en-US" baseline="0" dirty="0" err="1" smtClean="0"/>
-              <a:t>đó</a:t>
+              <a:rPr lang="en-US" dirty="0" smtClean="0"/>
+              <a:t>Anh</a:t>
+            </a:r>
+            <a:r>
+              <a:rPr lang="en-US" baseline="0" dirty="0" smtClean="0"/>
+              <a:t> </a:t>
+            </a:r>
+            <a:r>
+              <a:rPr lang="en-US" baseline="0" dirty="0" err="1" smtClean="0"/>
+              <a:t>khương</a:t>
+            </a:r>
+            <a:r>
+              <a:rPr lang="en-US" baseline="0" dirty="0" smtClean="0"/>
+              <a:t> </a:t>
+            </a:r>
+            <a:r>
+              <a:rPr lang="en-US" baseline="0" dirty="0" err="1" smtClean="0"/>
+              <a:t>thường</a:t>
+            </a:r>
+            <a:r>
+              <a:rPr lang="en-US" baseline="0" dirty="0" smtClean="0"/>
+              <a:t> di </a:t>
+            </a:r>
+            <a:r>
+              <a:rPr lang="en-US" baseline="0" dirty="0" err="1" smtClean="0"/>
+              <a:t>chuyển</a:t>
+            </a:r>
+            <a:r>
+              <a:rPr lang="en-US" baseline="0" dirty="0" smtClean="0"/>
+              <a:t> </a:t>
+            </a:r>
+            <a:r>
+              <a:rPr lang="en-US" baseline="0" dirty="0" err="1" smtClean="0"/>
+              <a:t>với</a:t>
+            </a:r>
+            <a:r>
+              <a:rPr lang="en-US" baseline="0" dirty="0" smtClean="0"/>
+              <a:t> </a:t>
+            </a:r>
+            <a:r>
+              <a:rPr lang="en-US" baseline="0" dirty="0" err="1" smtClean="0"/>
+              <a:t>tốc</a:t>
+            </a:r>
+            <a:r>
+              <a:rPr lang="en-US" baseline="0" dirty="0" smtClean="0"/>
+              <a:t> </a:t>
+            </a:r>
+            <a:r>
+              <a:rPr lang="en-US" baseline="0" dirty="0" err="1" smtClean="0"/>
+              <a:t>độ</a:t>
+            </a:r>
+            <a:r>
+              <a:rPr lang="en-US" baseline="0" dirty="0" smtClean="0"/>
+              <a:t> </a:t>
+            </a:r>
+            <a:r>
+              <a:rPr lang="en-US" baseline="0" dirty="0" err="1" smtClean="0"/>
+              <a:t>rất</a:t>
+            </a:r>
+            <a:r>
+              <a:rPr lang="en-US" baseline="0" dirty="0" smtClean="0"/>
+              <a:t> </a:t>
+            </a:r>
+            <a:r>
+              <a:rPr lang="en-US" baseline="0" dirty="0" err="1" smtClean="0"/>
+              <a:t>cao</a:t>
             </a:r>
             <a:r>
               <a:rPr lang="en-US" baseline="0" dirty="0" smtClean="0"/>
@@ -554,23 +603,49 @@
             </a:r>
             <a:r>
               <a:rPr lang="en-US" baseline="0" dirty="0" err="1" smtClean="0"/>
-              <a:t>chúng</a:t>
-            </a:r>
-            <a:r>
-              <a:rPr lang="en-US" baseline="0" dirty="0" smtClean="0"/>
-              <a:t> ta </a:t>
-            </a:r>
-            <a:r>
-              <a:rPr lang="en-US" baseline="0" dirty="0" err="1" smtClean="0"/>
-              <a:t>biết</a:t>
-            </a:r>
-            <a:r>
-              <a:rPr lang="en-US" baseline="0" dirty="0" smtClean="0"/>
-              <a:t> </a:t>
-            </a:r>
-            <a:r>
-              <a:rPr lang="en-US" baseline="0" dirty="0" err="1" smtClean="0"/>
-              <a:t>đc</a:t>
+              <a:t>và</a:t>
+            </a:r>
+            <a:r>
+              <a:rPr lang="en-US" baseline="0" dirty="0" smtClean="0"/>
+              <a:t> </a:t>
+            </a:r>
+            <a:r>
+              <a:rPr lang="en-US" baseline="0" dirty="0" err="1" smtClean="0"/>
+              <a:t>trong</a:t>
+            </a:r>
+            <a:r>
+              <a:rPr lang="en-US" baseline="0" dirty="0" smtClean="0"/>
+              <a:t> </a:t>
+            </a:r>
+            <a:r>
+              <a:rPr lang="en-US" baseline="0" dirty="0" err="1" smtClean="0"/>
+              <a:t>tình</a:t>
+            </a:r>
+            <a:r>
+              <a:rPr lang="en-US" baseline="0" dirty="0" smtClean="0"/>
+              <a:t> </a:t>
+            </a:r>
+            <a:r>
+              <a:rPr lang="en-US" baseline="0" dirty="0" err="1" smtClean="0"/>
+              <a:t>huống</a:t>
+            </a:r>
+            <a:r>
+              <a:rPr lang="en-US" baseline="0" dirty="0" smtClean="0"/>
+              <a:t> </a:t>
+            </a:r>
+            <a:r>
+              <a:rPr lang="en-US" baseline="0" dirty="0" err="1" smtClean="0"/>
+              <a:t>này</a:t>
+            </a:r>
+            <a:r>
+              <a:rPr lang="en-US" baseline="0" dirty="0" smtClean="0"/>
+              <a:t>.</a:t>
+            </a:r>
+          </a:p>
+          <a:p>
+            <a:r>
+              <a:rPr lang="en-US" baseline="0" dirty="0" err="1" smtClean="0"/>
+              <a:t>Khi</a:t>
             </a:r>
             <a:r>
               <a:rPr lang="en-US" baseline="0" dirty="0" smtClean="0"/>
@@ -582,59 +657,11 @@
             </a:r>
             <a:r>
               <a:rPr lang="en-US" baseline="0" dirty="0" smtClean="0"/>
-              <a:t> </a:t>
-            </a:r>
-            <a:r>
-              <a:rPr lang="en-US" baseline="0" dirty="0" err="1" smtClean="0"/>
-              <a:t>khương</a:t>
-            </a:r>
-            <a:r>
-              <a:rPr lang="en-US" baseline="0" dirty="0" smtClean="0"/>
-              <a:t> </a:t>
-            </a:r>
-            <a:r>
-              <a:rPr lang="en-US" baseline="0" dirty="0" err="1" smtClean="0"/>
-              <a:t>là</a:t>
-            </a:r>
-            <a:r>
-              <a:rPr lang="en-US" baseline="0" dirty="0" smtClean="0"/>
-              <a:t> </a:t>
-            </a:r>
-            <a:r>
-              <a:rPr lang="en-US" baseline="0" dirty="0" err="1" smtClean="0"/>
-              <a:t>người</a:t>
-            </a:r>
-            <a:r>
-              <a:rPr lang="en-US" baseline="0" dirty="0" smtClean="0"/>
-              <a:t> </a:t>
-            </a:r>
-            <a:r>
-              <a:rPr lang="en-US" baseline="0" dirty="0" err="1" smtClean="0"/>
-              <a:t>hiền</a:t>
-            </a:r>
-            <a:r>
-              <a:rPr lang="en-US" baseline="0" dirty="0" smtClean="0"/>
-              <a:t> </a:t>
-            </a:r>
-            <a:r>
-              <a:rPr lang="en-US" baseline="0" dirty="0" err="1" smtClean="0"/>
-              <a:t>lành</a:t>
-            </a:r>
-            <a:r>
-              <a:rPr lang="en-US" baseline="0" dirty="0" smtClean="0"/>
-              <a:t>, </a:t>
-            </a:r>
-            <a:r>
-              <a:rPr lang="en-US" baseline="0" dirty="0" err="1" smtClean="0"/>
-              <a:t>nhưng</a:t>
-            </a:r>
-            <a:r>
-              <a:rPr lang="en-US" baseline="0" dirty="0" smtClean="0"/>
-              <a:t> </a:t>
-            </a:r>
-            <a:r>
-              <a:rPr lang="en-US" baseline="0" dirty="0" err="1" smtClean="0"/>
-              <a:t>khi</a:t>
+              <a:t> di </a:t>
+            </a:r>
+            <a:r>
+              <a:rPr lang="en-US" baseline="0" dirty="0" err="1" smtClean="0"/>
+              <a:t>chuyển</a:t>
             </a:r>
             <a:r>
               <a:rPr lang="en-US" baseline="0" dirty="0" smtClean="0"/>
@@ -651,156 +678,6 @@
             <a:r>
               <a:rPr lang="en-US" baseline="0" dirty="0" err="1" smtClean="0"/>
               <a:t>đường</a:t>
-            </a:r>
-            <a:r>
-              <a:rPr lang="en-US" baseline="0" dirty="0" smtClean="0"/>
-              <a:t> </a:t>
-            </a:r>
-            <a:r>
-              <a:rPr lang="en-US" baseline="0" dirty="0" err="1" smtClean="0"/>
-              <a:t>thì</a:t>
-            </a:r>
-            <a:r>
-              <a:rPr lang="en-US" baseline="0" dirty="0" smtClean="0"/>
-              <a:t> </a:t>
-            </a:r>
-            <a:r>
-              <a:rPr lang="en-US" baseline="0" dirty="0" err="1" smtClean="0"/>
-              <a:t>anh</a:t>
-            </a:r>
-            <a:r>
-              <a:rPr lang="en-US" baseline="0" dirty="0" smtClean="0"/>
-              <a:t> ta </a:t>
-            </a:r>
-            <a:r>
-              <a:rPr lang="en-US" baseline="0" dirty="0" err="1" smtClean="0"/>
-              <a:t>có</a:t>
-            </a:r>
-            <a:r>
-              <a:rPr lang="en-US" baseline="0" dirty="0" smtClean="0"/>
-              <a:t> 1 nickname ”</a:t>
-            </a:r>
-            <a:r>
-              <a:rPr lang="en-US" baseline="0" dirty="0" err="1" smtClean="0"/>
-              <a:t>khương</a:t>
-            </a:r>
-            <a:r>
-              <a:rPr lang="en-US" baseline="0" dirty="0" smtClean="0"/>
-              <a:t> </a:t>
-            </a:r>
-            <a:r>
-              <a:rPr lang="en-US" baseline="0" dirty="0" err="1" smtClean="0"/>
-              <a:t>ko</a:t>
-            </a:r>
-            <a:r>
-              <a:rPr lang="en-US" baseline="0" dirty="0" smtClean="0"/>
-              <a:t> </a:t>
-            </a:r>
-            <a:r>
-              <a:rPr lang="en-US" baseline="0" dirty="0" err="1" smtClean="0"/>
-              <a:t>sợ</a:t>
-            </a:r>
-            <a:r>
-              <a:rPr lang="en-US" baseline="0" dirty="0" smtClean="0"/>
-              <a:t> </a:t>
-            </a:r>
-            <a:r>
-              <a:rPr lang="en-US" baseline="0" dirty="0" err="1" smtClean="0"/>
-              <a:t>chết</a:t>
-            </a:r>
-            <a:r>
-              <a:rPr lang="en-US" baseline="0" dirty="0" smtClean="0"/>
-              <a:t>”</a:t>
-            </a:r>
-          </a:p>
-          <a:p>
-            <a:r>
-              <a:rPr lang="en-US" baseline="0" dirty="0" smtClean="0"/>
-              <a:t>Anh </a:t>
-            </a:r>
-            <a:r>
-              <a:rPr lang="en-US" baseline="0" dirty="0" err="1" smtClean="0"/>
-              <a:t>khương</a:t>
-            </a:r>
-            <a:r>
-              <a:rPr lang="en-US" baseline="0" dirty="0" smtClean="0"/>
-              <a:t> </a:t>
-            </a:r>
-            <a:r>
-              <a:rPr lang="en-US" baseline="0" dirty="0" err="1" smtClean="0"/>
-              <a:t>thường</a:t>
-            </a:r>
-            <a:r>
-              <a:rPr lang="en-US" baseline="0" dirty="0" smtClean="0"/>
-              <a:t> </a:t>
-            </a:r>
-            <a:r>
-              <a:rPr lang="en-US" baseline="0" dirty="0" err="1" smtClean="0"/>
-              <a:t>tham</a:t>
-            </a:r>
-            <a:r>
-              <a:rPr lang="en-US" baseline="0" dirty="0" smtClean="0"/>
-              <a:t> </a:t>
-            </a:r>
-            <a:r>
-              <a:rPr lang="en-US" baseline="0" dirty="0" err="1" smtClean="0"/>
-              <a:t>gia</a:t>
-            </a:r>
-            <a:r>
-              <a:rPr lang="en-US" baseline="0" dirty="0" smtClean="0"/>
-              <a:t> </a:t>
-            </a:r>
-            <a:r>
-              <a:rPr lang="en-US" baseline="0" dirty="0" err="1" smtClean="0"/>
-              <a:t>giao</a:t>
-            </a:r>
-            <a:r>
-              <a:rPr lang="en-US" baseline="0" dirty="0" smtClean="0"/>
-              <a:t> </a:t>
-            </a:r>
-            <a:r>
-              <a:rPr lang="en-US" baseline="0" dirty="0" err="1" smtClean="0"/>
-              <a:t>thông</a:t>
-            </a:r>
-            <a:r>
-              <a:rPr lang="en-US" baseline="0" dirty="0" smtClean="0"/>
-              <a:t> </a:t>
-            </a:r>
-            <a:r>
-              <a:rPr lang="en-US" baseline="0" dirty="0" err="1" smtClean="0"/>
-              <a:t>với</a:t>
-            </a:r>
-            <a:r>
-              <a:rPr lang="en-US" baseline="0" dirty="0" smtClean="0"/>
-              <a:t> </a:t>
-            </a:r>
-            <a:r>
-              <a:rPr lang="en-US" baseline="0" dirty="0" err="1" smtClean="0"/>
-              <a:t>tốc</a:t>
-            </a:r>
-            <a:r>
-              <a:rPr lang="en-US" baseline="0" dirty="0" smtClean="0"/>
-              <a:t> </a:t>
-            </a:r>
-            <a:r>
-              <a:rPr lang="en-US" baseline="0" dirty="0" err="1" smtClean="0"/>
-              <a:t>độ</a:t>
-            </a:r>
-            <a:r>
-              <a:rPr lang="en-US" baseline="0" dirty="0" smtClean="0"/>
-              <a:t> </a:t>
-            </a:r>
-            <a:r>
-              <a:rPr lang="en-US" baseline="0" dirty="0" err="1" smtClean="0"/>
-              <a:t>kinh</a:t>
-            </a:r>
-            <a:r>
-              <a:rPr lang="en-US" baseline="0" dirty="0" smtClean="0"/>
-              <a:t> </a:t>
-            </a:r>
-            <a:r>
-              <a:rPr lang="en-US" baseline="0" dirty="0" err="1" smtClean="0"/>
-              <a:t>hoàng</a:t>
             </a:r>
             <a:r>
               <a:rPr lang="en-US" baseline="0" dirty="0" smtClean="0"/>
@@ -1725,87 +1602,11 @@
           <a:p>
             <a:r>
               <a:rPr lang="en-US" dirty="0" err="1" smtClean="0"/>
-              <a:t>Tất</a:t>
+              <a:t>Tới</a:t>
             </a:r>
             <a:r>
               <a:rPr lang="en-US" dirty="0" smtClean="0"/>
-              <a:t> </a:t>
-            </a:r>
-            <a:r>
-              <a:rPr lang="en-US" dirty="0" err="1" smtClean="0"/>
-              <a:t>cả</a:t>
-            </a:r>
-            <a:r>
-              <a:rPr lang="en-US" baseline="0" dirty="0" smtClean="0"/>
-              <a:t> </a:t>
-            </a:r>
-            <a:r>
-              <a:rPr lang="en-US" baseline="0" dirty="0" err="1" smtClean="0"/>
-              <a:t>khoảng</a:t>
-            </a:r>
-            <a:r>
-              <a:rPr lang="en-US" baseline="0" dirty="0" smtClean="0"/>
-              <a:t> </a:t>
-            </a:r>
-            <a:r>
-              <a:rPr lang="en-US" baseline="0" dirty="0" err="1" smtClean="0"/>
-              <a:t>cách</a:t>
-            </a:r>
-            <a:r>
-              <a:rPr lang="en-US" baseline="0" dirty="0" smtClean="0"/>
-              <a:t> </a:t>
-            </a:r>
-            <a:r>
-              <a:rPr lang="en-US" baseline="0" dirty="0" err="1" smtClean="0"/>
-              <a:t>đều</a:t>
-            </a:r>
-            <a:r>
-              <a:rPr lang="en-US" baseline="0" dirty="0" smtClean="0"/>
-              <a:t> </a:t>
-            </a:r>
-            <a:r>
-              <a:rPr lang="en-US" baseline="0" dirty="0" err="1" smtClean="0"/>
-              <a:t>nằm</a:t>
-            </a:r>
-            <a:r>
-              <a:rPr lang="en-US" baseline="0" dirty="0" smtClean="0"/>
-              <a:t> </a:t>
-            </a:r>
-            <a:r>
-              <a:rPr lang="en-US" baseline="0" dirty="0" err="1" smtClean="0"/>
-              <a:t>ngoài</a:t>
-            </a:r>
-            <a:r>
-              <a:rPr lang="en-US" baseline="0" dirty="0" smtClean="0"/>
-              <a:t> </a:t>
-            </a:r>
-            <a:r>
-              <a:rPr lang="en-US" baseline="0" dirty="0" err="1" smtClean="0"/>
-              <a:t>độ</a:t>
-            </a:r>
-            <a:r>
-              <a:rPr lang="en-US" baseline="0" dirty="0" smtClean="0"/>
-              <a:t> </a:t>
-            </a:r>
-            <a:r>
-              <a:rPr lang="en-US" baseline="0" dirty="0" err="1" smtClean="0"/>
-              <a:t>dài</a:t>
-            </a:r>
-            <a:r>
-              <a:rPr lang="en-US" baseline="0" dirty="0" smtClean="0"/>
-              <a:t> </a:t>
-            </a:r>
-            <a:r>
-              <a:rPr lang="en-US" baseline="0" dirty="0" err="1" smtClean="0"/>
-              <a:t>cho</a:t>
-            </a:r>
-            <a:r>
-              <a:rPr lang="en-US" baseline="0" dirty="0" smtClean="0"/>
-              <a:t> </a:t>
-            </a:r>
-            <a:r>
-              <a:rPr lang="en-US" baseline="0" dirty="0" err="1" smtClean="0"/>
-              <a:t>phép</a:t>
+              <a:t> AB</a:t>
             </a:r>
             <a:endParaRPr lang="en-US" dirty="0"/>
           </a:p>
@@ -1828,7 +1629,7 @@
           <a:p>
             <a:fld id="{09B67DCC-AD2A-8049-A5FE-090E7CFEAD6D}" type="slidenum">
               <a:rPr lang="en-US" smtClean="0"/>
-              <a:t>16</a:t>
+              <a:t>13</a:t>
             </a:fld>
             <a:endParaRPr lang="en-US"/>
           </a:p>
@@ -1837,7 +1638,7 @@
     </p:spTree>
     <p:extLst>
       <p:ext uri="{BB962C8B-B14F-4D97-AF65-F5344CB8AC3E}">
-        <p14:creationId xmlns:p14="http://schemas.microsoft.com/office/powerpoint/2010/main" val="1386376476"/>
+        <p14:creationId xmlns:p14="http://schemas.microsoft.com/office/powerpoint/2010/main" val="2732746160"/>
       </p:ext>
     </p:extLst>
   </p:cSld>
@@ -1893,35 +1694,11 @@
           <a:p>
             <a:r>
               <a:rPr lang="en-US" dirty="0" err="1" smtClean="0"/>
-              <a:t>Người</a:t>
-            </a:r>
-            <a:r>
-              <a:rPr lang="en-US" dirty="0" smtClean="0"/>
-              <a:t> dung</a:t>
-            </a:r>
-            <a:r>
-              <a:rPr lang="en-US" baseline="0" dirty="0" smtClean="0"/>
-              <a:t> </a:t>
-            </a:r>
-            <a:r>
-              <a:rPr lang="en-US" baseline="0" dirty="0" err="1" smtClean="0"/>
-              <a:t>tiếp</a:t>
-            </a:r>
-            <a:r>
-              <a:rPr lang="en-US" baseline="0" dirty="0" smtClean="0"/>
-              <a:t> </a:t>
-            </a:r>
-            <a:r>
-              <a:rPr lang="en-US" baseline="0" dirty="0" err="1" smtClean="0"/>
-              <a:t>tục</a:t>
-            </a:r>
-            <a:r>
-              <a:rPr lang="en-US" baseline="0" dirty="0" smtClean="0"/>
-              <a:t> di </a:t>
-            </a:r>
-            <a:r>
-              <a:rPr lang="en-US" baseline="0" dirty="0" err="1" smtClean="0"/>
-              <a:t>chuyển</a:t>
+              <a:t>Tới</a:t>
+            </a:r>
+            <a:r>
+              <a:rPr lang="en-US" baseline="0" dirty="0" smtClean="0"/>
+              <a:t> BC</a:t>
             </a:r>
             <a:endParaRPr lang="en-US" dirty="0"/>
           </a:p>
@@ -1944,7 +1721,7 @@
           <a:p>
             <a:fld id="{09B67DCC-AD2A-8049-A5FE-090E7CFEAD6D}" type="slidenum">
               <a:rPr lang="en-US" smtClean="0"/>
-              <a:t>17</a:t>
+              <a:t>14</a:t>
             </a:fld>
             <a:endParaRPr lang="en-US"/>
           </a:p>
@@ -1953,7 +1730,7 @@
     </p:spTree>
     <p:extLst>
       <p:ext uri="{BB962C8B-B14F-4D97-AF65-F5344CB8AC3E}">
-        <p14:creationId xmlns:p14="http://schemas.microsoft.com/office/powerpoint/2010/main" val="3820785690"/>
+        <p14:creationId xmlns:p14="http://schemas.microsoft.com/office/powerpoint/2010/main" val="635821719"/>
       </p:ext>
     </p:extLst>
   </p:cSld>
@@ -2009,135 +1786,11 @@
           <a:p>
             <a:r>
               <a:rPr lang="en-US" dirty="0" err="1" smtClean="0"/>
-              <a:t>Hệ</a:t>
-            </a:r>
-            <a:r>
-              <a:rPr lang="en-US" dirty="0" smtClean="0"/>
-              <a:t> </a:t>
-            </a:r>
-            <a:r>
-              <a:rPr lang="en-US" dirty="0" err="1" smtClean="0"/>
-              <a:t>thống</a:t>
-            </a:r>
-            <a:r>
-              <a:rPr lang="en-US" baseline="0" dirty="0" smtClean="0"/>
-              <a:t> </a:t>
-            </a:r>
-            <a:r>
-              <a:rPr lang="en-US" baseline="0" dirty="0" err="1" smtClean="0"/>
-              <a:t>phát</a:t>
-            </a:r>
-            <a:r>
-              <a:rPr lang="en-US" baseline="0" dirty="0" smtClean="0"/>
-              <a:t> </a:t>
-            </a:r>
-            <a:r>
-              <a:rPr lang="en-US" baseline="0" dirty="0" err="1" smtClean="0"/>
-              <a:t>hiện</a:t>
-            </a:r>
-            <a:r>
-              <a:rPr lang="en-US" baseline="0" dirty="0" smtClean="0"/>
-              <a:t> </a:t>
-            </a:r>
-            <a:r>
-              <a:rPr lang="en-US" baseline="0" dirty="0" err="1" smtClean="0"/>
-              <a:t>được</a:t>
-            </a:r>
-            <a:r>
-              <a:rPr lang="en-US" baseline="0" dirty="0" smtClean="0"/>
-              <a:t> </a:t>
-            </a:r>
-            <a:r>
-              <a:rPr lang="en-US" baseline="0" dirty="0" err="1" smtClean="0"/>
-              <a:t>khoảng</a:t>
-            </a:r>
-            <a:r>
-              <a:rPr lang="en-US" baseline="0" dirty="0" smtClean="0"/>
-              <a:t> </a:t>
-            </a:r>
-            <a:r>
-              <a:rPr lang="en-US" baseline="0" dirty="0" err="1" smtClean="0"/>
-              <a:t>cách</a:t>
-            </a:r>
-            <a:r>
-              <a:rPr lang="en-US" baseline="0" dirty="0" smtClean="0"/>
-              <a:t> </a:t>
-            </a:r>
-            <a:r>
-              <a:rPr lang="en-US" baseline="0" dirty="0" err="1" smtClean="0"/>
-              <a:t>của</a:t>
-            </a:r>
-            <a:r>
-              <a:rPr lang="en-US" baseline="0" dirty="0" smtClean="0"/>
-              <a:t> </a:t>
-            </a:r>
-            <a:r>
-              <a:rPr lang="en-US" baseline="0" dirty="0" err="1" smtClean="0"/>
-              <a:t>người</a:t>
-            </a:r>
-            <a:r>
-              <a:rPr lang="en-US" baseline="0" dirty="0" smtClean="0"/>
-              <a:t> dung </a:t>
-            </a:r>
-            <a:r>
-              <a:rPr lang="en-US" baseline="0" dirty="0" err="1" smtClean="0"/>
-              <a:t>tới</a:t>
-            </a:r>
-            <a:r>
-              <a:rPr lang="en-US" baseline="0" dirty="0" smtClean="0"/>
-              <a:t> </a:t>
-            </a:r>
-            <a:r>
-              <a:rPr lang="en-US" baseline="0" dirty="0" err="1" smtClean="0"/>
-              <a:t>đoạn</a:t>
-            </a:r>
-            <a:r>
-              <a:rPr lang="en-US" baseline="0" dirty="0" smtClean="0"/>
-              <a:t> DE </a:t>
-            </a:r>
-            <a:r>
-              <a:rPr lang="en-US" baseline="0" dirty="0" err="1" smtClean="0"/>
-              <a:t>nằm</a:t>
-            </a:r>
-            <a:r>
-              <a:rPr lang="en-US" baseline="0" dirty="0" smtClean="0"/>
-              <a:t> </a:t>
-            </a:r>
-            <a:r>
-              <a:rPr lang="en-US" baseline="0" dirty="0" err="1" smtClean="0"/>
-              <a:t>trong</a:t>
-            </a:r>
-            <a:r>
-              <a:rPr lang="en-US" baseline="0" dirty="0" smtClean="0"/>
-              <a:t> </a:t>
-            </a:r>
-            <a:r>
-              <a:rPr lang="en-US" baseline="0" dirty="0" err="1" smtClean="0"/>
-              <a:t>khoảng</a:t>
-            </a:r>
-            <a:r>
-              <a:rPr lang="en-US" baseline="0" dirty="0" smtClean="0"/>
-              <a:t> </a:t>
-            </a:r>
-            <a:r>
-              <a:rPr lang="en-US" baseline="0" dirty="0" err="1" smtClean="0"/>
-              <a:t>cách</a:t>
-            </a:r>
-            <a:r>
-              <a:rPr lang="en-US" baseline="0" dirty="0" smtClean="0"/>
-              <a:t> </a:t>
-            </a:r>
-            <a:r>
-              <a:rPr lang="en-US" baseline="0" dirty="0" err="1" smtClean="0"/>
-              <a:t>cho</a:t>
-            </a:r>
-            <a:r>
-              <a:rPr lang="en-US" baseline="0" dirty="0" smtClean="0"/>
-              <a:t> </a:t>
-            </a:r>
-            <a:r>
-              <a:rPr lang="en-US" baseline="0" dirty="0" err="1" smtClean="0"/>
-              <a:t>phép</a:t>
+              <a:t>Tới</a:t>
+            </a:r>
+            <a:r>
+              <a:rPr lang="en-US" baseline="0" dirty="0" smtClean="0"/>
+              <a:t> CB</a:t>
             </a:r>
             <a:endParaRPr lang="en-US" dirty="0"/>
           </a:p>
@@ -2160,7 +1813,7 @@
           <a:p>
             <a:fld id="{09B67DCC-AD2A-8049-A5FE-090E7CFEAD6D}" type="slidenum">
               <a:rPr lang="en-US" smtClean="0"/>
-              <a:t>18</a:t>
+              <a:t>15</a:t>
             </a:fld>
             <a:endParaRPr lang="en-US"/>
           </a:p>
@@ -2169,7 +1822,7 @@
     </p:spTree>
     <p:extLst>
       <p:ext uri="{BB962C8B-B14F-4D97-AF65-F5344CB8AC3E}">
-        <p14:creationId xmlns:p14="http://schemas.microsoft.com/office/powerpoint/2010/main" val="1407331965"/>
+        <p14:creationId xmlns:p14="http://schemas.microsoft.com/office/powerpoint/2010/main" val="3227898882"/>
       </p:ext>
     </p:extLst>
   </p:cSld>
@@ -2225,7 +1878,7 @@
           <a:p>
             <a:r>
               <a:rPr lang="en-US" dirty="0" err="1" smtClean="0"/>
-              <a:t>Hệ</a:t>
+              <a:t>Tất</a:t>
             </a:r>
             <a:r>
               <a:rPr lang="en-US" dirty="0" smtClean="0"/>
@@ -2233,107 +1886,79 @@
             </a:r>
             <a:r>
               <a:rPr lang="en-US" dirty="0" err="1" smtClean="0"/>
-              <a:t>thống</a:t>
-            </a:r>
-            <a:r>
-              <a:rPr lang="en-US" baseline="0" dirty="0" smtClean="0"/>
-              <a:t> </a:t>
-            </a:r>
-            <a:r>
-              <a:rPr lang="en-US" baseline="0" dirty="0" err="1" smtClean="0"/>
-              <a:t>chuyển</a:t>
-            </a:r>
-            <a:r>
-              <a:rPr lang="en-US" baseline="0" dirty="0" smtClean="0"/>
-              <a:t> </a:t>
-            </a:r>
-            <a:r>
-              <a:rPr lang="en-US" baseline="0" dirty="0" err="1" smtClean="0"/>
-              <a:t>trạng</a:t>
-            </a:r>
-            <a:r>
-              <a:rPr lang="en-US" baseline="0" dirty="0" smtClean="0"/>
-              <a:t> </a:t>
-            </a:r>
-            <a:r>
-              <a:rPr lang="en-US" baseline="0" dirty="0" err="1" smtClean="0"/>
-              <a:t>thái</a:t>
-            </a:r>
-            <a:r>
-              <a:rPr lang="en-US" baseline="0" dirty="0" smtClean="0"/>
-              <a:t> </a:t>
-            </a:r>
-            <a:r>
-              <a:rPr lang="en-US" baseline="0" dirty="0" err="1" smtClean="0"/>
-              <a:t>của</a:t>
-            </a:r>
-            <a:r>
-              <a:rPr lang="en-US" baseline="0" dirty="0" smtClean="0"/>
-              <a:t> </a:t>
-            </a:r>
-            <a:r>
-              <a:rPr lang="en-US" baseline="0" dirty="0" err="1" smtClean="0"/>
-              <a:t>người</a:t>
-            </a:r>
-            <a:r>
-              <a:rPr lang="en-US" baseline="0" dirty="0" smtClean="0"/>
-              <a:t> dung </a:t>
-            </a:r>
-            <a:r>
-              <a:rPr lang="en-US" baseline="0" dirty="0" err="1" smtClean="0"/>
-              <a:t>thành</a:t>
-            </a:r>
-            <a:r>
-              <a:rPr lang="en-US" baseline="0" dirty="0" smtClean="0"/>
-              <a:t> </a:t>
-            </a:r>
-            <a:r>
-              <a:rPr lang="en-US" baseline="0" dirty="0" err="1" smtClean="0"/>
-              <a:t>đúng</a:t>
-            </a:r>
-            <a:r>
-              <a:rPr lang="en-US" baseline="0" dirty="0" smtClean="0"/>
-              <a:t> </a:t>
-            </a:r>
-            <a:r>
-              <a:rPr lang="en-US" baseline="0" dirty="0" err="1" smtClean="0"/>
-              <a:t>đướng</a:t>
-            </a:r>
-            <a:r>
-              <a:rPr lang="en-US" baseline="0" dirty="0" smtClean="0"/>
-              <a:t> </a:t>
-            </a:r>
-            <a:r>
-              <a:rPr lang="en-US" baseline="0" dirty="0" err="1" smtClean="0"/>
-              <a:t>và</a:t>
-            </a:r>
-            <a:r>
-              <a:rPr lang="en-US" baseline="0" dirty="0" smtClean="0"/>
-              <a:t> </a:t>
-            </a:r>
-            <a:r>
-              <a:rPr lang="en-US" baseline="0" dirty="0" err="1" smtClean="0"/>
-              <a:t>đang</a:t>
-            </a:r>
-            <a:r>
-              <a:rPr lang="en-US" baseline="0" dirty="0" smtClean="0"/>
-              <a:t> ở </a:t>
-            </a:r>
-            <a:r>
-              <a:rPr lang="en-US" baseline="0" dirty="0" err="1" smtClean="0"/>
-              <a:t>trên</a:t>
-            </a:r>
-            <a:r>
-              <a:rPr lang="en-US" baseline="0" dirty="0" smtClean="0"/>
-              <a:t> </a:t>
-            </a:r>
-            <a:r>
-              <a:rPr lang="en-US" baseline="0" dirty="0" err="1" smtClean="0"/>
-              <a:t>đoạn</a:t>
-            </a:r>
-            <a:r>
-              <a:rPr lang="en-US" baseline="0" dirty="0" smtClean="0"/>
-              <a:t> DE</a:t>
+              <a:t>cả</a:t>
+            </a:r>
+            <a:r>
+              <a:rPr lang="en-US" baseline="0" dirty="0" smtClean="0"/>
+              <a:t> </a:t>
+            </a:r>
+            <a:r>
+              <a:rPr lang="en-US" baseline="0" dirty="0" err="1" smtClean="0"/>
+              <a:t>khoảng</a:t>
+            </a:r>
+            <a:r>
+              <a:rPr lang="en-US" baseline="0" dirty="0" smtClean="0"/>
+              <a:t> </a:t>
+            </a:r>
+            <a:r>
+              <a:rPr lang="en-US" baseline="0" dirty="0" err="1" smtClean="0"/>
+              <a:t>cách</a:t>
+            </a:r>
+            <a:r>
+              <a:rPr lang="en-US" baseline="0" dirty="0" smtClean="0"/>
+              <a:t> </a:t>
+            </a:r>
+            <a:r>
+              <a:rPr lang="en-US" baseline="0" dirty="0" err="1" smtClean="0"/>
+              <a:t>đều</a:t>
+            </a:r>
+            <a:r>
+              <a:rPr lang="en-US" baseline="0" dirty="0" smtClean="0"/>
+              <a:t> </a:t>
+            </a:r>
+            <a:r>
+              <a:rPr lang="en-US" baseline="0" dirty="0" err="1" smtClean="0"/>
+              <a:t>nằm</a:t>
+            </a:r>
+            <a:r>
+              <a:rPr lang="en-US" baseline="0" dirty="0" smtClean="0"/>
+              <a:t> </a:t>
+            </a:r>
+            <a:r>
+              <a:rPr lang="en-US" baseline="0" dirty="0" err="1" smtClean="0"/>
+              <a:t>ngoài</a:t>
+            </a:r>
+            <a:r>
+              <a:rPr lang="en-US" baseline="0" dirty="0" smtClean="0"/>
+              <a:t> </a:t>
+            </a:r>
+            <a:r>
+              <a:rPr lang="en-US" baseline="0" dirty="0" err="1" smtClean="0"/>
+              <a:t>độ</a:t>
+            </a:r>
+            <a:r>
+              <a:rPr lang="en-US" baseline="0" dirty="0" smtClean="0"/>
+              <a:t> </a:t>
+            </a:r>
+            <a:r>
+              <a:rPr lang="en-US" baseline="0" dirty="0" err="1" smtClean="0"/>
+              <a:t>dài</a:t>
+            </a:r>
+            <a:r>
+              <a:rPr lang="en-US" baseline="0" dirty="0" smtClean="0"/>
+              <a:t> </a:t>
+            </a:r>
+            <a:r>
+              <a:rPr lang="en-US" baseline="0" dirty="0" err="1" smtClean="0"/>
+              <a:t>cho</a:t>
+            </a:r>
+            <a:r>
+              <a:rPr lang="en-US" baseline="0" dirty="0" smtClean="0"/>
+              <a:t> </a:t>
+            </a:r>
+            <a:r>
+              <a:rPr lang="en-US" baseline="0" dirty="0" err="1" smtClean="0"/>
+              <a:t>phép</a:t>
             </a:r>
             <a:endParaRPr lang="en-US" dirty="0"/>
           </a:p>
@@ -2356,7 +1981,7 @@
           <a:p>
             <a:fld id="{09B67DCC-AD2A-8049-A5FE-090E7CFEAD6D}" type="slidenum">
               <a:rPr lang="en-US" smtClean="0"/>
-              <a:t>19</a:t>
+              <a:t>16</a:t>
             </a:fld>
             <a:endParaRPr lang="en-US"/>
           </a:p>
@@ -2365,7 +1990,7 @@
     </p:spTree>
     <p:extLst>
       <p:ext uri="{BB962C8B-B14F-4D97-AF65-F5344CB8AC3E}">
-        <p14:creationId xmlns:p14="http://schemas.microsoft.com/office/powerpoint/2010/main" val="3366343524"/>
+        <p14:creationId xmlns:p14="http://schemas.microsoft.com/office/powerpoint/2010/main" val="1386376476"/>
       </p:ext>
     </p:extLst>
   </p:cSld>
@@ -2420,104 +2045,36 @@
           <a:lstStyle/>
           <a:p>
             <a:r>
+              <a:rPr lang="en-US" dirty="0" err="1" smtClean="0"/>
+              <a:t>Người</a:t>
+            </a:r>
+            <a:r>
               <a:rPr lang="en-US" dirty="0" smtClean="0"/>
-              <a:t>Sau </a:t>
-            </a:r>
-            <a:r>
-              <a:rPr lang="en-US" dirty="0" err="1" smtClean="0"/>
-              <a:t>đó</a:t>
-            </a:r>
-            <a:r>
-              <a:rPr lang="en-US" baseline="0" dirty="0" smtClean="0"/>
-              <a:t> </a:t>
-            </a:r>
-            <a:r>
-              <a:rPr lang="en-US" baseline="0" dirty="0" err="1" smtClean="0"/>
-              <a:t>thông</a:t>
-            </a:r>
-            <a:r>
-              <a:rPr lang="en-US" baseline="0" dirty="0" smtClean="0"/>
-              <a:t> </a:t>
-            </a:r>
-            <a:r>
-              <a:rPr lang="en-US" baseline="0" dirty="0" err="1" smtClean="0"/>
-              <a:t>báo</a:t>
-            </a:r>
-            <a:r>
-              <a:rPr lang="en-US" baseline="0" dirty="0" smtClean="0"/>
-              <a:t> </a:t>
-            </a:r>
-            <a:r>
-              <a:rPr lang="en-US" baseline="0" dirty="0" err="1" smtClean="0"/>
-              <a:t>cho</a:t>
-            </a:r>
-            <a:r>
-              <a:rPr lang="en-US" baseline="0" dirty="0" smtClean="0"/>
-              <a:t> </a:t>
-            </a:r>
-            <a:r>
-              <a:rPr lang="en-US" baseline="0" dirty="0" err="1" smtClean="0"/>
-              <a:t>người</a:t>
-            </a:r>
-            <a:r>
-              <a:rPr lang="en-US" baseline="0" dirty="0" smtClean="0"/>
-              <a:t> dung </a:t>
-            </a:r>
-            <a:r>
-              <a:rPr lang="en-US" baseline="0" dirty="0" err="1" smtClean="0"/>
-              <a:t>biết</a:t>
-            </a:r>
-            <a:r>
-              <a:rPr lang="en-US" baseline="0" dirty="0" smtClean="0"/>
-              <a:t> </a:t>
-            </a:r>
-            <a:r>
-              <a:rPr lang="en-US" baseline="0" dirty="0" err="1" smtClean="0"/>
-              <a:t>họ</a:t>
-            </a:r>
-            <a:r>
-              <a:rPr lang="en-US" baseline="0" dirty="0" smtClean="0"/>
-              <a:t> </a:t>
-            </a:r>
-            <a:r>
-              <a:rPr lang="en-US" baseline="0" dirty="0" err="1" smtClean="0"/>
-              <a:t>đã</a:t>
-            </a:r>
-            <a:r>
-              <a:rPr lang="en-US" baseline="0" dirty="0" smtClean="0"/>
-              <a:t> </a:t>
-            </a:r>
-            <a:r>
-              <a:rPr lang="en-US" baseline="0" dirty="0" err="1" smtClean="0"/>
-              <a:t>trở</a:t>
-            </a:r>
-            <a:r>
-              <a:rPr lang="en-US" baseline="0" dirty="0" smtClean="0"/>
-              <a:t> </a:t>
-            </a:r>
-            <a:r>
-              <a:rPr lang="en-US" baseline="0" dirty="0" err="1" smtClean="0"/>
-              <a:t>về</a:t>
-            </a:r>
-            <a:r>
-              <a:rPr lang="en-US" baseline="0" dirty="0" smtClean="0"/>
-              <a:t> </a:t>
-            </a:r>
-            <a:r>
-              <a:rPr lang="en-US" baseline="0" dirty="0" err="1" smtClean="0"/>
-              <a:t>đúng</a:t>
-            </a:r>
-            <a:r>
-              <a:rPr lang="en-US" baseline="0" dirty="0" smtClean="0"/>
-              <a:t> </a:t>
-            </a:r>
-            <a:r>
-              <a:rPr lang="en-US" baseline="0" dirty="0" err="1" smtClean="0"/>
-              <a:t>đường</a:t>
-            </a:r>
-            <a:r>
-              <a:rPr lang="en-US" baseline="0" smtClean="0"/>
-              <a:t>.</a:t>
+              <a:t> dung</a:t>
+            </a:r>
+            <a:r>
+              <a:rPr lang="en-US" baseline="0" dirty="0" smtClean="0"/>
+              <a:t> </a:t>
+            </a:r>
+            <a:r>
+              <a:rPr lang="en-US" baseline="0" dirty="0" err="1" smtClean="0"/>
+              <a:t>tiếp</a:t>
+            </a:r>
+            <a:r>
+              <a:rPr lang="en-US" baseline="0" dirty="0" smtClean="0"/>
+              <a:t> </a:t>
+            </a:r>
+            <a:r>
+              <a:rPr lang="en-US" baseline="0" dirty="0" err="1" smtClean="0"/>
+              <a:t>tục</a:t>
+            </a:r>
+            <a:r>
+              <a:rPr lang="en-US" baseline="0" dirty="0" smtClean="0"/>
+              <a:t> di </a:t>
+            </a:r>
+            <a:r>
+              <a:rPr lang="en-US" baseline="0" dirty="0" err="1" smtClean="0"/>
+              <a:t>chuyển</a:t>
             </a:r>
             <a:endParaRPr lang="en-US" dirty="0"/>
           </a:p>
@@ -2540,7 +2097,7 @@
           <a:p>
             <a:fld id="{09B67DCC-AD2A-8049-A5FE-090E7CFEAD6D}" type="slidenum">
               <a:rPr lang="en-US" smtClean="0"/>
-              <a:t>20</a:t>
+              <a:t>17</a:t>
             </a:fld>
             <a:endParaRPr lang="en-US"/>
           </a:p>
@@ -2549,7 +2106,419 @@
     </p:spTree>
     <p:extLst>
       <p:ext uri="{BB962C8B-B14F-4D97-AF65-F5344CB8AC3E}">
-        <p14:creationId xmlns:p14="http://schemas.microsoft.com/office/powerpoint/2010/main" val="2312258539"/>
+        <p14:creationId xmlns:p14="http://schemas.microsoft.com/office/powerpoint/2010/main" val="3820785690"/>
+      </p:ext>
+    </p:extLst>
+  </p:cSld>
+  <p:clrMapOvr>
+    <a:masterClrMapping/>
+  </p:clrMapOvr>
+</p:notes>
+</file>
+
+<file path=ppt/notesSlides/notesSlide18.xml><?xml version="1.0" encoding="utf-8"?>
+<p:notes xmlns:a="http://schemas.openxmlformats.org/drawingml/2006/main" xmlns:r="http://schemas.openxmlformats.org/officeDocument/2006/relationships" xmlns:p="http://schemas.openxmlformats.org/presentationml/2006/main">
+  <p:cSld>
+    <p:spTree>
+      <p:nvGrpSpPr>
+        <p:cNvPr id="1" name=""/>
+        <p:cNvGrpSpPr/>
+        <p:nvPr/>
+      </p:nvGrpSpPr>
+      <p:grpSpPr>
+        <a:xfrm>
+          <a:off x="0" y="0"/>
+          <a:ext cx="0" cy="0"/>
+          <a:chOff x="0" y="0"/>
+          <a:chExt cx="0" cy="0"/>
+        </a:xfrm>
+      </p:grpSpPr>
+      <p:sp>
+        <p:nvSpPr>
+          <p:cNvPr id="2" name="Slide Image Placeholder 1"/>
+          <p:cNvSpPr>
+            <a:spLocks noGrp="1" noRot="1" noChangeAspect="1"/>
+          </p:cNvSpPr>
+          <p:nvPr>
+            <p:ph type="sldImg"/>
+          </p:nvPr>
+        </p:nvSpPr>
+        <p:spPr/>
+      </p:sp>
+      <p:sp>
+        <p:nvSpPr>
+          <p:cNvPr id="3" name="Notes Placeholder 2"/>
+          <p:cNvSpPr>
+            <a:spLocks noGrp="1"/>
+          </p:cNvSpPr>
+          <p:nvPr>
+            <p:ph type="body" idx="1"/>
+          </p:nvPr>
+        </p:nvSpPr>
+        <p:spPr/>
+        <p:txBody>
+          <a:bodyPr/>
+          <a:lstStyle/>
+          <a:p>
+            <a:r>
+              <a:rPr lang="en-US" dirty="0" err="1" smtClean="0"/>
+              <a:t>Hệ</a:t>
+            </a:r>
+            <a:r>
+              <a:rPr lang="en-US" dirty="0" smtClean="0"/>
+              <a:t> </a:t>
+            </a:r>
+            <a:r>
+              <a:rPr lang="en-US" dirty="0" err="1" smtClean="0"/>
+              <a:t>thống</a:t>
+            </a:r>
+            <a:r>
+              <a:rPr lang="en-US" baseline="0" dirty="0" smtClean="0"/>
+              <a:t> </a:t>
+            </a:r>
+            <a:r>
+              <a:rPr lang="en-US" baseline="0" dirty="0" err="1" smtClean="0"/>
+              <a:t>phát</a:t>
+            </a:r>
+            <a:r>
+              <a:rPr lang="en-US" baseline="0" dirty="0" smtClean="0"/>
+              <a:t> </a:t>
+            </a:r>
+            <a:r>
+              <a:rPr lang="en-US" baseline="0" dirty="0" err="1" smtClean="0"/>
+              <a:t>hiện</a:t>
+            </a:r>
+            <a:r>
+              <a:rPr lang="en-US" baseline="0" dirty="0" smtClean="0"/>
+              <a:t> </a:t>
+            </a:r>
+            <a:r>
+              <a:rPr lang="en-US" baseline="0" dirty="0" err="1" smtClean="0"/>
+              <a:t>được</a:t>
+            </a:r>
+            <a:r>
+              <a:rPr lang="en-US" baseline="0" dirty="0" smtClean="0"/>
+              <a:t> </a:t>
+            </a:r>
+            <a:r>
+              <a:rPr lang="en-US" baseline="0" dirty="0" err="1" smtClean="0"/>
+              <a:t>khoảng</a:t>
+            </a:r>
+            <a:r>
+              <a:rPr lang="en-US" baseline="0" dirty="0" smtClean="0"/>
+              <a:t> </a:t>
+            </a:r>
+            <a:r>
+              <a:rPr lang="en-US" baseline="0" dirty="0" err="1" smtClean="0"/>
+              <a:t>cách</a:t>
+            </a:r>
+            <a:r>
+              <a:rPr lang="en-US" baseline="0" dirty="0" smtClean="0"/>
+              <a:t> </a:t>
+            </a:r>
+            <a:r>
+              <a:rPr lang="en-US" baseline="0" dirty="0" err="1" smtClean="0"/>
+              <a:t>của</a:t>
+            </a:r>
+            <a:r>
+              <a:rPr lang="en-US" baseline="0" dirty="0" smtClean="0"/>
+              <a:t> </a:t>
+            </a:r>
+            <a:r>
+              <a:rPr lang="en-US" baseline="0" dirty="0" err="1" smtClean="0"/>
+              <a:t>người</a:t>
+            </a:r>
+            <a:r>
+              <a:rPr lang="en-US" baseline="0" dirty="0" smtClean="0"/>
+              <a:t> dung </a:t>
+            </a:r>
+            <a:r>
+              <a:rPr lang="en-US" baseline="0" dirty="0" err="1" smtClean="0"/>
+              <a:t>tới</a:t>
+            </a:r>
+            <a:r>
+              <a:rPr lang="en-US" baseline="0" dirty="0" smtClean="0"/>
+              <a:t> </a:t>
+            </a:r>
+            <a:r>
+              <a:rPr lang="en-US" baseline="0" dirty="0" err="1" smtClean="0"/>
+              <a:t>đoạn</a:t>
+            </a:r>
+            <a:r>
+              <a:rPr lang="en-US" baseline="0" dirty="0" smtClean="0"/>
+              <a:t> DE </a:t>
+            </a:r>
+            <a:r>
+              <a:rPr lang="en-US" baseline="0" dirty="0" err="1" smtClean="0"/>
+              <a:t>nằm</a:t>
+            </a:r>
+            <a:r>
+              <a:rPr lang="en-US" baseline="0" dirty="0" smtClean="0"/>
+              <a:t> </a:t>
+            </a:r>
+            <a:r>
+              <a:rPr lang="en-US" baseline="0" dirty="0" err="1" smtClean="0"/>
+              <a:t>trong</a:t>
+            </a:r>
+            <a:r>
+              <a:rPr lang="en-US" baseline="0" dirty="0" smtClean="0"/>
+              <a:t> </a:t>
+            </a:r>
+            <a:r>
+              <a:rPr lang="en-US" baseline="0" dirty="0" err="1" smtClean="0"/>
+              <a:t>khoảng</a:t>
+            </a:r>
+            <a:r>
+              <a:rPr lang="en-US" baseline="0" dirty="0" smtClean="0"/>
+              <a:t> </a:t>
+            </a:r>
+            <a:r>
+              <a:rPr lang="en-US" baseline="0" dirty="0" err="1" smtClean="0"/>
+              <a:t>cách</a:t>
+            </a:r>
+            <a:r>
+              <a:rPr lang="en-US" baseline="0" dirty="0" smtClean="0"/>
+              <a:t> </a:t>
+            </a:r>
+            <a:r>
+              <a:rPr lang="en-US" baseline="0" dirty="0" err="1" smtClean="0"/>
+              <a:t>cho</a:t>
+            </a:r>
+            <a:r>
+              <a:rPr lang="en-US" baseline="0" dirty="0" smtClean="0"/>
+              <a:t> </a:t>
+            </a:r>
+            <a:r>
+              <a:rPr lang="en-US" baseline="0" dirty="0" err="1" smtClean="0"/>
+              <a:t>phép</a:t>
+            </a:r>
+            <a:endParaRPr lang="en-US" dirty="0"/>
+          </a:p>
+        </p:txBody>
+      </p:sp>
+      <p:sp>
+        <p:nvSpPr>
+          <p:cNvPr id="4" name="Slide Number Placeholder 3"/>
+          <p:cNvSpPr>
+            <a:spLocks noGrp="1"/>
+          </p:cNvSpPr>
+          <p:nvPr>
+            <p:ph type="sldNum" sz="quarter" idx="10"/>
+          </p:nvPr>
+        </p:nvSpPr>
+        <p:spPr/>
+        <p:txBody>
+          <a:bodyPr/>
+          <a:lstStyle/>
+          <a:p>
+            <a:fld id="{09B67DCC-AD2A-8049-A5FE-090E7CFEAD6D}" type="slidenum">
+              <a:rPr lang="en-US" smtClean="0"/>
+              <a:t>18</a:t>
+            </a:fld>
+            <a:endParaRPr lang="en-US"/>
+          </a:p>
+        </p:txBody>
+      </p:sp>
+    </p:spTree>
+    <p:extLst>
+      <p:ext uri="{BB962C8B-B14F-4D97-AF65-F5344CB8AC3E}">
+        <p14:creationId xmlns:p14="http://schemas.microsoft.com/office/powerpoint/2010/main" val="1407331965"/>
+      </p:ext>
+    </p:extLst>
+  </p:cSld>
+  <p:clrMapOvr>
+    <a:masterClrMapping/>
+  </p:clrMapOvr>
+</p:notes>
+</file>
+
+<file path=ppt/notesSlides/notesSlide19.xml><?xml version="1.0" encoding="utf-8"?>
+<p:notes xmlns:a="http://schemas.openxmlformats.org/drawingml/2006/main" xmlns:r="http://schemas.openxmlformats.org/officeDocument/2006/relationships" xmlns:p="http://schemas.openxmlformats.org/presentationml/2006/main">
+  <p:cSld>
+    <p:spTree>
+      <p:nvGrpSpPr>
+        <p:cNvPr id="1" name=""/>
+        <p:cNvGrpSpPr/>
+        <p:nvPr/>
+      </p:nvGrpSpPr>
+      <p:grpSpPr>
+        <a:xfrm>
+          <a:off x="0" y="0"/>
+          <a:ext cx="0" cy="0"/>
+          <a:chOff x="0" y="0"/>
+          <a:chExt cx="0" cy="0"/>
+        </a:xfrm>
+      </p:grpSpPr>
+      <p:sp>
+        <p:nvSpPr>
+          <p:cNvPr id="2" name="Slide Image Placeholder 1"/>
+          <p:cNvSpPr>
+            <a:spLocks noGrp="1" noRot="1" noChangeAspect="1"/>
+          </p:cNvSpPr>
+          <p:nvPr>
+            <p:ph type="sldImg"/>
+          </p:nvPr>
+        </p:nvSpPr>
+        <p:spPr/>
+      </p:sp>
+      <p:sp>
+        <p:nvSpPr>
+          <p:cNvPr id="3" name="Notes Placeholder 2"/>
+          <p:cNvSpPr>
+            <a:spLocks noGrp="1"/>
+          </p:cNvSpPr>
+          <p:nvPr>
+            <p:ph type="body" idx="1"/>
+          </p:nvPr>
+        </p:nvSpPr>
+        <p:spPr/>
+        <p:txBody>
+          <a:bodyPr/>
+          <a:lstStyle/>
+          <a:p>
+            <a:r>
+              <a:rPr lang="en-US" dirty="0" err="1" smtClean="0"/>
+              <a:t>Hệ</a:t>
+            </a:r>
+            <a:r>
+              <a:rPr lang="en-US" dirty="0" smtClean="0"/>
+              <a:t> </a:t>
+            </a:r>
+            <a:r>
+              <a:rPr lang="en-US" dirty="0" err="1" smtClean="0"/>
+              <a:t>thống</a:t>
+            </a:r>
+            <a:r>
+              <a:rPr lang="en-US" baseline="0" dirty="0" smtClean="0"/>
+              <a:t> </a:t>
+            </a:r>
+            <a:r>
+              <a:rPr lang="en-US" baseline="0" dirty="0" err="1" smtClean="0"/>
+              <a:t>chuyển</a:t>
+            </a:r>
+            <a:r>
+              <a:rPr lang="en-US" baseline="0" dirty="0" smtClean="0"/>
+              <a:t> </a:t>
+            </a:r>
+            <a:r>
+              <a:rPr lang="en-US" baseline="0" dirty="0" err="1" smtClean="0"/>
+              <a:t>trạng</a:t>
+            </a:r>
+            <a:r>
+              <a:rPr lang="en-US" baseline="0" dirty="0" smtClean="0"/>
+              <a:t> </a:t>
+            </a:r>
+            <a:r>
+              <a:rPr lang="en-US" baseline="0" dirty="0" err="1" smtClean="0"/>
+              <a:t>thái</a:t>
+            </a:r>
+            <a:r>
+              <a:rPr lang="en-US" baseline="0" dirty="0" smtClean="0"/>
+              <a:t> </a:t>
+            </a:r>
+            <a:r>
+              <a:rPr lang="en-US" baseline="0" dirty="0" err="1" smtClean="0"/>
+              <a:t>của</a:t>
+            </a:r>
+            <a:r>
+              <a:rPr lang="en-US" baseline="0" dirty="0" smtClean="0"/>
+              <a:t> </a:t>
+            </a:r>
+            <a:r>
+              <a:rPr lang="en-US" baseline="0" dirty="0" err="1" smtClean="0"/>
+              <a:t>người</a:t>
+            </a:r>
+            <a:r>
+              <a:rPr lang="en-US" baseline="0" dirty="0" smtClean="0"/>
+              <a:t> dung </a:t>
+            </a:r>
+            <a:r>
+              <a:rPr lang="en-US" baseline="0" dirty="0" err="1" smtClean="0"/>
+              <a:t>thành</a:t>
+            </a:r>
+            <a:r>
+              <a:rPr lang="en-US" baseline="0" dirty="0" smtClean="0"/>
+              <a:t> </a:t>
+            </a:r>
+            <a:r>
+              <a:rPr lang="en-US" baseline="0" dirty="0" err="1" smtClean="0"/>
+              <a:t>đúng</a:t>
+            </a:r>
+            <a:r>
+              <a:rPr lang="en-US" baseline="0" dirty="0" smtClean="0"/>
+              <a:t> </a:t>
+            </a:r>
+            <a:r>
+              <a:rPr lang="en-US" baseline="0" dirty="0" err="1" smtClean="0"/>
+              <a:t>đướng</a:t>
+            </a:r>
+            <a:r>
+              <a:rPr lang="en-US" baseline="0" dirty="0" smtClean="0"/>
+              <a:t> </a:t>
+            </a:r>
+            <a:r>
+              <a:rPr lang="en-US" baseline="0" dirty="0" err="1" smtClean="0"/>
+              <a:t>và</a:t>
+            </a:r>
+            <a:r>
+              <a:rPr lang="en-US" baseline="0" dirty="0" smtClean="0"/>
+              <a:t> </a:t>
+            </a:r>
+            <a:r>
+              <a:rPr lang="en-US" baseline="0" dirty="0" err="1" smtClean="0"/>
+              <a:t>đang</a:t>
+            </a:r>
+            <a:r>
+              <a:rPr lang="en-US" baseline="0" dirty="0" smtClean="0"/>
+              <a:t> ở </a:t>
+            </a:r>
+            <a:r>
+              <a:rPr lang="en-US" baseline="0" dirty="0" err="1" smtClean="0"/>
+              <a:t>trên</a:t>
+            </a:r>
+            <a:r>
+              <a:rPr lang="en-US" baseline="0" dirty="0" smtClean="0"/>
+              <a:t> </a:t>
+            </a:r>
+            <a:r>
+              <a:rPr lang="en-US" baseline="0" dirty="0" err="1" smtClean="0"/>
+              <a:t>đoạn</a:t>
+            </a:r>
+            <a:r>
+              <a:rPr lang="en-US" baseline="0" dirty="0" smtClean="0"/>
+              <a:t> DE</a:t>
+            </a:r>
+            <a:endParaRPr lang="en-US" dirty="0"/>
+          </a:p>
+        </p:txBody>
+      </p:sp>
+      <p:sp>
+        <p:nvSpPr>
+          <p:cNvPr id="4" name="Slide Number Placeholder 3"/>
+          <p:cNvSpPr>
+            <a:spLocks noGrp="1"/>
+          </p:cNvSpPr>
+          <p:nvPr>
+            <p:ph type="sldNum" sz="quarter" idx="10"/>
+          </p:nvPr>
+        </p:nvSpPr>
+        <p:spPr/>
+        <p:txBody>
+          <a:bodyPr/>
+          <a:lstStyle/>
+          <a:p>
+            <a:fld id="{09B67DCC-AD2A-8049-A5FE-090E7CFEAD6D}" type="slidenum">
+              <a:rPr lang="en-US" smtClean="0"/>
+              <a:t>19</a:t>
+            </a:fld>
+            <a:endParaRPr lang="en-US"/>
+          </a:p>
+        </p:txBody>
+      </p:sp>
+    </p:spTree>
+    <p:extLst>
+      <p:ext uri="{BB962C8B-B14F-4D97-AF65-F5344CB8AC3E}">
+        <p14:creationId xmlns:p14="http://schemas.microsoft.com/office/powerpoint/2010/main" val="3366343524"/>
       </p:ext>
     </p:extLst>
   </p:cSld>
@@ -2605,11 +2574,31 @@
           <a:p>
             <a:r>
               <a:rPr lang="en-US" dirty="0" err="1" smtClean="0"/>
-              <a:t>Khi</a:t>
+              <a:t>Và</a:t>
+            </a:r>
+            <a:r>
+              <a:rPr lang="en-US" baseline="0" dirty="0" smtClean="0"/>
+              <a:t> </a:t>
+            </a:r>
+            <a:r>
+              <a:rPr lang="en-US" baseline="0" dirty="0" err="1" smtClean="0"/>
+              <a:t>khi</a:t>
+            </a:r>
+            <a:r>
+              <a:rPr lang="en-US" baseline="0" dirty="0" smtClean="0"/>
+              <a:t> </a:t>
+            </a:r>
+            <a:r>
+              <a:rPr lang="en-US" baseline="0" dirty="0" err="1" smtClean="0"/>
+              <a:t>anh</a:t>
             </a:r>
             <a:r>
               <a:rPr lang="en-US" dirty="0" smtClean="0"/>
-              <a:t> di</a:t>
+              <a:t> </a:t>
+            </a:r>
+            <a:r>
+              <a:rPr lang="en-US" dirty="0" smtClean="0"/>
+              <a:t>di</a:t>
             </a:r>
             <a:r>
               <a:rPr lang="en-US" baseline="0" dirty="0" smtClean="0"/>
@@ -2706,6 +2695,190 @@
     <p:extLst>
       <p:ext uri="{BB962C8B-B14F-4D97-AF65-F5344CB8AC3E}">
         <p14:creationId xmlns:p14="http://schemas.microsoft.com/office/powerpoint/2010/main" val="1654882027"/>
+      </p:ext>
+    </p:extLst>
+  </p:cSld>
+  <p:clrMapOvr>
+    <a:masterClrMapping/>
+  </p:clrMapOvr>
+</p:notes>
+</file>
+
+<file path=ppt/notesSlides/notesSlide20.xml><?xml version="1.0" encoding="utf-8"?>
+<p:notes xmlns:a="http://schemas.openxmlformats.org/drawingml/2006/main" xmlns:r="http://schemas.openxmlformats.org/officeDocument/2006/relationships" xmlns:p="http://schemas.openxmlformats.org/presentationml/2006/main">
+  <p:cSld>
+    <p:spTree>
+      <p:nvGrpSpPr>
+        <p:cNvPr id="1" name=""/>
+        <p:cNvGrpSpPr/>
+        <p:nvPr/>
+      </p:nvGrpSpPr>
+      <p:grpSpPr>
+        <a:xfrm>
+          <a:off x="0" y="0"/>
+          <a:ext cx="0" cy="0"/>
+          <a:chOff x="0" y="0"/>
+          <a:chExt cx="0" cy="0"/>
+        </a:xfrm>
+      </p:grpSpPr>
+      <p:sp>
+        <p:nvSpPr>
+          <p:cNvPr id="2" name="Slide Image Placeholder 1"/>
+          <p:cNvSpPr>
+            <a:spLocks noGrp="1" noRot="1" noChangeAspect="1"/>
+          </p:cNvSpPr>
+          <p:nvPr>
+            <p:ph type="sldImg"/>
+          </p:nvPr>
+        </p:nvSpPr>
+        <p:spPr/>
+      </p:sp>
+      <p:sp>
+        <p:nvSpPr>
+          <p:cNvPr id="3" name="Notes Placeholder 2"/>
+          <p:cNvSpPr>
+            <a:spLocks noGrp="1"/>
+          </p:cNvSpPr>
+          <p:nvPr>
+            <p:ph type="body" idx="1"/>
+          </p:nvPr>
+        </p:nvSpPr>
+        <p:spPr/>
+        <p:txBody>
+          <a:bodyPr/>
+          <a:lstStyle/>
+          <a:p>
+            <a:r>
+              <a:rPr lang="en-US" dirty="0" smtClean="0"/>
+              <a:t>Sau </a:t>
+            </a:r>
+            <a:r>
+              <a:rPr lang="en-US" dirty="0" err="1" smtClean="0"/>
+              <a:t>đó</a:t>
+            </a:r>
+            <a:r>
+              <a:rPr lang="en-US" baseline="0" dirty="0" smtClean="0"/>
+              <a:t> </a:t>
+            </a:r>
+            <a:r>
+              <a:rPr lang="en-US" baseline="0" dirty="0" err="1" smtClean="0"/>
+              <a:t>thông</a:t>
+            </a:r>
+            <a:r>
+              <a:rPr lang="en-US" baseline="0" dirty="0" smtClean="0"/>
+              <a:t> </a:t>
+            </a:r>
+            <a:r>
+              <a:rPr lang="en-US" baseline="0" dirty="0" err="1" smtClean="0"/>
+              <a:t>báo</a:t>
+            </a:r>
+            <a:r>
+              <a:rPr lang="en-US" baseline="0" dirty="0" smtClean="0"/>
+              <a:t> </a:t>
+            </a:r>
+            <a:r>
+              <a:rPr lang="en-US" baseline="0" dirty="0" err="1" smtClean="0"/>
+              <a:t>cho</a:t>
+            </a:r>
+            <a:r>
+              <a:rPr lang="en-US" baseline="0" dirty="0" smtClean="0"/>
+              <a:t> </a:t>
+            </a:r>
+            <a:r>
+              <a:rPr lang="en-US" baseline="0" dirty="0" err="1" smtClean="0"/>
+              <a:t>người</a:t>
+            </a:r>
+            <a:r>
+              <a:rPr lang="en-US" baseline="0" dirty="0" smtClean="0"/>
+              <a:t> dung </a:t>
+            </a:r>
+            <a:r>
+              <a:rPr lang="en-US" baseline="0" dirty="0" err="1" smtClean="0"/>
+              <a:t>biết</a:t>
+            </a:r>
+            <a:r>
+              <a:rPr lang="en-US" baseline="0" dirty="0" smtClean="0"/>
+              <a:t> </a:t>
+            </a:r>
+            <a:r>
+              <a:rPr lang="en-US" baseline="0" dirty="0" err="1" smtClean="0"/>
+              <a:t>họ</a:t>
+            </a:r>
+            <a:r>
+              <a:rPr lang="en-US" baseline="0" dirty="0" smtClean="0"/>
+              <a:t> </a:t>
+            </a:r>
+            <a:r>
+              <a:rPr lang="en-US" baseline="0" dirty="0" err="1" smtClean="0"/>
+              <a:t>đã</a:t>
+            </a:r>
+            <a:r>
+              <a:rPr lang="en-US" baseline="0" dirty="0" smtClean="0"/>
+              <a:t> </a:t>
+            </a:r>
+            <a:r>
+              <a:rPr lang="en-US" baseline="0" dirty="0" err="1" smtClean="0"/>
+              <a:t>trở</a:t>
+            </a:r>
+            <a:r>
+              <a:rPr lang="en-US" baseline="0" dirty="0" smtClean="0"/>
+              <a:t> </a:t>
+            </a:r>
+            <a:r>
+              <a:rPr lang="en-US" baseline="0" dirty="0" err="1" smtClean="0"/>
+              <a:t>về</a:t>
+            </a:r>
+            <a:r>
+              <a:rPr lang="en-US" baseline="0" dirty="0" smtClean="0"/>
+              <a:t> </a:t>
+            </a:r>
+            <a:r>
+              <a:rPr lang="en-US" baseline="0" dirty="0" err="1" smtClean="0"/>
+              <a:t>đúng</a:t>
+            </a:r>
+            <a:r>
+              <a:rPr lang="en-US" baseline="0" dirty="0" smtClean="0"/>
+              <a:t> </a:t>
+            </a:r>
+            <a:r>
+              <a:rPr lang="en-US" baseline="0" dirty="0" err="1" smtClean="0"/>
+              <a:t>đường</a:t>
+            </a:r>
+            <a:r>
+              <a:rPr lang="en-US" baseline="0" smtClean="0"/>
+              <a:t>.</a:t>
+            </a:r>
+            <a:endParaRPr lang="en-US" dirty="0"/>
+          </a:p>
+        </p:txBody>
+      </p:sp>
+      <p:sp>
+        <p:nvSpPr>
+          <p:cNvPr id="4" name="Slide Number Placeholder 3"/>
+          <p:cNvSpPr>
+            <a:spLocks noGrp="1"/>
+          </p:cNvSpPr>
+          <p:nvPr>
+            <p:ph type="sldNum" sz="quarter" idx="10"/>
+          </p:nvPr>
+        </p:nvSpPr>
+        <p:spPr/>
+        <p:txBody>
+          <a:bodyPr/>
+          <a:lstStyle/>
+          <a:p>
+            <a:fld id="{09B67DCC-AD2A-8049-A5FE-090E7CFEAD6D}" type="slidenum">
+              <a:rPr lang="en-US" smtClean="0"/>
+              <a:t>20</a:t>
+            </a:fld>
+            <a:endParaRPr lang="en-US"/>
+          </a:p>
+        </p:txBody>
+      </p:sp>
+    </p:spTree>
+    <p:extLst>
+      <p:ext uri="{BB962C8B-B14F-4D97-AF65-F5344CB8AC3E}">
+        <p14:creationId xmlns:p14="http://schemas.microsoft.com/office/powerpoint/2010/main" val="2312258539"/>
       </p:ext>
     </p:extLst>
   </p:cSld>
@@ -3177,59 +3350,11 @@
             </a:r>
             <a:r>
               <a:rPr lang="en-US" baseline="0" dirty="0" err="1" smtClean="0"/>
-              <a:t>với</a:t>
-            </a:r>
-            <a:r>
-              <a:rPr lang="en-US" baseline="0" dirty="0" smtClean="0"/>
-              <a:t> </a:t>
-            </a:r>
-            <a:r>
-              <a:rPr lang="en-US" baseline="0" dirty="0" err="1" smtClean="0"/>
-              <a:t>giác</a:t>
-            </a:r>
-            <a:r>
-              <a:rPr lang="en-US" baseline="0" dirty="0" smtClean="0"/>
-              <a:t> </a:t>
-            </a:r>
-            <a:r>
-              <a:rPr lang="en-US" baseline="0" dirty="0" err="1" smtClean="0"/>
-              <a:t>quan</a:t>
-            </a:r>
-            <a:r>
-              <a:rPr lang="en-US" baseline="0" dirty="0" smtClean="0"/>
-              <a:t> </a:t>
-            </a:r>
-            <a:r>
-              <a:rPr lang="en-US" baseline="0" dirty="0" err="1" smtClean="0"/>
-              <a:t>thứ</a:t>
-            </a:r>
-            <a:r>
-              <a:rPr lang="en-US" baseline="0" dirty="0" smtClean="0"/>
-              <a:t> 6 </a:t>
-            </a:r>
-            <a:r>
-              <a:rPr lang="en-US" baseline="0" dirty="0" err="1" smtClean="0"/>
-              <a:t>của</a:t>
-            </a:r>
-            <a:r>
-              <a:rPr lang="en-US" baseline="0" dirty="0" smtClean="0"/>
-              <a:t> </a:t>
-            </a:r>
-            <a:r>
-              <a:rPr lang="en-US" baseline="0" dirty="0" err="1" smtClean="0"/>
-              <a:t>đàn</a:t>
-            </a:r>
-            <a:r>
-              <a:rPr lang="en-US" baseline="0" dirty="0" smtClean="0"/>
-              <a:t> </a:t>
-            </a:r>
-            <a:r>
-              <a:rPr lang="en-US" baseline="0" dirty="0" err="1" smtClean="0"/>
-              <a:t>ông</a:t>
-            </a:r>
-            <a:r>
-              <a:rPr lang="en-US" baseline="0" dirty="0" smtClean="0"/>
-              <a:t>, </a:t>
+              <a:t>khi</a:t>
+            </a:r>
+            <a:r>
+              <a:rPr lang="en-US" baseline="0" dirty="0" smtClean="0"/>
+              <a:t> </a:t>
             </a:r>
             <a:r>
               <a:rPr lang="en-US" baseline="0" dirty="0" err="1" smtClean="0"/>
@@ -3237,19 +3362,19 @@
             </a:r>
             <a:r>
               <a:rPr lang="en-US" baseline="0" dirty="0" smtClean="0"/>
-              <a:t> ta </a:t>
-            </a:r>
-            <a:r>
-              <a:rPr lang="en-US" baseline="0" dirty="0" err="1" smtClean="0"/>
-              <a:t>chợt</a:t>
-            </a:r>
-            <a:r>
-              <a:rPr lang="en-US" baseline="0" dirty="0" smtClean="0"/>
-              <a:t> </a:t>
-            </a:r>
-            <a:r>
-              <a:rPr lang="en-US" baseline="0" dirty="0" err="1" smtClean="0"/>
-              <a:t>mở</a:t>
+              <a:t> </a:t>
+            </a:r>
+            <a:r>
+              <a:rPr lang="en-US" baseline="0" dirty="0" err="1" smtClean="0"/>
+              <a:t>truy</a:t>
+            </a:r>
+            <a:r>
+              <a:rPr lang="en-US" baseline="0" dirty="0" smtClean="0"/>
+              <a:t> </a:t>
+            </a:r>
+            <a:r>
+              <a:rPr lang="en-US" baseline="0" dirty="0" err="1" smtClean="0"/>
+              <a:t>cập</a:t>
             </a:r>
             <a:r>
               <a:rPr lang="en-US" baseline="0" dirty="0" smtClean="0"/>
@@ -3257,14 +3382,6 @@
             </a:r>
             <a:r>
               <a:rPr lang="en-US" baseline="0" dirty="0" err="1" smtClean="0"/>
-              <a:t>ra</a:t>
-            </a:r>
-            <a:r>
-              <a:rPr lang="en-US" baseline="0" dirty="0" smtClean="0"/>
-              <a:t> </a:t>
-            </a:r>
-            <a:r>
-              <a:rPr lang="en-US" baseline="0" dirty="0" err="1" smtClean="0"/>
               <a:t>để</a:t>
             </a:r>
             <a:r>
@@ -3289,23 +3406,7 @@
             </a:r>
             <a:r>
               <a:rPr lang="en-US" baseline="0" dirty="0" err="1" smtClean="0"/>
-              <a:t>và</a:t>
-            </a:r>
-            <a:r>
-              <a:rPr lang="en-US" baseline="0" dirty="0" smtClean="0"/>
-              <a:t> </a:t>
-            </a:r>
-            <a:r>
-              <a:rPr lang="en-US" baseline="0" dirty="0" err="1" smtClean="0"/>
-              <a:t>khi</a:t>
-            </a:r>
-            <a:r>
-              <a:rPr lang="en-US" baseline="0" dirty="0" smtClean="0"/>
-              <a:t> </a:t>
-            </a:r>
-            <a:r>
-              <a:rPr lang="en-US" baseline="0" dirty="0" err="1" smtClean="0"/>
-              <a:t>đó</a:t>
+              <a:t>thì</a:t>
             </a:r>
             <a:r>
               <a:rPr lang="en-US" baseline="0" dirty="0" smtClean="0"/>
@@ -3321,14 +3422,6 @@
             </a:r>
             <a:r>
               <a:rPr lang="en-US" baseline="0" dirty="0" err="1" smtClean="0"/>
-              <a:t>khương</a:t>
-            </a:r>
-            <a:r>
-              <a:rPr lang="en-US" baseline="0" dirty="0" smtClean="0"/>
-              <a:t> </a:t>
-            </a:r>
-            <a:r>
-              <a:rPr lang="en-US" baseline="0" dirty="0" err="1" smtClean="0"/>
               <a:t>đã</a:t>
             </a:r>
             <a:r>
@@ -3337,7 +3430,7 @@
             </a:r>
             <a:r>
               <a:rPr lang="en-US" baseline="0" dirty="0" err="1" smtClean="0"/>
-              <a:t>đi</a:t>
+              <a:t>bị</a:t>
             </a:r>
             <a:r>
               <a:rPr lang="en-US" baseline="0" dirty="0" smtClean="0"/>
@@ -3453,59 +3546,79 @@
           <a:p>
             <a:r>
               <a:rPr lang="en-US" dirty="0" err="1" smtClean="0"/>
-              <a:t>Với</a:t>
-            </a:r>
-            <a:r>
-              <a:rPr lang="en-US" baseline="0" dirty="0" smtClean="0"/>
-              <a:t> </a:t>
-            </a:r>
-            <a:r>
-              <a:rPr lang="en-US" baseline="0" dirty="0" err="1" smtClean="0"/>
-              <a:t>v</a:t>
+              <a:t>Tương</a:t>
+            </a:r>
+            <a:r>
+              <a:rPr lang="en-US" baseline="0" dirty="0" smtClean="0"/>
+              <a:t> </a:t>
+            </a:r>
+            <a:r>
+              <a:rPr lang="en-US" baseline="0" dirty="0" err="1" smtClean="0"/>
+              <a:t>tự</a:t>
+            </a:r>
+            <a:r>
+              <a:rPr lang="en-US" baseline="0" dirty="0" smtClean="0"/>
+              <a:t> </a:t>
+            </a:r>
+            <a:r>
+              <a:rPr lang="en-US" baseline="0" dirty="0" err="1" smtClean="0"/>
+              <a:t>với</a:t>
+            </a:r>
+            <a:r>
+              <a:rPr lang="en-US" baseline="0" dirty="0" smtClean="0"/>
+              <a:t> </a:t>
+            </a:r>
+            <a:r>
+              <a:rPr lang="en-US" baseline="0" dirty="0" err="1" smtClean="0"/>
+              <a:t>trường</a:t>
+            </a:r>
+            <a:r>
+              <a:rPr lang="en-US" baseline="0" dirty="0" smtClean="0"/>
+              <a:t> </a:t>
+            </a:r>
+            <a:r>
+              <a:rPr lang="en-US" baseline="0" dirty="0" err="1" smtClean="0"/>
+              <a:t>hợp</a:t>
+            </a:r>
+            <a:r>
+              <a:rPr lang="en-US" baseline="0" dirty="0" smtClean="0"/>
+              <a:t> </a:t>
+            </a:r>
+            <a:r>
+              <a:rPr lang="en-US" baseline="0" dirty="0" err="1" smtClean="0"/>
+              <a:t>của</a:t>
+            </a:r>
+            <a:r>
+              <a:rPr lang="en-US" baseline="0" dirty="0" smtClean="0"/>
+              <a:t> </a:t>
+            </a:r>
+            <a:r>
+              <a:rPr lang="en-US" baseline="0" dirty="0" err="1" smtClean="0"/>
+              <a:t>anh</a:t>
+            </a:r>
+            <a:r>
+              <a:rPr lang="en-US" baseline="0" dirty="0" smtClean="0"/>
+              <a:t> </a:t>
+            </a:r>
+            <a:r>
+              <a:rPr lang="en-US" baseline="0" dirty="0" err="1" smtClean="0"/>
+              <a:t>khương</a:t>
+            </a:r>
+            <a:r>
+              <a:rPr lang="en-US" baseline="0" dirty="0" smtClean="0"/>
+              <a:t>. </a:t>
             </a:r>
             <a:r>
               <a:rPr lang="en-US" dirty="0" err="1" smtClean="0"/>
-              <a:t>ấn</a:t>
-            </a:r>
-            <a:r>
-              <a:rPr lang="en-US" baseline="0" dirty="0" smtClean="0"/>
-              <a:t> </a:t>
-            </a:r>
-            <a:r>
-              <a:rPr lang="en-US" baseline="0" dirty="0" err="1" smtClean="0"/>
-              <a:t>đề</a:t>
-            </a:r>
-            <a:r>
-              <a:rPr lang="en-US" baseline="0" dirty="0" smtClean="0"/>
-              <a:t> </a:t>
-            </a:r>
-            <a:r>
-              <a:rPr lang="en-US" baseline="0" dirty="0" err="1" smtClean="0"/>
-              <a:t>của</a:t>
-            </a:r>
-            <a:r>
-              <a:rPr lang="en-US" baseline="0" dirty="0" smtClean="0"/>
-              <a:t> </a:t>
-            </a:r>
-            <a:r>
-              <a:rPr lang="en-US" baseline="0" dirty="0" err="1" smtClean="0"/>
-              <a:t>anh</a:t>
-            </a:r>
-            <a:r>
-              <a:rPr lang="en-US" baseline="0" dirty="0" smtClean="0"/>
-              <a:t> </a:t>
-            </a:r>
-            <a:r>
-              <a:rPr lang="en-US" baseline="0" dirty="0" err="1" smtClean="0"/>
-              <a:t>khương</a:t>
-            </a:r>
-            <a:r>
-              <a:rPr lang="en-US" baseline="0" dirty="0" smtClean="0"/>
-              <a:t>: </a:t>
-            </a:r>
-            <a:r>
-              <a:rPr lang="en-US" baseline="0" dirty="0" err="1" smtClean="0"/>
-              <a:t>chưa</a:t>
+              <a:t>Dù</a:t>
+            </a:r>
+            <a:r>
+              <a:rPr lang="en-US" baseline="0" dirty="0" smtClean="0"/>
+              <a:t> </a:t>
+            </a:r>
+            <a:r>
+              <a:rPr lang="en-US" baseline="0" dirty="0" err="1" smtClean="0"/>
+              <a:t>đã</a:t>
             </a:r>
             <a:r>
               <a:rPr lang="en-US" baseline="0" dirty="0" smtClean="0"/>
@@ -3521,23 +3634,47 @@
             </a:r>
             <a:r>
               <a:rPr lang="en-US" baseline="0" dirty="0" err="1" smtClean="0"/>
-              <a:t>ứng</a:t>
-            </a:r>
-            <a:r>
-              <a:rPr lang="en-US" baseline="0" dirty="0" smtClean="0"/>
-              <a:t> </a:t>
-            </a:r>
-            <a:r>
-              <a:rPr lang="en-US" baseline="0" dirty="0" err="1" smtClean="0"/>
-              <a:t>dụng</a:t>
-            </a:r>
-            <a:r>
-              <a:rPr lang="en-US" baseline="0" dirty="0" smtClean="0"/>
-              <a:t> </a:t>
-            </a:r>
-            <a:r>
-              <a:rPr lang="en-US" baseline="0" dirty="0" err="1" smtClean="0"/>
-              <a:t>nào</a:t>
+              <a:t>hướng</a:t>
+            </a:r>
+            <a:r>
+              <a:rPr lang="en-US" baseline="0" dirty="0" smtClean="0"/>
+              <a:t> </a:t>
+            </a:r>
+            <a:r>
+              <a:rPr lang="en-US" baseline="0" dirty="0" err="1" smtClean="0"/>
+              <a:t>dẫn</a:t>
+            </a:r>
+            <a:r>
+              <a:rPr lang="en-US" baseline="0" dirty="0" smtClean="0"/>
+              <a:t> </a:t>
+            </a:r>
+            <a:r>
+              <a:rPr lang="en-US" baseline="0" dirty="0" err="1" smtClean="0"/>
+              <a:t>đầy</a:t>
+            </a:r>
+            <a:r>
+              <a:rPr lang="en-US" baseline="0" dirty="0" smtClean="0"/>
+              <a:t> </a:t>
+            </a:r>
+            <a:r>
+              <a:rPr lang="en-US" baseline="0" dirty="0" err="1" smtClean="0"/>
+              <a:t>đủ</a:t>
+            </a:r>
+            <a:r>
+              <a:rPr lang="en-US" baseline="0" dirty="0" smtClean="0"/>
+              <a:t>, </a:t>
+            </a:r>
+            <a:r>
+              <a:rPr lang="en-US" baseline="0" dirty="0" err="1" smtClean="0"/>
+              <a:t>nhưng</a:t>
+            </a:r>
+            <a:r>
+              <a:rPr lang="en-US" baseline="0" dirty="0" smtClean="0"/>
+              <a:t> </a:t>
+            </a:r>
+            <a:r>
+              <a:rPr lang="en-US" baseline="0" dirty="0" err="1" smtClean="0"/>
+              <a:t>cũng</a:t>
             </a:r>
             <a:r>
               <a:rPr lang="en-US" baseline="0" dirty="0" smtClean="0"/>
@@ -3553,15 +3690,31 @@
             </a:r>
             <a:r>
               <a:rPr lang="en-US" baseline="0" dirty="0" err="1" smtClean="0"/>
-              <a:t>thể</a:t>
-            </a:r>
-            <a:r>
-              <a:rPr lang="en-US" baseline="0" dirty="0" smtClean="0"/>
-              <a:t> </a:t>
-            </a:r>
-            <a:r>
-              <a:rPr lang="en-US" baseline="0" dirty="0" err="1" smtClean="0"/>
-              <a:t>cho</a:t>
+              <a:t>không</a:t>
+            </a:r>
+            <a:r>
+              <a:rPr lang="en-US" baseline="0" dirty="0" smtClean="0"/>
+              <a:t> </a:t>
+            </a:r>
+            <a:r>
+              <a:rPr lang="en-US" baseline="0" dirty="0" err="1" smtClean="0"/>
+              <a:t>ít</a:t>
+            </a:r>
+            <a:r>
+              <a:rPr lang="en-US" baseline="0" dirty="0" smtClean="0"/>
+              <a:t> </a:t>
+            </a:r>
+            <a:r>
+              <a:rPr lang="en-US" baseline="0" dirty="0" err="1" smtClean="0"/>
+              <a:t>trường</a:t>
+            </a:r>
+            <a:r>
+              <a:rPr lang="en-US" baseline="0" dirty="0" smtClean="0"/>
+              <a:t> </a:t>
+            </a:r>
+            <a:r>
+              <a:rPr lang="en-US" baseline="0" dirty="0" err="1" smtClean="0"/>
+              <a:t>hợp</a:t>
             </a:r>
             <a:r>
               <a:rPr lang="en-US" baseline="0" dirty="0" smtClean="0"/>
@@ -3577,23 +3730,7 @@
             </a:r>
             <a:r>
               <a:rPr lang="en-US" baseline="0" dirty="0" err="1" smtClean="0"/>
-              <a:t>biết</a:t>
-            </a:r>
-            <a:r>
-              <a:rPr lang="en-US" baseline="0" dirty="0" smtClean="0"/>
-              <a:t> </a:t>
-            </a:r>
-            <a:r>
-              <a:rPr lang="en-US" baseline="0" dirty="0" err="1" smtClean="0"/>
-              <a:t>họ</a:t>
-            </a:r>
-            <a:r>
-              <a:rPr lang="en-US" baseline="0" dirty="0" smtClean="0"/>
-              <a:t> </a:t>
-            </a:r>
-            <a:r>
-              <a:rPr lang="en-US" baseline="0" dirty="0" err="1" smtClean="0"/>
-              <a:t>đang</a:t>
+              <a:t>vẫn</a:t>
             </a:r>
             <a:r>
               <a:rPr lang="en-US" baseline="0" dirty="0" smtClean="0"/>
@@ -3621,7 +3758,7 @@
             </a:r>
             <a:r>
               <a:rPr lang="en-US" baseline="0" dirty="0" smtClean="0"/>
-              <a:t>. </a:t>
+              <a:t>.</a:t>
             </a:r>
             <a:endParaRPr lang="en-US" dirty="0"/>
           </a:p>
@@ -4061,8 +4198,210 @@
           <a:lstStyle/>
           <a:p>
             <a:r>
-              <a:rPr lang="vi-VN" dirty="0" smtClean="0"/>
-              <a:t>thuật toán phát hiện sai đường.</a:t>
+              <a:rPr lang="en-US" dirty="0" smtClean="0"/>
+              <a:t>Sau </a:t>
+            </a:r>
+            <a:r>
+              <a:rPr lang="en-US" dirty="0" err="1" smtClean="0"/>
+              <a:t>đây</a:t>
+            </a:r>
+            <a:r>
+              <a:rPr lang="en-US" baseline="0" dirty="0" smtClean="0"/>
+              <a:t> </a:t>
+            </a:r>
+            <a:r>
+              <a:rPr lang="en-US" baseline="0" dirty="0" err="1" smtClean="0"/>
+              <a:t>tôi</a:t>
+            </a:r>
+            <a:r>
+              <a:rPr lang="en-US" baseline="0" dirty="0" smtClean="0"/>
+              <a:t> </a:t>
+            </a:r>
+            <a:r>
+              <a:rPr lang="en-US" baseline="0" dirty="0" err="1" smtClean="0"/>
+              <a:t>xin</a:t>
+            </a:r>
+            <a:r>
+              <a:rPr lang="en-US" baseline="0" dirty="0" smtClean="0"/>
+              <a:t> </a:t>
+            </a:r>
+            <a:r>
+              <a:rPr lang="en-US" baseline="0" dirty="0" err="1" smtClean="0"/>
+              <a:t>trình</a:t>
+            </a:r>
+            <a:r>
+              <a:rPr lang="en-US" baseline="0" dirty="0" smtClean="0"/>
+              <a:t> </a:t>
+            </a:r>
+            <a:r>
+              <a:rPr lang="en-US" baseline="0" dirty="0" err="1" smtClean="0"/>
+              <a:t>bày</a:t>
+            </a:r>
+            <a:r>
+              <a:rPr lang="en-US" baseline="0" dirty="0" smtClean="0"/>
+              <a:t> </a:t>
+            </a:r>
+            <a:r>
+              <a:rPr lang="en-US" baseline="0" dirty="0" err="1" smtClean="0"/>
+              <a:t>thuật</a:t>
+            </a:r>
+            <a:r>
+              <a:rPr lang="en-US" baseline="0" dirty="0" smtClean="0"/>
+              <a:t> </a:t>
+            </a:r>
+            <a:r>
+              <a:rPr lang="en-US" baseline="0" dirty="0" err="1" smtClean="0"/>
+              <a:t>toán</a:t>
+            </a:r>
+            <a:r>
+              <a:rPr lang="en-US" baseline="0" dirty="0" smtClean="0"/>
+              <a:t> </a:t>
+            </a:r>
+            <a:r>
+              <a:rPr lang="en-US" baseline="0" dirty="0" err="1" smtClean="0"/>
+              <a:t>phát</a:t>
+            </a:r>
+            <a:r>
+              <a:rPr lang="en-US" baseline="0" dirty="0" smtClean="0"/>
+              <a:t> </a:t>
+            </a:r>
+            <a:r>
+              <a:rPr lang="en-US" baseline="0" dirty="0" err="1" smtClean="0"/>
+              <a:t>hiện</a:t>
+            </a:r>
+            <a:r>
+              <a:rPr lang="en-US" baseline="0" dirty="0" smtClean="0"/>
+              <a:t> </a:t>
+            </a:r>
+            <a:r>
+              <a:rPr lang="en-US" baseline="0" dirty="0" err="1" smtClean="0"/>
+              <a:t>sai</a:t>
+            </a:r>
+            <a:r>
+              <a:rPr lang="en-US" baseline="0" dirty="0" smtClean="0"/>
+              <a:t> </a:t>
+            </a:r>
+            <a:r>
+              <a:rPr lang="en-US" baseline="0" dirty="0" err="1" smtClean="0"/>
+              <a:t>đường</a:t>
+            </a:r>
+            <a:r>
+              <a:rPr lang="en-US" baseline="0" dirty="0" smtClean="0"/>
+              <a:t>.</a:t>
+            </a:r>
+          </a:p>
+          <a:p>
+            <a:r>
+              <a:rPr lang="en-US" baseline="0" dirty="0" err="1" smtClean="0"/>
+              <a:t>Thuật</a:t>
+            </a:r>
+            <a:r>
+              <a:rPr lang="en-US" baseline="0" dirty="0" smtClean="0"/>
+              <a:t> </a:t>
+            </a:r>
+            <a:r>
+              <a:rPr lang="en-US" baseline="0" dirty="0" err="1" smtClean="0"/>
+              <a:t>toán</a:t>
+            </a:r>
+            <a:r>
+              <a:rPr lang="en-US" baseline="0" dirty="0" smtClean="0"/>
+              <a:t> </a:t>
+            </a:r>
+            <a:r>
+              <a:rPr lang="en-US" baseline="0" dirty="0" err="1" smtClean="0"/>
+              <a:t>này</a:t>
+            </a:r>
+            <a:r>
+              <a:rPr lang="en-US" baseline="0" dirty="0" smtClean="0"/>
+              <a:t> dung </a:t>
+            </a:r>
+            <a:r>
+              <a:rPr lang="en-US" baseline="0" dirty="0" err="1" smtClean="0"/>
+              <a:t>để</a:t>
+            </a:r>
+            <a:r>
+              <a:rPr lang="en-US" baseline="0" dirty="0" smtClean="0"/>
+              <a:t> </a:t>
+            </a:r>
+            <a:r>
+              <a:rPr lang="en-US" baseline="0" dirty="0" err="1" smtClean="0"/>
+              <a:t>giúp</a:t>
+            </a:r>
+            <a:r>
+              <a:rPr lang="en-US" baseline="0" dirty="0" smtClean="0"/>
+              <a:t> </a:t>
+            </a:r>
+            <a:r>
+              <a:rPr lang="en-US" baseline="0" dirty="0" err="1" smtClean="0"/>
+              <a:t>người</a:t>
+            </a:r>
+            <a:r>
+              <a:rPr lang="en-US" baseline="0" dirty="0" smtClean="0"/>
+              <a:t> dung </a:t>
+            </a:r>
+            <a:r>
+              <a:rPr lang="en-US" baseline="0" dirty="0" err="1" smtClean="0"/>
+              <a:t>biết</a:t>
+            </a:r>
+            <a:r>
+              <a:rPr lang="en-US" baseline="0" dirty="0" smtClean="0"/>
+              <a:t> </a:t>
+            </a:r>
+            <a:r>
+              <a:rPr lang="en-US" baseline="0" dirty="0" err="1" smtClean="0"/>
+              <a:t>được</a:t>
+            </a:r>
+            <a:r>
+              <a:rPr lang="en-US" baseline="0" dirty="0" smtClean="0"/>
+              <a:t> </a:t>
+            </a:r>
+            <a:r>
+              <a:rPr lang="en-US" baseline="0" dirty="0" err="1" smtClean="0"/>
+              <a:t>khi</a:t>
+            </a:r>
+            <a:r>
+              <a:rPr lang="en-US" baseline="0" dirty="0" smtClean="0"/>
+              <a:t> </a:t>
+            </a:r>
+            <a:r>
+              <a:rPr lang="en-US" baseline="0" dirty="0" err="1" smtClean="0"/>
+              <a:t>nào</a:t>
+            </a:r>
+            <a:r>
+              <a:rPr lang="en-US" baseline="0" dirty="0" smtClean="0"/>
+              <a:t> </a:t>
+            </a:r>
+            <a:r>
+              <a:rPr lang="en-US" baseline="0" dirty="0" err="1" smtClean="0"/>
+              <a:t>họ</a:t>
+            </a:r>
+            <a:r>
+              <a:rPr lang="en-US" baseline="0" dirty="0" smtClean="0"/>
+              <a:t> </a:t>
+            </a:r>
+            <a:r>
+              <a:rPr lang="en-US" baseline="0" dirty="0" err="1" smtClean="0"/>
+              <a:t>đi</a:t>
+            </a:r>
+            <a:r>
+              <a:rPr lang="en-US" baseline="0" dirty="0" smtClean="0"/>
+              <a:t> </a:t>
+            </a:r>
+            <a:r>
+              <a:rPr lang="en-US" baseline="0" dirty="0" err="1" smtClean="0"/>
+              <a:t>sai</a:t>
+            </a:r>
+            <a:r>
+              <a:rPr lang="en-US" baseline="0" dirty="0" smtClean="0"/>
+              <a:t> </a:t>
+            </a:r>
+            <a:r>
+              <a:rPr lang="en-US" baseline="0" dirty="0" err="1" smtClean="0"/>
+              <a:t>đường</a:t>
+            </a:r>
+            <a:r>
+              <a:rPr lang="en-US" baseline="0" dirty="0" smtClean="0"/>
+              <a:t>.</a:t>
             </a:r>
             <a:endParaRPr lang="en-US" dirty="0"/>
           </a:p>
@@ -4371,7 +4710,7 @@
           <a:p>
             <a:fld id="{94B1E4EC-92D8-4A33-94B0-5CDDBDDA3BE9}" type="datetimeFigureOut">
               <a:rPr lang="en-US" smtClean="0"/>
-              <a:t>12/11/2015</a:t>
+              <a:t>12/14/2015</a:t>
             </a:fld>
             <a:endParaRPr lang="en-US"/>
           </a:p>
@@ -4541,7 +4880,7 @@
           <a:p>
             <a:fld id="{94B1E4EC-92D8-4A33-94B0-5CDDBDDA3BE9}" type="datetimeFigureOut">
               <a:rPr lang="en-US" smtClean="0"/>
-              <a:t>12/11/2015</a:t>
+              <a:t>12/14/2015</a:t>
             </a:fld>
             <a:endParaRPr lang="en-US"/>
           </a:p>
@@ -4721,7 +5060,7 @@
           <a:p>
             <a:fld id="{94B1E4EC-92D8-4A33-94B0-5CDDBDDA3BE9}" type="datetimeFigureOut">
               <a:rPr lang="en-US" smtClean="0"/>
-              <a:t>12/11/2015</a:t>
+              <a:t>12/14/2015</a:t>
             </a:fld>
             <a:endParaRPr lang="en-US"/>
           </a:p>
@@ -5186,7 +5525,7 @@
           <a:p>
             <a:fld id="{94B1E4EC-92D8-4A33-94B0-5CDDBDDA3BE9}" type="datetimeFigureOut">
               <a:rPr lang="en-US" smtClean="0"/>
-              <a:t>12/11/2015</a:t>
+              <a:t>12/14/2015</a:t>
             </a:fld>
             <a:endParaRPr lang="en-US"/>
           </a:p>
@@ -5430,7 +5769,7 @@
           <a:p>
             <a:fld id="{94B1E4EC-92D8-4A33-94B0-5CDDBDDA3BE9}" type="datetimeFigureOut">
               <a:rPr lang="en-US" smtClean="0"/>
-              <a:t>12/11/2015</a:t>
+              <a:t>12/14/2015</a:t>
             </a:fld>
             <a:endParaRPr lang="en-US"/>
           </a:p>
@@ -5662,7 +6001,7 @@
           <a:p>
             <a:fld id="{94B1E4EC-92D8-4A33-94B0-5CDDBDDA3BE9}" type="datetimeFigureOut">
               <a:rPr lang="en-US" smtClean="0"/>
-              <a:t>12/11/2015</a:t>
+              <a:t>12/14/2015</a:t>
             </a:fld>
             <a:endParaRPr lang="en-US"/>
           </a:p>
@@ -6029,7 +6368,7 @@
           <a:p>
             <a:fld id="{94B1E4EC-92D8-4A33-94B0-5CDDBDDA3BE9}" type="datetimeFigureOut">
               <a:rPr lang="en-US" smtClean="0"/>
-              <a:t>12/11/2015</a:t>
+              <a:t>12/14/2015</a:t>
             </a:fld>
             <a:endParaRPr lang="en-US"/>
           </a:p>
@@ -6147,7 +6486,7 @@
           <a:p>
             <a:fld id="{94B1E4EC-92D8-4A33-94B0-5CDDBDDA3BE9}" type="datetimeFigureOut">
               <a:rPr lang="en-US" smtClean="0"/>
-              <a:t>12/11/2015</a:t>
+              <a:t>12/14/2015</a:t>
             </a:fld>
             <a:endParaRPr lang="en-US"/>
           </a:p>
@@ -6242,7 +6581,7 @@
           <a:p>
             <a:fld id="{94B1E4EC-92D8-4A33-94B0-5CDDBDDA3BE9}" type="datetimeFigureOut">
               <a:rPr lang="en-US" smtClean="0"/>
-              <a:t>12/11/2015</a:t>
+              <a:t>12/14/2015</a:t>
             </a:fld>
             <a:endParaRPr lang="en-US"/>
           </a:p>
@@ -6519,7 +6858,7 @@
           <a:p>
             <a:fld id="{94B1E4EC-92D8-4A33-94B0-5CDDBDDA3BE9}" type="datetimeFigureOut">
               <a:rPr lang="en-US" smtClean="0"/>
-              <a:t>12/11/2015</a:t>
+              <a:t>12/14/2015</a:t>
             </a:fld>
             <a:endParaRPr lang="en-US"/>
           </a:p>
@@ -6776,7 +7115,7 @@
           <a:p>
             <a:fld id="{94B1E4EC-92D8-4A33-94B0-5CDDBDDA3BE9}" type="datetimeFigureOut">
               <a:rPr lang="en-US" smtClean="0"/>
-              <a:t>12/11/2015</a:t>
+              <a:t>12/14/2015</a:t>
             </a:fld>
             <a:endParaRPr lang="en-US"/>
           </a:p>
@@ -6989,7 +7328,7 @@
           <a:p>
             <a:fld id="{94B1E4EC-92D8-4A33-94B0-5CDDBDDA3BE9}" type="datetimeFigureOut">
               <a:rPr lang="en-US" smtClean="0"/>
-              <a:t>12/11/2015</a:t>
+              <a:t>12/14/2015</a:t>
             </a:fld>
             <a:endParaRPr lang="en-US"/>
           </a:p>
@@ -7469,7 +7808,7 @@
         <p:spPr>
           <a:xfrm>
             <a:off x="457200" y="1740802"/>
-            <a:ext cx="7980947" cy="830997"/>
+            <a:ext cx="7980947" cy="461665"/>
           </a:xfrm>
           <a:prstGeom prst="rect">
             <a:avLst/>
@@ -7484,53 +7823,11 @@
           <a:p>
             <a:r>
               <a:rPr lang="en-US" sz="2400" dirty="0" smtClean="0"/>
-              <a:t>Nickname of  Mr. </a:t>
-            </a:r>
-            <a:r>
-              <a:rPr lang="en-US" sz="2400" dirty="0" err="1" smtClean="0"/>
-              <a:t>Khuong</a:t>
+              <a:t>Mr</a:t>
             </a:r>
             <a:r>
               <a:rPr lang="en-US" sz="2400" dirty="0" smtClean="0"/>
-              <a:t> is “</a:t>
-            </a:r>
-            <a:r>
-              <a:rPr lang="en-US" sz="2400" dirty="0" err="1" smtClean="0"/>
-              <a:t>Khuong</a:t>
-            </a:r>
-            <a:r>
-              <a:rPr lang="en-US" sz="2400" dirty="0" smtClean="0"/>
-              <a:t> </a:t>
-            </a:r>
-            <a:r>
-              <a:rPr lang="en-US" sz="2400" dirty="0" err="1" smtClean="0"/>
-              <a:t>không</a:t>
-            </a:r>
-            <a:r>
-              <a:rPr lang="en-US" sz="2400" dirty="0" smtClean="0"/>
-              <a:t> </a:t>
-            </a:r>
-            <a:r>
-              <a:rPr lang="en-US" sz="2400" dirty="0" err="1" smtClean="0"/>
-              <a:t>sợ</a:t>
-            </a:r>
-            <a:r>
-              <a:rPr lang="en-US" sz="2400" dirty="0" smtClean="0"/>
-              <a:t> </a:t>
-            </a:r>
-            <a:r>
-              <a:rPr lang="en-US" sz="2400" dirty="0" err="1" smtClean="0"/>
-              <a:t>chết</a:t>
-            </a:r>
-            <a:r>
-              <a:rPr lang="en-US" sz="2400" dirty="0" smtClean="0"/>
-              <a:t>”.</a:t>
-            </a:r>
-          </a:p>
-          <a:p>
-            <a:r>
-              <a:rPr lang="en-US" sz="2400" dirty="0" smtClean="0"/>
-              <a:t>Mr. </a:t>
+              <a:t>. </a:t>
             </a:r>
             <a:r>
               <a:rPr lang="en-US" sz="2400" dirty="0" err="1" smtClean="0"/>
@@ -16534,11 +16831,7 @@
             <a:pPr algn="ctr"/>
             <a:r>
               <a:rPr lang="en-US" dirty="0" smtClean="0"/>
-              <a:t>Notify</a:t>
-            </a:r>
-            <a:r>
-              <a:rPr lang="en-US" dirty="0" smtClean="0"/>
-              <a:t>: right route</a:t>
+              <a:t>Notify: right route</a:t>
             </a:r>
             <a:endParaRPr lang="en-US" dirty="0"/>
           </a:p>
@@ -16557,7 +16850,7 @@
 </p:sld>
 </file>
 
-<file path=ppt/slides/slide3.xml><?xml version="1.0" encoding="utf-8"?>
+<file path=ppt/slides/slide21.xml><?xml version="1.0" encoding="utf-8"?>
 <p:sld xmlns:a="http://schemas.openxmlformats.org/drawingml/2006/main" xmlns:r="http://schemas.openxmlformats.org/officeDocument/2006/relationships" xmlns:p="http://schemas.openxmlformats.org/presentationml/2006/main">
   <p:cSld>
     <p:spTree>
@@ -16574,784 +16867,9 @@
           <a:chExt cx="0" cy="0"/>
         </a:xfrm>
       </p:grpSpPr>
-      <p:pic>
-        <p:nvPicPr>
-          <p:cNvPr id="4" name="Picture 3"/>
-          <p:cNvPicPr>
-            <a:picLocks noChangeAspect="1"/>
-          </p:cNvPicPr>
-          <p:nvPr/>
-        </p:nvPicPr>
-        <p:blipFill>
-          <a:blip r:embed="rId3"/>
-          <a:stretch>
-            <a:fillRect/>
-          </a:stretch>
-        </p:blipFill>
-        <p:spPr>
-          <a:xfrm>
-            <a:off x="1228734" y="2656704"/>
-            <a:ext cx="5045905" cy="3951613"/>
-          </a:xfrm>
-          <a:prstGeom prst="rect">
-            <a:avLst/>
-          </a:prstGeom>
-        </p:spPr>
-      </p:pic>
-      <p:cxnSp>
-        <p:nvCxnSpPr>
-          <p:cNvPr id="7" name="Straight Connector 6"/>
-          <p:cNvCxnSpPr/>
-          <p:nvPr/>
-        </p:nvCxnSpPr>
-        <p:spPr>
-          <a:xfrm flipV="1">
-            <a:off x="2397211" y="4880919"/>
-            <a:ext cx="1618735" cy="1727398"/>
-          </a:xfrm>
-          <a:prstGeom prst="line">
-            <a:avLst/>
-          </a:prstGeom>
-          <a:ln w="57150"/>
-        </p:spPr>
-        <p:style>
-          <a:lnRef idx="1">
-            <a:schemeClr val="accent1"/>
-          </a:lnRef>
-          <a:fillRef idx="0">
-            <a:schemeClr val="accent1"/>
-          </a:fillRef>
-          <a:effectRef idx="0">
-            <a:schemeClr val="accent1"/>
-          </a:effectRef>
-          <a:fontRef idx="minor">
-            <a:schemeClr val="tx1"/>
-          </a:fontRef>
-        </p:style>
-      </p:cxnSp>
-      <p:cxnSp>
-        <p:nvCxnSpPr>
-          <p:cNvPr id="8" name="Straight Connector 7"/>
-          <p:cNvCxnSpPr/>
-          <p:nvPr/>
-        </p:nvCxnSpPr>
-        <p:spPr>
-          <a:xfrm>
-            <a:off x="1470454" y="2656704"/>
-            <a:ext cx="2545492" cy="2224215"/>
-          </a:xfrm>
-          <a:prstGeom prst="line">
-            <a:avLst/>
-          </a:prstGeom>
-          <a:ln w="57150"/>
-        </p:spPr>
-        <p:style>
-          <a:lnRef idx="1">
-            <a:schemeClr val="accent1"/>
-          </a:lnRef>
-          <a:fillRef idx="0">
-            <a:schemeClr val="accent1"/>
-          </a:fillRef>
-          <a:effectRef idx="0">
-            <a:schemeClr val="accent1"/>
-          </a:effectRef>
-          <a:fontRef idx="minor">
-            <a:schemeClr val="tx1"/>
-          </a:fontRef>
-        </p:style>
-      </p:cxnSp>
-      <p:cxnSp>
-        <p:nvCxnSpPr>
-          <p:cNvPr id="11" name="Straight Connector 10"/>
-          <p:cNvCxnSpPr/>
-          <p:nvPr/>
-        </p:nvCxnSpPr>
-        <p:spPr>
-          <a:xfrm flipH="1">
-            <a:off x="4015946" y="3584078"/>
-            <a:ext cx="1359243" cy="1296841"/>
-          </a:xfrm>
-          <a:prstGeom prst="line">
-            <a:avLst/>
-          </a:prstGeom>
-          <a:ln w="57150">
-            <a:solidFill>
-              <a:srgbClr val="FF0000"/>
-            </a:solidFill>
-          </a:ln>
-        </p:spPr>
-        <p:style>
-          <a:lnRef idx="1">
-            <a:schemeClr val="accent1"/>
-          </a:lnRef>
-          <a:fillRef idx="0">
-            <a:schemeClr val="accent1"/>
-          </a:fillRef>
-          <a:effectRef idx="0">
-            <a:schemeClr val="accent1"/>
-          </a:effectRef>
-          <a:fontRef idx="minor">
-            <a:schemeClr val="tx1"/>
-          </a:fontRef>
-        </p:style>
-      </p:cxnSp>
-      <p:sp>
-        <p:nvSpPr>
-          <p:cNvPr id="14" name="Oval 13"/>
-          <p:cNvSpPr/>
-          <p:nvPr/>
-        </p:nvSpPr>
-        <p:spPr>
-          <a:xfrm>
-            <a:off x="3813470" y="4942085"/>
-            <a:ext cx="172995" cy="172995"/>
-          </a:xfrm>
-          <a:prstGeom prst="ellipse">
-            <a:avLst/>
-          </a:prstGeom>
-          <a:solidFill>
-            <a:srgbClr val="FF0000"/>
-          </a:solidFill>
-          <a:ln>
-            <a:solidFill>
-              <a:srgbClr val="FF0000"/>
-            </a:solidFill>
-          </a:ln>
-        </p:spPr>
-        <p:style>
-          <a:lnRef idx="2">
-            <a:schemeClr val="accent1">
-              <a:shade val="50000"/>
-            </a:schemeClr>
-          </a:lnRef>
-          <a:fillRef idx="1">
-            <a:schemeClr val="accent1"/>
-          </a:fillRef>
-          <a:effectRef idx="0">
-            <a:schemeClr val="accent1"/>
-          </a:effectRef>
-          <a:fontRef idx="minor">
-            <a:schemeClr val="lt1"/>
-          </a:fontRef>
-        </p:style>
-        <p:txBody>
-          <a:bodyPr rtlCol="0" anchor="ctr"/>
-          <a:lstStyle/>
-          <a:p>
-            <a:pPr algn="ctr"/>
-            <a:endParaRPr lang="en-US"/>
-          </a:p>
-        </p:txBody>
-      </p:sp>
-      <p:sp>
-        <p:nvSpPr>
-          <p:cNvPr id="10" name="Oval Callout 9"/>
-          <p:cNvSpPr/>
-          <p:nvPr/>
-        </p:nvSpPr>
-        <p:spPr>
-          <a:xfrm>
-            <a:off x="1228734" y="4181338"/>
-            <a:ext cx="1925436" cy="902344"/>
-          </a:xfrm>
-          <a:prstGeom prst="wedgeEllipseCallout">
-            <a:avLst>
-              <a:gd name="adj1" fmla="val 87516"/>
-              <a:gd name="adj2" fmla="val 25511"/>
-            </a:avLst>
-          </a:prstGeom>
-        </p:spPr>
-        <p:style>
-          <a:lnRef idx="2">
-            <a:schemeClr val="accent1">
-              <a:shade val="50000"/>
-            </a:schemeClr>
-          </a:lnRef>
-          <a:fillRef idx="1">
-            <a:schemeClr val="accent1"/>
-          </a:fillRef>
-          <a:effectRef idx="0">
-            <a:schemeClr val="accent1"/>
-          </a:effectRef>
-          <a:fontRef idx="minor">
-            <a:schemeClr val="lt1"/>
-          </a:fontRef>
-        </p:style>
-        <p:txBody>
-          <a:bodyPr rot="0" spcFirstLastPara="0" vertOverflow="overflow" horzOverflow="overflow" vert="horz" wrap="square" lIns="91440" tIns="45720" rIns="91440" bIns="45720" numCol="1" spcCol="0" rtlCol="0" fromWordArt="0" anchor="ctr" anchorCtr="0" forceAA="0" compatLnSpc="1">
-            <a:prstTxWarp prst="textNoShape">
-              <a:avLst/>
-            </a:prstTxWarp>
-            <a:noAutofit/>
-          </a:bodyPr>
-          <a:lstStyle/>
-          <a:p>
-            <a:pPr algn="ctr"/>
-            <a:r>
-              <a:rPr lang="en-US" dirty="0" smtClean="0"/>
-              <a:t>Notify: prepare to turn left</a:t>
-            </a:r>
-            <a:endParaRPr lang="en-US" dirty="0"/>
-          </a:p>
-        </p:txBody>
-      </p:sp>
-      <p:sp>
-        <p:nvSpPr>
-          <p:cNvPr id="13" name="TextBox 12"/>
-          <p:cNvSpPr txBox="1"/>
-          <p:nvPr/>
-        </p:nvSpPr>
-        <p:spPr>
-          <a:xfrm>
-            <a:off x="1474609" y="1118016"/>
-            <a:ext cx="4923977" cy="461665"/>
-          </a:xfrm>
-          <a:prstGeom prst="rect">
-            <a:avLst/>
-          </a:prstGeom>
-          <a:noFill/>
-        </p:spPr>
-        <p:txBody>
-          <a:bodyPr wrap="none" rtlCol="0">
-            <a:spAutoFit/>
-          </a:bodyPr>
-          <a:lstStyle/>
-          <a:p>
-            <a:r>
-              <a:rPr lang="en-US" sz="2400" dirty="0" smtClean="0"/>
-              <a:t>He </a:t>
-            </a:r>
-            <a:r>
-              <a:rPr lang="en-US" sz="2400" dirty="0"/>
-              <a:t>is notified when he near next turn</a:t>
-            </a:r>
-            <a:r>
-              <a:rPr lang="en-US" sz="2400" dirty="0" smtClean="0"/>
-              <a:t>.</a:t>
-            </a:r>
-            <a:endParaRPr lang="en-US" sz="2400" dirty="0"/>
-          </a:p>
-        </p:txBody>
-      </p:sp>
-    </p:spTree>
-    <p:extLst>
-      <p:ext uri="{BB962C8B-B14F-4D97-AF65-F5344CB8AC3E}">
-        <p14:creationId xmlns:p14="http://schemas.microsoft.com/office/powerpoint/2010/main" val="2656701407"/>
-      </p:ext>
-    </p:extLst>
-  </p:cSld>
-  <p:clrMapOvr>
-    <a:masterClrMapping/>
-  </p:clrMapOvr>
-</p:sld>
-</file>
-
-<file path=ppt/slides/slide4.xml><?xml version="1.0" encoding="utf-8"?>
-<p:sld xmlns:a="http://schemas.openxmlformats.org/drawingml/2006/main" xmlns:r="http://schemas.openxmlformats.org/officeDocument/2006/relationships" xmlns:p="http://schemas.openxmlformats.org/presentationml/2006/main">
-  <p:cSld>
-    <p:spTree>
-      <p:nvGrpSpPr>
-        <p:cNvPr id="1" name=""/>
-        <p:cNvGrpSpPr/>
-        <p:nvPr/>
-      </p:nvGrpSpPr>
-      <p:grpSpPr>
-        <a:xfrm>
-          <a:off x="0" y="0"/>
-          <a:ext cx="0" cy="0"/>
-          <a:chOff x="0" y="0"/>
-          <a:chExt cx="0" cy="0"/>
-        </a:xfrm>
-      </p:grpSpPr>
-      <p:pic>
-        <p:nvPicPr>
-          <p:cNvPr id="4" name="Picture 3"/>
-          <p:cNvPicPr>
-            <a:picLocks noChangeAspect="1"/>
-          </p:cNvPicPr>
-          <p:nvPr/>
-        </p:nvPicPr>
-        <p:blipFill>
-          <a:blip r:embed="rId3"/>
-          <a:stretch>
-            <a:fillRect/>
-          </a:stretch>
-        </p:blipFill>
-        <p:spPr>
-          <a:xfrm>
-            <a:off x="1228734" y="2656704"/>
-            <a:ext cx="5045905" cy="3951613"/>
-          </a:xfrm>
-          <a:prstGeom prst="rect">
-            <a:avLst/>
-          </a:prstGeom>
-        </p:spPr>
-      </p:pic>
-      <p:sp>
-        <p:nvSpPr>
-          <p:cNvPr id="5" name="TextBox 4"/>
-          <p:cNvSpPr txBox="1"/>
-          <p:nvPr/>
-        </p:nvSpPr>
-        <p:spPr>
-          <a:xfrm>
-            <a:off x="648115" y="1096760"/>
-            <a:ext cx="7793095" cy="954107"/>
-          </a:xfrm>
-          <a:prstGeom prst="rect">
-            <a:avLst/>
-          </a:prstGeom>
-          <a:noFill/>
-        </p:spPr>
-        <p:txBody>
-          <a:bodyPr wrap="none" rtlCol="0">
-            <a:spAutoFit/>
-          </a:bodyPr>
-          <a:lstStyle/>
-          <a:p>
-            <a:r>
-              <a:rPr lang="en-US" sz="2800" dirty="0" smtClean="0"/>
-              <a:t>But he passes it and </a:t>
-            </a:r>
-            <a:r>
-              <a:rPr lang="en-US" sz="2800" dirty="0"/>
-              <a:t>keeps go </a:t>
-            </a:r>
-            <a:r>
-              <a:rPr lang="en-US" sz="2800" dirty="0" smtClean="0"/>
-              <a:t>straight.</a:t>
-            </a:r>
-          </a:p>
-          <a:p>
-            <a:r>
-              <a:rPr lang="en-US" sz="2800" dirty="0" smtClean="0"/>
-              <a:t>He </a:t>
-            </a:r>
-            <a:r>
-              <a:rPr lang="en-US" sz="2800" dirty="0"/>
-              <a:t>doesn't know that he has </a:t>
-            </a:r>
-            <a:r>
-              <a:rPr lang="en-US" sz="2800" dirty="0" smtClean="0"/>
-              <a:t>lost then he still drives.</a:t>
-            </a:r>
-            <a:endParaRPr lang="en-US" sz="2800" dirty="0"/>
-          </a:p>
-        </p:txBody>
-      </p:sp>
-      <p:cxnSp>
-        <p:nvCxnSpPr>
-          <p:cNvPr id="7" name="Straight Connector 6"/>
-          <p:cNvCxnSpPr/>
-          <p:nvPr/>
-        </p:nvCxnSpPr>
-        <p:spPr>
-          <a:xfrm flipV="1">
-            <a:off x="2397211" y="4880919"/>
-            <a:ext cx="1618735" cy="1727398"/>
-          </a:xfrm>
-          <a:prstGeom prst="line">
-            <a:avLst/>
-          </a:prstGeom>
-          <a:ln w="57150"/>
-        </p:spPr>
-        <p:style>
-          <a:lnRef idx="1">
-            <a:schemeClr val="accent1"/>
-          </a:lnRef>
-          <a:fillRef idx="0">
-            <a:schemeClr val="accent1"/>
-          </a:fillRef>
-          <a:effectRef idx="0">
-            <a:schemeClr val="accent1"/>
-          </a:effectRef>
-          <a:fontRef idx="minor">
-            <a:schemeClr val="tx1"/>
-          </a:fontRef>
-        </p:style>
-      </p:cxnSp>
-      <p:cxnSp>
-        <p:nvCxnSpPr>
-          <p:cNvPr id="8" name="Straight Connector 7"/>
-          <p:cNvCxnSpPr/>
-          <p:nvPr/>
-        </p:nvCxnSpPr>
-        <p:spPr>
-          <a:xfrm>
-            <a:off x="1470454" y="2656704"/>
-            <a:ext cx="2545492" cy="2224215"/>
-          </a:xfrm>
-          <a:prstGeom prst="line">
-            <a:avLst/>
-          </a:prstGeom>
-          <a:ln w="57150"/>
-        </p:spPr>
-        <p:style>
-          <a:lnRef idx="1">
-            <a:schemeClr val="accent1"/>
-          </a:lnRef>
-          <a:fillRef idx="0">
-            <a:schemeClr val="accent1"/>
-          </a:fillRef>
-          <a:effectRef idx="0">
-            <a:schemeClr val="accent1"/>
-          </a:effectRef>
-          <a:fontRef idx="minor">
-            <a:schemeClr val="tx1"/>
-          </a:fontRef>
-        </p:style>
-      </p:cxnSp>
-      <p:cxnSp>
-        <p:nvCxnSpPr>
-          <p:cNvPr id="11" name="Straight Connector 10"/>
-          <p:cNvCxnSpPr/>
-          <p:nvPr/>
-        </p:nvCxnSpPr>
-        <p:spPr>
-          <a:xfrm flipH="1">
-            <a:off x="4015946" y="3584078"/>
-            <a:ext cx="1359243" cy="1296841"/>
-          </a:xfrm>
-          <a:prstGeom prst="line">
-            <a:avLst/>
-          </a:prstGeom>
-          <a:ln w="57150">
-            <a:solidFill>
-              <a:srgbClr val="FF0000"/>
-            </a:solidFill>
-          </a:ln>
-        </p:spPr>
-        <p:style>
-          <a:lnRef idx="1">
-            <a:schemeClr val="accent1"/>
-          </a:lnRef>
-          <a:fillRef idx="0">
-            <a:schemeClr val="accent1"/>
-          </a:fillRef>
-          <a:effectRef idx="0">
-            <a:schemeClr val="accent1"/>
-          </a:effectRef>
-          <a:fontRef idx="minor">
-            <a:schemeClr val="tx1"/>
-          </a:fontRef>
-        </p:style>
-      </p:cxnSp>
-      <p:sp>
-        <p:nvSpPr>
-          <p:cNvPr id="14" name="Oval 13"/>
-          <p:cNvSpPr/>
-          <p:nvPr/>
-        </p:nvSpPr>
-        <p:spPr>
-          <a:xfrm>
-            <a:off x="4695567" y="4059503"/>
-            <a:ext cx="172995" cy="172995"/>
-          </a:xfrm>
-          <a:prstGeom prst="ellipse">
-            <a:avLst/>
-          </a:prstGeom>
-          <a:solidFill>
-            <a:srgbClr val="FF0000"/>
-          </a:solidFill>
-          <a:ln>
-            <a:solidFill>
-              <a:srgbClr val="FF0000"/>
-            </a:solidFill>
-          </a:ln>
-        </p:spPr>
-        <p:style>
-          <a:lnRef idx="2">
-            <a:schemeClr val="accent1">
-              <a:shade val="50000"/>
-            </a:schemeClr>
-          </a:lnRef>
-          <a:fillRef idx="1">
-            <a:schemeClr val="accent1"/>
-          </a:fillRef>
-          <a:effectRef idx="0">
-            <a:schemeClr val="accent1"/>
-          </a:effectRef>
-          <a:fontRef idx="minor">
-            <a:schemeClr val="lt1"/>
-          </a:fontRef>
-        </p:style>
-        <p:txBody>
-          <a:bodyPr rtlCol="0" anchor="ctr"/>
-          <a:lstStyle/>
-          <a:p>
-            <a:pPr algn="ctr"/>
-            <a:endParaRPr lang="en-US"/>
-          </a:p>
-        </p:txBody>
-      </p:sp>
-    </p:spTree>
-    <p:extLst>
-      <p:ext uri="{BB962C8B-B14F-4D97-AF65-F5344CB8AC3E}">
-        <p14:creationId xmlns:p14="http://schemas.microsoft.com/office/powerpoint/2010/main" val="905372897"/>
-      </p:ext>
-    </p:extLst>
-  </p:cSld>
-  <p:clrMapOvr>
-    <a:masterClrMapping/>
-  </p:clrMapOvr>
-</p:sld>
-</file>
-
-<file path=ppt/slides/slide5.xml><?xml version="1.0" encoding="utf-8"?>
-<p:sld xmlns:a="http://schemas.openxmlformats.org/drawingml/2006/main" xmlns:r="http://schemas.openxmlformats.org/officeDocument/2006/relationships" xmlns:p="http://schemas.openxmlformats.org/presentationml/2006/main">
-  <p:cSld>
-    <p:spTree>
-      <p:nvGrpSpPr>
-        <p:cNvPr id="1" name=""/>
-        <p:cNvGrpSpPr/>
-        <p:nvPr/>
-      </p:nvGrpSpPr>
-      <p:grpSpPr>
-        <a:xfrm>
-          <a:off x="0" y="0"/>
-          <a:ext cx="0" cy="0"/>
-          <a:chOff x="0" y="0"/>
-          <a:chExt cx="0" cy="0"/>
-        </a:xfrm>
-      </p:grpSpPr>
-      <p:pic>
-        <p:nvPicPr>
-          <p:cNvPr id="4" name="Picture 3"/>
-          <p:cNvPicPr>
-            <a:picLocks noChangeAspect="1"/>
-          </p:cNvPicPr>
-          <p:nvPr/>
-        </p:nvPicPr>
-        <p:blipFill>
-          <a:blip r:embed="rId3"/>
-          <a:stretch>
-            <a:fillRect/>
-          </a:stretch>
-        </p:blipFill>
-        <p:spPr>
-          <a:xfrm>
-            <a:off x="2309192" y="2367331"/>
-            <a:ext cx="4476190" cy="3828571"/>
-          </a:xfrm>
-          <a:prstGeom prst="rect">
-            <a:avLst/>
-          </a:prstGeom>
-        </p:spPr>
-      </p:pic>
-      <p:cxnSp>
-        <p:nvCxnSpPr>
-          <p:cNvPr id="6" name="Straight Connector 5"/>
-          <p:cNvCxnSpPr/>
-          <p:nvPr/>
-        </p:nvCxnSpPr>
-        <p:spPr>
-          <a:xfrm flipV="1">
-            <a:off x="2384854" y="5671751"/>
-            <a:ext cx="494270" cy="531341"/>
-          </a:xfrm>
-          <a:prstGeom prst="line">
-            <a:avLst/>
-          </a:prstGeom>
-          <a:ln w="38100"/>
-        </p:spPr>
-        <p:style>
-          <a:lnRef idx="1">
-            <a:schemeClr val="accent1"/>
-          </a:lnRef>
-          <a:fillRef idx="0">
-            <a:schemeClr val="accent1"/>
-          </a:fillRef>
-          <a:effectRef idx="0">
-            <a:schemeClr val="accent1"/>
-          </a:effectRef>
-          <a:fontRef idx="minor">
-            <a:schemeClr val="tx1"/>
-          </a:fontRef>
-        </p:style>
-      </p:cxnSp>
-      <p:cxnSp>
-        <p:nvCxnSpPr>
-          <p:cNvPr id="7" name="Straight Connector 6"/>
-          <p:cNvCxnSpPr/>
-          <p:nvPr/>
-        </p:nvCxnSpPr>
-        <p:spPr>
-          <a:xfrm>
-            <a:off x="2309192" y="5177481"/>
-            <a:ext cx="569932" cy="494270"/>
-          </a:xfrm>
-          <a:prstGeom prst="line">
-            <a:avLst/>
-          </a:prstGeom>
-          <a:ln w="38100"/>
-        </p:spPr>
-        <p:style>
-          <a:lnRef idx="1">
-            <a:schemeClr val="accent1"/>
-          </a:lnRef>
-          <a:fillRef idx="0">
-            <a:schemeClr val="accent1"/>
-          </a:fillRef>
-          <a:effectRef idx="0">
-            <a:schemeClr val="accent1"/>
-          </a:effectRef>
-          <a:fontRef idx="minor">
-            <a:schemeClr val="tx1"/>
-          </a:fontRef>
-        </p:style>
-      </p:cxnSp>
-      <p:sp>
-        <p:nvSpPr>
-          <p:cNvPr id="10" name="Oval 9"/>
-          <p:cNvSpPr/>
-          <p:nvPr/>
-        </p:nvSpPr>
-        <p:spPr>
-          <a:xfrm>
-            <a:off x="4670853" y="3589947"/>
-            <a:ext cx="172995" cy="172995"/>
-          </a:xfrm>
-          <a:prstGeom prst="ellipse">
-            <a:avLst/>
-          </a:prstGeom>
-          <a:solidFill>
-            <a:srgbClr val="FF0000"/>
-          </a:solidFill>
-          <a:ln>
-            <a:solidFill>
-              <a:srgbClr val="FF0000"/>
-            </a:solidFill>
-          </a:ln>
-        </p:spPr>
-        <p:style>
-          <a:lnRef idx="2">
-            <a:schemeClr val="accent1">
-              <a:shade val="50000"/>
-            </a:schemeClr>
-          </a:lnRef>
-          <a:fillRef idx="1">
-            <a:schemeClr val="accent1"/>
-          </a:fillRef>
-          <a:effectRef idx="0">
-            <a:schemeClr val="accent1"/>
-          </a:effectRef>
-          <a:fontRef idx="minor">
-            <a:schemeClr val="lt1"/>
-          </a:fontRef>
-        </p:style>
-        <p:txBody>
-          <a:bodyPr rtlCol="0" anchor="ctr"/>
-          <a:lstStyle/>
-          <a:p>
-            <a:pPr algn="ctr"/>
-            <a:endParaRPr lang="en-US"/>
-          </a:p>
-        </p:txBody>
-      </p:sp>
-      <p:sp>
-        <p:nvSpPr>
-          <p:cNvPr id="12" name="TextBox 11"/>
-          <p:cNvSpPr txBox="1"/>
-          <p:nvPr/>
-        </p:nvSpPr>
-        <p:spPr>
-          <a:xfrm>
-            <a:off x="163015" y="1617945"/>
-            <a:ext cx="8980985" cy="523220"/>
-          </a:xfrm>
-          <a:prstGeom prst="rect">
-            <a:avLst/>
-          </a:prstGeom>
-          <a:noFill/>
-        </p:spPr>
-        <p:txBody>
-          <a:bodyPr wrap="none" rtlCol="0">
-            <a:spAutoFit/>
-          </a:bodyPr>
-          <a:lstStyle/>
-          <a:p>
-            <a:r>
-              <a:rPr lang="en-US" sz="2800" dirty="0" smtClean="0"/>
-              <a:t>He has far away from right route when he checks map again.</a:t>
-            </a:r>
-            <a:endParaRPr lang="en-US" sz="2800" dirty="0"/>
-          </a:p>
-        </p:txBody>
-      </p:sp>
-      <p:pic>
-        <p:nvPicPr>
-          <p:cNvPr id="4098" name="Picture 2" descr="https://d304k3mn1nwj0a.cloudfront.net/2s_space_(v2)/surprise.png"/>
-          <p:cNvPicPr>
-            <a:picLocks noChangeAspect="1" noChangeArrowheads="1"/>
-          </p:cNvPicPr>
-          <p:nvPr/>
-        </p:nvPicPr>
-        <p:blipFill>
-          <a:blip r:embed="rId4" cstate="print">
-            <a:extLst>
-              <a:ext uri="{28A0092B-C50C-407E-A947-70E740481C1C}">
-                <a14:useLocalDpi xmlns:a14="http://schemas.microsoft.com/office/drawing/2010/main" val="0"/>
-              </a:ext>
-            </a:extLst>
-          </a:blip>
-          <a:srcRect/>
-          <a:stretch>
-            <a:fillRect/>
-          </a:stretch>
-        </p:blipFill>
-        <p:spPr bwMode="auto">
-          <a:xfrm>
-            <a:off x="3766440" y="2614394"/>
-            <a:ext cx="990909" cy="990909"/>
-          </a:xfrm>
-          <a:prstGeom prst="rect">
-            <a:avLst/>
-          </a:prstGeom>
-          <a:noFill/>
-          <a:extLst>
-            <a:ext uri="{909E8E84-426E-40DD-AFC4-6F175D3DCCD1}">
-              <a14:hiddenFill xmlns:a14="http://schemas.microsoft.com/office/drawing/2010/main">
-                <a:solidFill>
-                  <a:srgbClr val="FFFFFF"/>
-                </a:solidFill>
-              </a14:hiddenFill>
-            </a:ext>
-          </a:extLst>
-        </p:spPr>
-      </p:pic>
-    </p:spTree>
-    <p:extLst>
-      <p:ext uri="{BB962C8B-B14F-4D97-AF65-F5344CB8AC3E}">
-        <p14:creationId xmlns:p14="http://schemas.microsoft.com/office/powerpoint/2010/main" val="808719010"/>
-      </p:ext>
-    </p:extLst>
-  </p:cSld>
-  <p:clrMapOvr>
-    <a:masterClrMapping/>
-  </p:clrMapOvr>
-</p:sld>
-</file>
-
-<file path=ppt/slides/slide6.xml><?xml version="1.0" encoding="utf-8"?>
-<p:sld xmlns:a="http://schemas.openxmlformats.org/drawingml/2006/main" xmlns:r="http://schemas.openxmlformats.org/officeDocument/2006/relationships" xmlns:p="http://schemas.openxmlformats.org/presentationml/2006/main">
-  <p:cSld>
-    <p:spTree>
-      <p:nvGrpSpPr>
-        <p:cNvPr id="1" name=""/>
-        <p:cNvGrpSpPr/>
-        <p:nvPr/>
-      </p:nvGrpSpPr>
-      <p:grpSpPr>
-        <a:xfrm>
-          <a:off x="0" y="0"/>
-          <a:ext cx="0" cy="0"/>
-          <a:chOff x="0" y="0"/>
-          <a:chExt cx="0" cy="0"/>
-        </a:xfrm>
-      </p:grpSpPr>
-      <p:sp>
-        <p:nvSpPr>
-          <p:cNvPr id="6" name="Title 5"/>
+      <p:sp>
+        <p:nvSpPr>
+          <p:cNvPr id="4" name="Title 5"/>
           <p:cNvSpPr>
             <a:spLocks noGrp="1"/>
           </p:cNvSpPr>
@@ -17359,7 +16877,12 @@
             <p:ph type="title"/>
           </p:nvPr>
         </p:nvSpPr>
-        <p:spPr/>
+        <p:spPr>
+          <a:xfrm>
+            <a:off x="457200" y="274637"/>
+            <a:ext cx="8229600" cy="1143000"/>
+          </a:xfrm>
+        </p:spPr>
         <p:txBody>
           <a:bodyPr>
             <a:normAutofit/>
@@ -17368,20 +16891,14 @@
           <a:p>
             <a:r>
               <a:rPr lang="vi-VN" sz="5400" dirty="0" smtClean="0">
-                <a:solidFill>
-                  <a:schemeClr val="bg1"/>
-                </a:solidFill>
                 <a:latin typeface="Cambria"/>
                 <a:ea typeface="Cambria"/>
                 <a:cs typeface="Cambria"/>
                 <a:sym typeface="Cambria"/>
               </a:rPr>
-              <a:t>Problem</a:t>
+              <a:t>DEMO</a:t>
             </a:r>
             <a:endParaRPr lang="en-US" sz="5400" dirty="0">
-              <a:solidFill>
-                <a:schemeClr val="bg1"/>
-              </a:solidFill>
               <a:latin typeface="Cambria"/>
               <a:ea typeface="Cambria"/>
               <a:cs typeface="Cambria"/>
@@ -17392,155 +16909,7 @@
       </p:sp>
       <p:sp>
         <p:nvSpPr>
-          <p:cNvPr id="5" name="Slide Number Placeholder 4"/>
-          <p:cNvSpPr>
-            <a:spLocks noGrp="1"/>
-          </p:cNvSpPr>
-          <p:nvPr>
-            <p:ph type="sldNum" idx="12"/>
-          </p:nvPr>
-        </p:nvSpPr>
-        <p:spPr/>
-        <p:txBody>
-          <a:bodyPr/>
-          <a:lstStyle/>
-          <a:p>
-            <a:fld id="{00000000-1234-1234-1234-123412341234}" type="slidenum">
-              <a:rPr lang="en" smtClean="0"/>
-              <a:pPr/>
-              <a:t>6</a:t>
-            </a:fld>
-            <a:endParaRPr lang="en"/>
-          </a:p>
-        </p:txBody>
-      </p:sp>
-      <p:sp>
-        <p:nvSpPr>
-          <p:cNvPr id="23" name="TextBox 22"/>
-          <p:cNvSpPr txBox="1"/>
-          <p:nvPr/>
-        </p:nvSpPr>
-        <p:spPr>
-          <a:xfrm>
-            <a:off x="457200" y="2847707"/>
-            <a:ext cx="7980947" cy="830997"/>
-          </a:xfrm>
-          <a:prstGeom prst="rect">
-            <a:avLst/>
-          </a:prstGeom>
-          <a:noFill/>
-        </p:spPr>
-        <p:txBody>
-          <a:bodyPr wrap="square" rtlCol="0">
-            <a:spAutoFit/>
-          </a:bodyPr>
-          <a:lstStyle/>
-          <a:p>
-            <a:r>
-              <a:rPr lang="en-US" sz="2400" dirty="0"/>
-              <a:t>Don’t has any application that allow users know if they are going to the wrong route.</a:t>
-            </a:r>
-          </a:p>
-        </p:txBody>
-      </p:sp>
-    </p:spTree>
-    <p:extLst>
-      <p:ext uri="{BB962C8B-B14F-4D97-AF65-F5344CB8AC3E}">
-        <p14:creationId xmlns:p14="http://schemas.microsoft.com/office/powerpoint/2010/main" val="98825311"/>
-      </p:ext>
-    </p:extLst>
-  </p:cSld>
-  <p:clrMapOvr>
-    <a:masterClrMapping/>
-  </p:clrMapOvr>
-</p:sld>
-</file>
-
-<file path=ppt/slides/slide7.xml><?xml version="1.0" encoding="utf-8"?>
-<p:sld xmlns:a="http://schemas.openxmlformats.org/drawingml/2006/main" xmlns:r="http://schemas.openxmlformats.org/officeDocument/2006/relationships" xmlns:p="http://schemas.openxmlformats.org/presentationml/2006/main">
-  <p:cSld>
-    <p:spTree>
-      <p:nvGrpSpPr>
-        <p:cNvPr id="1" name=""/>
-        <p:cNvGrpSpPr/>
-        <p:nvPr/>
-      </p:nvGrpSpPr>
-      <p:grpSpPr>
-        <a:xfrm>
-          <a:off x="0" y="0"/>
-          <a:ext cx="0" cy="0"/>
-          <a:chOff x="0" y="0"/>
-          <a:chExt cx="0" cy="0"/>
-        </a:xfrm>
-      </p:grpSpPr>
-      <p:sp>
-        <p:nvSpPr>
-          <p:cNvPr id="6" name="Title 5"/>
-          <p:cNvSpPr>
-            <a:spLocks noGrp="1"/>
-          </p:cNvSpPr>
-          <p:nvPr>
-            <p:ph type="title"/>
-          </p:nvPr>
-        </p:nvSpPr>
-        <p:spPr/>
-        <p:txBody>
-          <a:bodyPr>
-            <a:normAutofit/>
-          </a:bodyPr>
-          <a:lstStyle/>
-          <a:p>
-            <a:r>
-              <a:rPr lang="vi-VN" sz="5400" dirty="0" smtClean="0">
-                <a:solidFill>
-                  <a:schemeClr val="bg1"/>
-                </a:solidFill>
-                <a:latin typeface="Cambria"/>
-                <a:ea typeface="Cambria"/>
-                <a:cs typeface="Cambria"/>
-                <a:sym typeface="Cambria"/>
-              </a:rPr>
-              <a:t>Solution</a:t>
-            </a:r>
-            <a:endParaRPr lang="en-US" sz="5400" dirty="0">
-              <a:solidFill>
-                <a:schemeClr val="bg1"/>
-              </a:solidFill>
-              <a:latin typeface="Cambria"/>
-              <a:ea typeface="Cambria"/>
-              <a:cs typeface="Cambria"/>
-              <a:sym typeface="Cambria"/>
-            </a:endParaRPr>
-          </a:p>
-        </p:txBody>
-      </p:sp>
-      <p:sp>
-        <p:nvSpPr>
-          <p:cNvPr id="5" name="Slide Number Placeholder 4"/>
-          <p:cNvSpPr>
-            <a:spLocks noGrp="1"/>
-          </p:cNvSpPr>
-          <p:nvPr>
-            <p:ph type="sldNum" idx="12"/>
-          </p:nvPr>
-        </p:nvSpPr>
-        <p:spPr/>
-        <p:txBody>
-          <a:bodyPr/>
-          <a:lstStyle/>
-          <a:p>
-            <a:fld id="{00000000-1234-1234-1234-123412341234}" type="slidenum">
-              <a:rPr lang="en" smtClean="0"/>
-              <a:pPr/>
-              <a:t>7</a:t>
-            </a:fld>
-            <a:endParaRPr lang="en"/>
-          </a:p>
-        </p:txBody>
-      </p:sp>
-      <p:sp>
-        <p:nvSpPr>
-          <p:cNvPr id="7" name="Content Placeholder 2"/>
+          <p:cNvPr id="5" name="Content Placeholder 2"/>
           <p:cNvSpPr txBox="1">
             <a:spLocks/>
           </p:cNvSpPr>
@@ -17549,7 +16918,7 @@
         <p:spPr>
           <a:xfrm>
             <a:off x="628650" y="1825625"/>
-            <a:ext cx="7886700" cy="2168859"/>
+            <a:ext cx="7886700" cy="4351338"/>
           </a:xfrm>
           <a:prstGeom prst="rect">
             <a:avLst/>
@@ -17724,12 +17093,1271 @@
             </a:lvl9pPr>
           </a:lstStyle>
           <a:p>
+            <a:pPr marL="514350" indent="-514350">
+              <a:buFont typeface="Arial" panose="020B0604020202020204" pitchFamily="34" charset="0"/>
+              <a:buAutoNum type="arabicPeriod"/>
+            </a:pPr>
+            <a:r>
+              <a:rPr lang="en-US" dirty="0" smtClean="0"/>
+              <a:t>Search route</a:t>
+            </a:r>
+          </a:p>
+          <a:p>
+            <a:pPr marL="514350" indent="-514350">
+              <a:buFont typeface="Arial" panose="020B0604020202020204" pitchFamily="34" charset="0"/>
+              <a:buAutoNum type="arabicPeriod"/>
+            </a:pPr>
+            <a:r>
+              <a:rPr lang="en-US" dirty="0"/>
+              <a:t>Start tracking and notify</a:t>
+            </a:r>
+          </a:p>
+          <a:p>
+            <a:pPr marL="514350" indent="-514350">
+              <a:buFont typeface="Arial" panose="020B0604020202020204" pitchFamily="34" charset="0"/>
+              <a:buAutoNum type="arabicPeriod"/>
+            </a:pPr>
+            <a:r>
+              <a:rPr lang="en-US" dirty="0" smtClean="0"/>
+              <a:t>Notify When user go to wrong route</a:t>
+            </a:r>
+            <a:endParaRPr lang="en-US" dirty="0"/>
+          </a:p>
+        </p:txBody>
+      </p:sp>
+    </p:spTree>
+    <p:extLst>
+      <p:ext uri="{BB962C8B-B14F-4D97-AF65-F5344CB8AC3E}">
+        <p14:creationId xmlns:p14="http://schemas.microsoft.com/office/powerpoint/2010/main" val="1569470139"/>
+      </p:ext>
+    </p:extLst>
+  </p:cSld>
+  <p:clrMapOvr>
+    <a:masterClrMapping/>
+  </p:clrMapOvr>
+</p:sld>
+</file>
+
+<file path=ppt/slides/slide3.xml><?xml version="1.0" encoding="utf-8"?>
+<p:sld xmlns:a="http://schemas.openxmlformats.org/drawingml/2006/main" xmlns:r="http://schemas.openxmlformats.org/officeDocument/2006/relationships" xmlns:p="http://schemas.openxmlformats.org/presentationml/2006/main">
+  <p:cSld>
+    <p:bg>
+      <p:bgRef idx="1001">
+        <a:schemeClr val="bg1"/>
+      </p:bgRef>
+    </p:bg>
+    <p:spTree>
+      <p:nvGrpSpPr>
+        <p:cNvPr id="1" name=""/>
+        <p:cNvGrpSpPr/>
+        <p:nvPr/>
+      </p:nvGrpSpPr>
+      <p:grpSpPr>
+        <a:xfrm>
+          <a:off x="0" y="0"/>
+          <a:ext cx="0" cy="0"/>
+          <a:chOff x="0" y="0"/>
+          <a:chExt cx="0" cy="0"/>
+        </a:xfrm>
+      </p:grpSpPr>
+      <p:pic>
+        <p:nvPicPr>
+          <p:cNvPr id="4" name="Picture 3"/>
+          <p:cNvPicPr>
+            <a:picLocks noChangeAspect="1"/>
+          </p:cNvPicPr>
+          <p:nvPr/>
+        </p:nvPicPr>
+        <p:blipFill>
+          <a:blip r:embed="rId4"/>
+          <a:stretch>
+            <a:fillRect/>
+          </a:stretch>
+        </p:blipFill>
+        <p:spPr>
+          <a:xfrm>
+            <a:off x="1228734" y="2656704"/>
+            <a:ext cx="5045905" cy="3951613"/>
+          </a:xfrm>
+          <a:prstGeom prst="rect">
+            <a:avLst/>
+          </a:prstGeom>
+        </p:spPr>
+      </p:pic>
+      <p:cxnSp>
+        <p:nvCxnSpPr>
+          <p:cNvPr id="7" name="Straight Connector 6"/>
+          <p:cNvCxnSpPr/>
+          <p:nvPr/>
+        </p:nvCxnSpPr>
+        <p:spPr>
+          <a:xfrm flipV="1">
+            <a:off x="2397211" y="4880919"/>
+            <a:ext cx="1618735" cy="1727398"/>
+          </a:xfrm>
+          <a:prstGeom prst="line">
+            <a:avLst/>
+          </a:prstGeom>
+          <a:ln w="57150"/>
+        </p:spPr>
+        <p:style>
+          <a:lnRef idx="1">
+            <a:schemeClr val="accent1"/>
+          </a:lnRef>
+          <a:fillRef idx="0">
+            <a:schemeClr val="accent1"/>
+          </a:fillRef>
+          <a:effectRef idx="0">
+            <a:schemeClr val="accent1"/>
+          </a:effectRef>
+          <a:fontRef idx="minor">
+            <a:schemeClr val="tx1"/>
+          </a:fontRef>
+        </p:style>
+      </p:cxnSp>
+      <p:cxnSp>
+        <p:nvCxnSpPr>
+          <p:cNvPr id="8" name="Straight Connector 7"/>
+          <p:cNvCxnSpPr/>
+          <p:nvPr/>
+        </p:nvCxnSpPr>
+        <p:spPr>
+          <a:xfrm>
+            <a:off x="1470454" y="2656704"/>
+            <a:ext cx="2545492" cy="2224215"/>
+          </a:xfrm>
+          <a:prstGeom prst="line">
+            <a:avLst/>
+          </a:prstGeom>
+          <a:ln w="57150"/>
+        </p:spPr>
+        <p:style>
+          <a:lnRef idx="1">
+            <a:schemeClr val="accent1"/>
+          </a:lnRef>
+          <a:fillRef idx="0">
+            <a:schemeClr val="accent1"/>
+          </a:fillRef>
+          <a:effectRef idx="0">
+            <a:schemeClr val="accent1"/>
+          </a:effectRef>
+          <a:fontRef idx="minor">
+            <a:schemeClr val="tx1"/>
+          </a:fontRef>
+        </p:style>
+      </p:cxnSp>
+      <p:cxnSp>
+        <p:nvCxnSpPr>
+          <p:cNvPr id="11" name="Straight Connector 10"/>
+          <p:cNvCxnSpPr/>
+          <p:nvPr/>
+        </p:nvCxnSpPr>
+        <p:spPr>
+          <a:xfrm flipH="1">
+            <a:off x="4015946" y="3584078"/>
+            <a:ext cx="1359243" cy="1296841"/>
+          </a:xfrm>
+          <a:prstGeom prst="line">
+            <a:avLst/>
+          </a:prstGeom>
+          <a:ln w="57150">
+            <a:solidFill>
+              <a:srgbClr val="FF0000"/>
+            </a:solidFill>
+          </a:ln>
+        </p:spPr>
+        <p:style>
+          <a:lnRef idx="1">
+            <a:schemeClr val="accent1"/>
+          </a:lnRef>
+          <a:fillRef idx="0">
+            <a:schemeClr val="accent1"/>
+          </a:fillRef>
+          <a:effectRef idx="0">
+            <a:schemeClr val="accent1"/>
+          </a:effectRef>
+          <a:fontRef idx="minor">
+            <a:schemeClr val="tx1"/>
+          </a:fontRef>
+        </p:style>
+      </p:cxnSp>
+      <p:sp>
+        <p:nvSpPr>
+          <p:cNvPr id="14" name="Oval 13"/>
+          <p:cNvSpPr/>
+          <p:nvPr/>
+        </p:nvSpPr>
+        <p:spPr>
+          <a:xfrm>
+            <a:off x="3813470" y="4942085"/>
+            <a:ext cx="172995" cy="172995"/>
+          </a:xfrm>
+          <a:prstGeom prst="ellipse">
+            <a:avLst/>
+          </a:prstGeom>
+          <a:solidFill>
+            <a:srgbClr val="FF0000"/>
+          </a:solidFill>
+          <a:ln>
+            <a:solidFill>
+              <a:srgbClr val="FF0000"/>
+            </a:solidFill>
+          </a:ln>
+        </p:spPr>
+        <p:style>
+          <a:lnRef idx="2">
+            <a:schemeClr val="accent1">
+              <a:shade val="50000"/>
+            </a:schemeClr>
+          </a:lnRef>
+          <a:fillRef idx="1">
+            <a:schemeClr val="accent1"/>
+          </a:fillRef>
+          <a:effectRef idx="0">
+            <a:schemeClr val="accent1"/>
+          </a:effectRef>
+          <a:fontRef idx="minor">
+            <a:schemeClr val="lt1"/>
+          </a:fontRef>
+        </p:style>
+        <p:txBody>
+          <a:bodyPr rtlCol="0" anchor="ctr"/>
+          <a:lstStyle/>
+          <a:p>
+            <a:pPr algn="ctr"/>
+            <a:endParaRPr lang="en-US"/>
+          </a:p>
+        </p:txBody>
+      </p:sp>
+      <p:sp>
+        <p:nvSpPr>
+          <p:cNvPr id="10" name="Oval Callout 9"/>
+          <p:cNvSpPr/>
+          <p:nvPr/>
+        </p:nvSpPr>
+        <p:spPr>
+          <a:xfrm>
+            <a:off x="1228734" y="4181338"/>
+            <a:ext cx="1925436" cy="902344"/>
+          </a:xfrm>
+          <a:prstGeom prst="wedgeEllipseCallout">
+            <a:avLst>
+              <a:gd name="adj1" fmla="val 87516"/>
+              <a:gd name="adj2" fmla="val 25511"/>
+            </a:avLst>
+          </a:prstGeom>
+        </p:spPr>
+        <p:style>
+          <a:lnRef idx="2">
+            <a:schemeClr val="accent1">
+              <a:shade val="50000"/>
+            </a:schemeClr>
+          </a:lnRef>
+          <a:fillRef idx="1">
+            <a:schemeClr val="accent1"/>
+          </a:fillRef>
+          <a:effectRef idx="0">
+            <a:schemeClr val="accent1"/>
+          </a:effectRef>
+          <a:fontRef idx="minor">
+            <a:schemeClr val="lt1"/>
+          </a:fontRef>
+        </p:style>
+        <p:txBody>
+          <a:bodyPr rot="0" spcFirstLastPara="0" vertOverflow="overflow" horzOverflow="overflow" vert="horz" wrap="square" lIns="91440" tIns="45720" rIns="91440" bIns="45720" numCol="1" spcCol="0" rtlCol="0" fromWordArt="0" anchor="ctr" anchorCtr="0" forceAA="0" compatLnSpc="1">
+            <a:prstTxWarp prst="textNoShape">
+              <a:avLst/>
+            </a:prstTxWarp>
+            <a:noAutofit/>
+          </a:bodyPr>
+          <a:lstStyle/>
+          <a:p>
+            <a:pPr algn="ctr"/>
+            <a:r>
+              <a:rPr lang="en-US" dirty="0" smtClean="0"/>
+              <a:t>Notify: prepare to turn left</a:t>
+            </a:r>
+            <a:endParaRPr lang="en-US" dirty="0"/>
+          </a:p>
+        </p:txBody>
+      </p:sp>
+      <p:sp>
+        <p:nvSpPr>
+          <p:cNvPr id="13" name="TextBox 12"/>
+          <p:cNvSpPr txBox="1"/>
+          <p:nvPr/>
+        </p:nvSpPr>
+        <p:spPr>
+          <a:xfrm>
+            <a:off x="1474609" y="1118016"/>
+            <a:ext cx="4923977" cy="461665"/>
+          </a:xfrm>
+          <a:prstGeom prst="rect">
+            <a:avLst/>
+          </a:prstGeom>
+          <a:noFill/>
+        </p:spPr>
+        <p:txBody>
+          <a:bodyPr wrap="none" rtlCol="0">
+            <a:spAutoFit/>
+          </a:bodyPr>
+          <a:lstStyle/>
+          <a:p>
+            <a:r>
+              <a:rPr lang="en-US" sz="2400" dirty="0" smtClean="0"/>
+              <a:t>He </a:t>
+            </a:r>
+            <a:r>
+              <a:rPr lang="en-US" sz="2400" dirty="0"/>
+              <a:t>is notified when he near next turn</a:t>
+            </a:r>
+            <a:r>
+              <a:rPr lang="en-US" sz="2400" dirty="0" smtClean="0"/>
+              <a:t>.</a:t>
+            </a:r>
+            <a:endParaRPr lang="en-US" sz="2400" dirty="0"/>
+          </a:p>
+        </p:txBody>
+      </p:sp>
+    </p:spTree>
+    <p:extLst>
+      <p:ext uri="{BB962C8B-B14F-4D97-AF65-F5344CB8AC3E}">
+        <p14:creationId xmlns:p14="http://schemas.microsoft.com/office/powerpoint/2010/main" val="2656701407"/>
+      </p:ext>
+    </p:extLst>
+  </p:cSld>
+  <p:clrMapOvr>
+    <a:overrideClrMapping bg1="lt1" tx1="dk1" bg2="lt2" tx2="dk2" accent1="accent1" accent2="accent2" accent3="accent3" accent4="accent4" accent5="accent5" accent6="accent6" hlink="hlink" folHlink="folHlink"/>
+  </p:clrMapOvr>
+</p:sld>
+</file>
+
+<file path=ppt/slides/slide4.xml><?xml version="1.0" encoding="utf-8"?>
+<p:sld xmlns:a="http://schemas.openxmlformats.org/drawingml/2006/main" xmlns:r="http://schemas.openxmlformats.org/officeDocument/2006/relationships" xmlns:p="http://schemas.openxmlformats.org/presentationml/2006/main">
+  <p:cSld>
+    <p:spTree>
+      <p:nvGrpSpPr>
+        <p:cNvPr id="1" name=""/>
+        <p:cNvGrpSpPr/>
+        <p:nvPr/>
+      </p:nvGrpSpPr>
+      <p:grpSpPr>
+        <a:xfrm>
+          <a:off x="0" y="0"/>
+          <a:ext cx="0" cy="0"/>
+          <a:chOff x="0" y="0"/>
+          <a:chExt cx="0" cy="0"/>
+        </a:xfrm>
+      </p:grpSpPr>
+      <p:pic>
+        <p:nvPicPr>
+          <p:cNvPr id="4" name="Picture 3"/>
+          <p:cNvPicPr>
+            <a:picLocks noChangeAspect="1"/>
+          </p:cNvPicPr>
+          <p:nvPr/>
+        </p:nvPicPr>
+        <p:blipFill>
+          <a:blip r:embed="rId3"/>
+          <a:stretch>
+            <a:fillRect/>
+          </a:stretch>
+        </p:blipFill>
+        <p:spPr>
+          <a:xfrm>
+            <a:off x="1228734" y="2656704"/>
+            <a:ext cx="5045905" cy="3951613"/>
+          </a:xfrm>
+          <a:prstGeom prst="rect">
+            <a:avLst/>
+          </a:prstGeom>
+        </p:spPr>
+      </p:pic>
+      <p:sp>
+        <p:nvSpPr>
+          <p:cNvPr id="5" name="TextBox 4"/>
+          <p:cNvSpPr txBox="1"/>
+          <p:nvPr/>
+        </p:nvSpPr>
+        <p:spPr>
+          <a:xfrm>
+            <a:off x="648115" y="1096760"/>
+            <a:ext cx="7793095" cy="954107"/>
+          </a:xfrm>
+          <a:prstGeom prst="rect">
+            <a:avLst/>
+          </a:prstGeom>
+          <a:noFill/>
+        </p:spPr>
+        <p:txBody>
+          <a:bodyPr wrap="none" rtlCol="0">
+            <a:spAutoFit/>
+          </a:bodyPr>
+          <a:lstStyle/>
+          <a:p>
+            <a:r>
+              <a:rPr lang="en-US" sz="2800" dirty="0" smtClean="0"/>
+              <a:t>But he passes it and </a:t>
+            </a:r>
+            <a:r>
+              <a:rPr lang="en-US" sz="2800" dirty="0"/>
+              <a:t>keeps go </a:t>
+            </a:r>
+            <a:r>
+              <a:rPr lang="en-US" sz="2800" dirty="0" smtClean="0"/>
+              <a:t>straight.</a:t>
+            </a:r>
+          </a:p>
+          <a:p>
+            <a:r>
+              <a:rPr lang="en-US" sz="2800" dirty="0" smtClean="0"/>
+              <a:t>He </a:t>
+            </a:r>
+            <a:r>
+              <a:rPr lang="en-US" sz="2800" dirty="0"/>
+              <a:t>doesn't know that he has </a:t>
+            </a:r>
+            <a:r>
+              <a:rPr lang="en-US" sz="2800" dirty="0" smtClean="0"/>
+              <a:t>lost then he still drives.</a:t>
+            </a:r>
+            <a:endParaRPr lang="en-US" sz="2800" dirty="0"/>
+          </a:p>
+        </p:txBody>
+      </p:sp>
+      <p:cxnSp>
+        <p:nvCxnSpPr>
+          <p:cNvPr id="7" name="Straight Connector 6"/>
+          <p:cNvCxnSpPr/>
+          <p:nvPr/>
+        </p:nvCxnSpPr>
+        <p:spPr>
+          <a:xfrm flipV="1">
+            <a:off x="2397211" y="4880919"/>
+            <a:ext cx="1618735" cy="1727398"/>
+          </a:xfrm>
+          <a:prstGeom prst="line">
+            <a:avLst/>
+          </a:prstGeom>
+          <a:ln w="57150"/>
+        </p:spPr>
+        <p:style>
+          <a:lnRef idx="1">
+            <a:schemeClr val="accent1"/>
+          </a:lnRef>
+          <a:fillRef idx="0">
+            <a:schemeClr val="accent1"/>
+          </a:fillRef>
+          <a:effectRef idx="0">
+            <a:schemeClr val="accent1"/>
+          </a:effectRef>
+          <a:fontRef idx="minor">
+            <a:schemeClr val="tx1"/>
+          </a:fontRef>
+        </p:style>
+      </p:cxnSp>
+      <p:cxnSp>
+        <p:nvCxnSpPr>
+          <p:cNvPr id="8" name="Straight Connector 7"/>
+          <p:cNvCxnSpPr/>
+          <p:nvPr/>
+        </p:nvCxnSpPr>
+        <p:spPr>
+          <a:xfrm>
+            <a:off x="1470454" y="2656704"/>
+            <a:ext cx="2545492" cy="2224215"/>
+          </a:xfrm>
+          <a:prstGeom prst="line">
+            <a:avLst/>
+          </a:prstGeom>
+          <a:ln w="57150"/>
+        </p:spPr>
+        <p:style>
+          <a:lnRef idx="1">
+            <a:schemeClr val="accent1"/>
+          </a:lnRef>
+          <a:fillRef idx="0">
+            <a:schemeClr val="accent1"/>
+          </a:fillRef>
+          <a:effectRef idx="0">
+            <a:schemeClr val="accent1"/>
+          </a:effectRef>
+          <a:fontRef idx="minor">
+            <a:schemeClr val="tx1"/>
+          </a:fontRef>
+        </p:style>
+      </p:cxnSp>
+      <p:cxnSp>
+        <p:nvCxnSpPr>
+          <p:cNvPr id="11" name="Straight Connector 10"/>
+          <p:cNvCxnSpPr/>
+          <p:nvPr/>
+        </p:nvCxnSpPr>
+        <p:spPr>
+          <a:xfrm flipH="1">
+            <a:off x="4015946" y="3584078"/>
+            <a:ext cx="1359243" cy="1296841"/>
+          </a:xfrm>
+          <a:prstGeom prst="line">
+            <a:avLst/>
+          </a:prstGeom>
+          <a:ln w="57150">
+            <a:solidFill>
+              <a:srgbClr val="FF0000"/>
+            </a:solidFill>
+          </a:ln>
+        </p:spPr>
+        <p:style>
+          <a:lnRef idx="1">
+            <a:schemeClr val="accent1"/>
+          </a:lnRef>
+          <a:fillRef idx="0">
+            <a:schemeClr val="accent1"/>
+          </a:fillRef>
+          <a:effectRef idx="0">
+            <a:schemeClr val="accent1"/>
+          </a:effectRef>
+          <a:fontRef idx="minor">
+            <a:schemeClr val="tx1"/>
+          </a:fontRef>
+        </p:style>
+      </p:cxnSp>
+      <p:sp>
+        <p:nvSpPr>
+          <p:cNvPr id="14" name="Oval 13"/>
+          <p:cNvSpPr/>
+          <p:nvPr/>
+        </p:nvSpPr>
+        <p:spPr>
+          <a:xfrm>
+            <a:off x="4695567" y="4059503"/>
+            <a:ext cx="172995" cy="172995"/>
+          </a:xfrm>
+          <a:prstGeom prst="ellipse">
+            <a:avLst/>
+          </a:prstGeom>
+          <a:solidFill>
+            <a:srgbClr val="FF0000"/>
+          </a:solidFill>
+          <a:ln>
+            <a:solidFill>
+              <a:srgbClr val="FF0000"/>
+            </a:solidFill>
+          </a:ln>
+        </p:spPr>
+        <p:style>
+          <a:lnRef idx="2">
+            <a:schemeClr val="accent1">
+              <a:shade val="50000"/>
+            </a:schemeClr>
+          </a:lnRef>
+          <a:fillRef idx="1">
+            <a:schemeClr val="accent1"/>
+          </a:fillRef>
+          <a:effectRef idx="0">
+            <a:schemeClr val="accent1"/>
+          </a:effectRef>
+          <a:fontRef idx="minor">
+            <a:schemeClr val="lt1"/>
+          </a:fontRef>
+        </p:style>
+        <p:txBody>
+          <a:bodyPr rtlCol="0" anchor="ctr"/>
+          <a:lstStyle/>
+          <a:p>
+            <a:pPr algn="ctr"/>
+            <a:endParaRPr lang="en-US"/>
+          </a:p>
+        </p:txBody>
+      </p:sp>
+    </p:spTree>
+    <p:extLst>
+      <p:ext uri="{BB962C8B-B14F-4D97-AF65-F5344CB8AC3E}">
+        <p14:creationId xmlns:p14="http://schemas.microsoft.com/office/powerpoint/2010/main" val="905372897"/>
+      </p:ext>
+    </p:extLst>
+  </p:cSld>
+  <p:clrMapOvr>
+    <a:masterClrMapping/>
+  </p:clrMapOvr>
+</p:sld>
+</file>
+
+<file path=ppt/slides/slide5.xml><?xml version="1.0" encoding="utf-8"?>
+<p:sld xmlns:a="http://schemas.openxmlformats.org/drawingml/2006/main" xmlns:r="http://schemas.openxmlformats.org/officeDocument/2006/relationships" xmlns:p="http://schemas.openxmlformats.org/presentationml/2006/main">
+  <p:cSld>
+    <p:spTree>
+      <p:nvGrpSpPr>
+        <p:cNvPr id="1" name=""/>
+        <p:cNvGrpSpPr/>
+        <p:nvPr/>
+      </p:nvGrpSpPr>
+      <p:grpSpPr>
+        <a:xfrm>
+          <a:off x="0" y="0"/>
+          <a:ext cx="0" cy="0"/>
+          <a:chOff x="0" y="0"/>
+          <a:chExt cx="0" cy="0"/>
+        </a:xfrm>
+      </p:grpSpPr>
+      <p:pic>
+        <p:nvPicPr>
+          <p:cNvPr id="4" name="Picture 3"/>
+          <p:cNvPicPr>
+            <a:picLocks noChangeAspect="1"/>
+          </p:cNvPicPr>
+          <p:nvPr/>
+        </p:nvPicPr>
+        <p:blipFill>
+          <a:blip r:embed="rId3"/>
+          <a:stretch>
+            <a:fillRect/>
+          </a:stretch>
+        </p:blipFill>
+        <p:spPr>
+          <a:xfrm>
+            <a:off x="2309192" y="2367331"/>
+            <a:ext cx="4476190" cy="3828571"/>
+          </a:xfrm>
+          <a:prstGeom prst="rect">
+            <a:avLst/>
+          </a:prstGeom>
+        </p:spPr>
+      </p:pic>
+      <p:cxnSp>
+        <p:nvCxnSpPr>
+          <p:cNvPr id="6" name="Straight Connector 5"/>
+          <p:cNvCxnSpPr/>
+          <p:nvPr/>
+        </p:nvCxnSpPr>
+        <p:spPr>
+          <a:xfrm flipV="1">
+            <a:off x="2384854" y="5671751"/>
+            <a:ext cx="494270" cy="531341"/>
+          </a:xfrm>
+          <a:prstGeom prst="line">
+            <a:avLst/>
+          </a:prstGeom>
+          <a:ln w="38100"/>
+        </p:spPr>
+        <p:style>
+          <a:lnRef idx="1">
+            <a:schemeClr val="accent1"/>
+          </a:lnRef>
+          <a:fillRef idx="0">
+            <a:schemeClr val="accent1"/>
+          </a:fillRef>
+          <a:effectRef idx="0">
+            <a:schemeClr val="accent1"/>
+          </a:effectRef>
+          <a:fontRef idx="minor">
+            <a:schemeClr val="tx1"/>
+          </a:fontRef>
+        </p:style>
+      </p:cxnSp>
+      <p:cxnSp>
+        <p:nvCxnSpPr>
+          <p:cNvPr id="7" name="Straight Connector 6"/>
+          <p:cNvCxnSpPr/>
+          <p:nvPr/>
+        </p:nvCxnSpPr>
+        <p:spPr>
+          <a:xfrm>
+            <a:off x="2309192" y="5177481"/>
+            <a:ext cx="569932" cy="494270"/>
+          </a:xfrm>
+          <a:prstGeom prst="line">
+            <a:avLst/>
+          </a:prstGeom>
+          <a:ln w="38100"/>
+        </p:spPr>
+        <p:style>
+          <a:lnRef idx="1">
+            <a:schemeClr val="accent1"/>
+          </a:lnRef>
+          <a:fillRef idx="0">
+            <a:schemeClr val="accent1"/>
+          </a:fillRef>
+          <a:effectRef idx="0">
+            <a:schemeClr val="accent1"/>
+          </a:effectRef>
+          <a:fontRef idx="minor">
+            <a:schemeClr val="tx1"/>
+          </a:fontRef>
+        </p:style>
+      </p:cxnSp>
+      <p:sp>
+        <p:nvSpPr>
+          <p:cNvPr id="10" name="Oval 9"/>
+          <p:cNvSpPr/>
+          <p:nvPr/>
+        </p:nvSpPr>
+        <p:spPr>
+          <a:xfrm>
+            <a:off x="4670853" y="3589947"/>
+            <a:ext cx="172995" cy="172995"/>
+          </a:xfrm>
+          <a:prstGeom prst="ellipse">
+            <a:avLst/>
+          </a:prstGeom>
+          <a:solidFill>
+            <a:srgbClr val="FF0000"/>
+          </a:solidFill>
+          <a:ln>
+            <a:solidFill>
+              <a:srgbClr val="FF0000"/>
+            </a:solidFill>
+          </a:ln>
+        </p:spPr>
+        <p:style>
+          <a:lnRef idx="2">
+            <a:schemeClr val="accent1">
+              <a:shade val="50000"/>
+            </a:schemeClr>
+          </a:lnRef>
+          <a:fillRef idx="1">
+            <a:schemeClr val="accent1"/>
+          </a:fillRef>
+          <a:effectRef idx="0">
+            <a:schemeClr val="accent1"/>
+          </a:effectRef>
+          <a:fontRef idx="minor">
+            <a:schemeClr val="lt1"/>
+          </a:fontRef>
+        </p:style>
+        <p:txBody>
+          <a:bodyPr rtlCol="0" anchor="ctr"/>
+          <a:lstStyle/>
+          <a:p>
+            <a:pPr algn="ctr"/>
+            <a:endParaRPr lang="en-US"/>
+          </a:p>
+        </p:txBody>
+      </p:sp>
+      <p:sp>
+        <p:nvSpPr>
+          <p:cNvPr id="12" name="TextBox 11"/>
+          <p:cNvSpPr txBox="1"/>
+          <p:nvPr/>
+        </p:nvSpPr>
+        <p:spPr>
+          <a:xfrm>
+            <a:off x="163015" y="1617945"/>
+            <a:ext cx="8980985" cy="523220"/>
+          </a:xfrm>
+          <a:prstGeom prst="rect">
+            <a:avLst/>
+          </a:prstGeom>
+          <a:noFill/>
+        </p:spPr>
+        <p:txBody>
+          <a:bodyPr wrap="none" rtlCol="0">
+            <a:spAutoFit/>
+          </a:bodyPr>
+          <a:lstStyle/>
+          <a:p>
+            <a:r>
+              <a:rPr lang="en-US" sz="2800" dirty="0" smtClean="0"/>
+              <a:t>He has far away from right route when he checks map again.</a:t>
+            </a:r>
+            <a:endParaRPr lang="en-US" sz="2800" dirty="0"/>
+          </a:p>
+        </p:txBody>
+      </p:sp>
+      <p:pic>
+        <p:nvPicPr>
+          <p:cNvPr id="4098" name="Picture 2" descr="https://d304k3mn1nwj0a.cloudfront.net/2s_space_(v2)/surprise.png"/>
+          <p:cNvPicPr>
+            <a:picLocks noChangeAspect="1" noChangeArrowheads="1"/>
+          </p:cNvPicPr>
+          <p:nvPr/>
+        </p:nvPicPr>
+        <p:blipFill>
+          <a:blip r:embed="rId4" cstate="print">
+            <a:extLst>
+              <a:ext uri="{28A0092B-C50C-407E-A947-70E740481C1C}">
+                <a14:useLocalDpi xmlns:a14="http://schemas.microsoft.com/office/drawing/2010/main" val="0"/>
+              </a:ext>
+            </a:extLst>
+          </a:blip>
+          <a:srcRect/>
+          <a:stretch>
+            <a:fillRect/>
+          </a:stretch>
+        </p:blipFill>
+        <p:spPr bwMode="auto">
+          <a:xfrm>
+            <a:off x="3766440" y="2614394"/>
+            <a:ext cx="990909" cy="990909"/>
+          </a:xfrm>
+          <a:prstGeom prst="rect">
+            <a:avLst/>
+          </a:prstGeom>
+          <a:noFill/>
+          <a:extLst>
+            <a:ext uri="{909E8E84-426E-40DD-AFC4-6F175D3DCCD1}">
+              <a14:hiddenFill xmlns:a14="http://schemas.microsoft.com/office/drawing/2010/main">
+                <a:solidFill>
+                  <a:srgbClr val="FFFFFF"/>
+                </a:solidFill>
+              </a14:hiddenFill>
+            </a:ext>
+          </a:extLst>
+        </p:spPr>
+      </p:pic>
+    </p:spTree>
+    <p:extLst>
+      <p:ext uri="{BB962C8B-B14F-4D97-AF65-F5344CB8AC3E}">
+        <p14:creationId xmlns:p14="http://schemas.microsoft.com/office/powerpoint/2010/main" val="808719010"/>
+      </p:ext>
+    </p:extLst>
+  </p:cSld>
+  <p:clrMapOvr>
+    <a:masterClrMapping/>
+  </p:clrMapOvr>
+</p:sld>
+</file>
+
+<file path=ppt/slides/slide6.xml><?xml version="1.0" encoding="utf-8"?>
+<p:sld xmlns:a="http://schemas.openxmlformats.org/drawingml/2006/main" xmlns:r="http://schemas.openxmlformats.org/officeDocument/2006/relationships" xmlns:p="http://schemas.openxmlformats.org/presentationml/2006/main">
+  <p:cSld>
+    <p:spTree>
+      <p:nvGrpSpPr>
+        <p:cNvPr id="1" name=""/>
+        <p:cNvGrpSpPr/>
+        <p:nvPr/>
+      </p:nvGrpSpPr>
+      <p:grpSpPr>
+        <a:xfrm>
+          <a:off x="0" y="0"/>
+          <a:ext cx="0" cy="0"/>
+          <a:chOff x="0" y="0"/>
+          <a:chExt cx="0" cy="0"/>
+        </a:xfrm>
+      </p:grpSpPr>
+      <p:sp>
+        <p:nvSpPr>
+          <p:cNvPr id="6" name="Title 5"/>
+          <p:cNvSpPr>
+            <a:spLocks noGrp="1"/>
+          </p:cNvSpPr>
+          <p:nvPr>
+            <p:ph type="title"/>
+          </p:nvPr>
+        </p:nvSpPr>
+        <p:spPr/>
+        <p:txBody>
+          <a:bodyPr>
+            <a:normAutofit/>
+          </a:bodyPr>
+          <a:lstStyle/>
+          <a:p>
+            <a:r>
+              <a:rPr lang="vi-VN" sz="5400" dirty="0" smtClean="0">
+                <a:solidFill>
+                  <a:schemeClr val="bg1"/>
+                </a:solidFill>
+                <a:latin typeface="Cambria"/>
+                <a:ea typeface="Cambria"/>
+                <a:cs typeface="Cambria"/>
+                <a:sym typeface="Cambria"/>
+              </a:rPr>
+              <a:t>Problem</a:t>
+            </a:r>
+            <a:endParaRPr lang="en-US" sz="5400" dirty="0">
+              <a:solidFill>
+                <a:schemeClr val="bg1"/>
+              </a:solidFill>
+              <a:latin typeface="Cambria"/>
+              <a:ea typeface="Cambria"/>
+              <a:cs typeface="Cambria"/>
+              <a:sym typeface="Cambria"/>
+            </a:endParaRPr>
+          </a:p>
+        </p:txBody>
+      </p:sp>
+      <p:sp>
+        <p:nvSpPr>
+          <p:cNvPr id="5" name="Slide Number Placeholder 4"/>
+          <p:cNvSpPr>
+            <a:spLocks noGrp="1"/>
+          </p:cNvSpPr>
+          <p:nvPr>
+            <p:ph type="sldNum" idx="12"/>
+          </p:nvPr>
+        </p:nvSpPr>
+        <p:spPr/>
+        <p:txBody>
+          <a:bodyPr/>
+          <a:lstStyle/>
+          <a:p>
+            <a:fld id="{00000000-1234-1234-1234-123412341234}" type="slidenum">
+              <a:rPr lang="en" smtClean="0"/>
+              <a:pPr/>
+              <a:t>6</a:t>
+            </a:fld>
+            <a:endParaRPr lang="en"/>
+          </a:p>
+        </p:txBody>
+      </p:sp>
+      <p:sp>
+        <p:nvSpPr>
+          <p:cNvPr id="23" name="TextBox 22"/>
+          <p:cNvSpPr txBox="1"/>
+          <p:nvPr/>
+        </p:nvSpPr>
+        <p:spPr>
+          <a:xfrm>
+            <a:off x="457200" y="2077686"/>
+            <a:ext cx="7980947" cy="461665"/>
+          </a:xfrm>
+          <a:prstGeom prst="rect">
+            <a:avLst/>
+          </a:prstGeom>
+          <a:noFill/>
+        </p:spPr>
+        <p:txBody>
+          <a:bodyPr wrap="square" rtlCol="0">
+            <a:spAutoFit/>
+          </a:bodyPr>
+          <a:lstStyle/>
+          <a:p>
+            <a:r>
+              <a:rPr lang="en-US" sz="2400" dirty="0" smtClean="0"/>
+              <a:t>Despite detailed notification, sometime people still gets loss.</a:t>
+            </a:r>
+            <a:endParaRPr lang="en-US" sz="2400" dirty="0"/>
+          </a:p>
+        </p:txBody>
+      </p:sp>
+      <p:pic>
+        <p:nvPicPr>
+          <p:cNvPr id="1028" name="Picture 4" descr="http://botay.vn/pdata/memes/21.jpg"/>
+          <p:cNvPicPr>
+            <a:picLocks noChangeAspect="1" noChangeArrowheads="1"/>
+          </p:cNvPicPr>
+          <p:nvPr/>
+        </p:nvPicPr>
+        <p:blipFill>
+          <a:blip r:embed="rId3">
+            <a:extLst>
+              <a:ext uri="{28A0092B-C50C-407E-A947-70E740481C1C}">
+                <a14:useLocalDpi xmlns:a14="http://schemas.microsoft.com/office/drawing/2010/main" val="0"/>
+              </a:ext>
+            </a:extLst>
+          </a:blip>
+          <a:srcRect/>
+          <a:stretch>
+            <a:fillRect/>
+          </a:stretch>
+        </p:blipFill>
+        <p:spPr bwMode="auto">
+          <a:xfrm>
+            <a:off x="2610017" y="3022936"/>
+            <a:ext cx="3261393" cy="3261393"/>
+          </a:xfrm>
+          <a:prstGeom prst="rect">
+            <a:avLst/>
+          </a:prstGeom>
+          <a:noFill/>
+          <a:extLst>
+            <a:ext uri="{909E8E84-426E-40DD-AFC4-6F175D3DCCD1}">
+              <a14:hiddenFill xmlns:a14="http://schemas.microsoft.com/office/drawing/2010/main">
+                <a:solidFill>
+                  <a:srgbClr val="FFFFFF"/>
+                </a:solidFill>
+              </a14:hiddenFill>
+            </a:ext>
+          </a:extLst>
+        </p:spPr>
+      </p:pic>
+    </p:spTree>
+    <p:extLst>
+      <p:ext uri="{BB962C8B-B14F-4D97-AF65-F5344CB8AC3E}">
+        <p14:creationId xmlns:p14="http://schemas.microsoft.com/office/powerpoint/2010/main" val="98825311"/>
+      </p:ext>
+    </p:extLst>
+  </p:cSld>
+  <p:clrMapOvr>
+    <a:masterClrMapping/>
+  </p:clrMapOvr>
+</p:sld>
+</file>
+
+<file path=ppt/slides/slide7.xml><?xml version="1.0" encoding="utf-8"?>
+<p:sld xmlns:a="http://schemas.openxmlformats.org/drawingml/2006/main" xmlns:r="http://schemas.openxmlformats.org/officeDocument/2006/relationships" xmlns:p="http://schemas.openxmlformats.org/presentationml/2006/main">
+  <p:cSld>
+    <p:spTree>
+      <p:nvGrpSpPr>
+        <p:cNvPr id="1" name=""/>
+        <p:cNvGrpSpPr/>
+        <p:nvPr/>
+      </p:nvGrpSpPr>
+      <p:grpSpPr>
+        <a:xfrm>
+          <a:off x="0" y="0"/>
+          <a:ext cx="0" cy="0"/>
+          <a:chOff x="0" y="0"/>
+          <a:chExt cx="0" cy="0"/>
+        </a:xfrm>
+      </p:grpSpPr>
+      <p:sp>
+        <p:nvSpPr>
+          <p:cNvPr id="6" name="Title 5"/>
+          <p:cNvSpPr>
+            <a:spLocks noGrp="1"/>
+          </p:cNvSpPr>
+          <p:nvPr>
+            <p:ph type="title"/>
+          </p:nvPr>
+        </p:nvSpPr>
+        <p:spPr/>
+        <p:txBody>
+          <a:bodyPr>
+            <a:normAutofit/>
+          </a:bodyPr>
+          <a:lstStyle/>
+          <a:p>
+            <a:r>
+              <a:rPr lang="vi-VN" sz="5400" dirty="0" smtClean="0">
+                <a:solidFill>
+                  <a:schemeClr val="bg1"/>
+                </a:solidFill>
+                <a:latin typeface="Cambria"/>
+                <a:ea typeface="Cambria"/>
+                <a:cs typeface="Cambria"/>
+                <a:sym typeface="Cambria"/>
+              </a:rPr>
+              <a:t>Solution</a:t>
+            </a:r>
+            <a:endParaRPr lang="en-US" sz="5400" dirty="0">
+              <a:solidFill>
+                <a:schemeClr val="bg1"/>
+              </a:solidFill>
+              <a:latin typeface="Cambria"/>
+              <a:ea typeface="Cambria"/>
+              <a:cs typeface="Cambria"/>
+              <a:sym typeface="Cambria"/>
+            </a:endParaRPr>
+          </a:p>
+        </p:txBody>
+      </p:sp>
+      <p:sp>
+        <p:nvSpPr>
+          <p:cNvPr id="5" name="Slide Number Placeholder 4"/>
+          <p:cNvSpPr>
+            <a:spLocks noGrp="1"/>
+          </p:cNvSpPr>
+          <p:nvPr>
+            <p:ph type="sldNum" idx="12"/>
+          </p:nvPr>
+        </p:nvSpPr>
+        <p:spPr/>
+        <p:txBody>
+          <a:bodyPr/>
+          <a:lstStyle/>
+          <a:p>
+            <a:fld id="{00000000-1234-1234-1234-123412341234}" type="slidenum">
+              <a:rPr lang="en" smtClean="0"/>
+              <a:pPr/>
+              <a:t>7</a:t>
+            </a:fld>
+            <a:endParaRPr lang="en"/>
+          </a:p>
+        </p:txBody>
+      </p:sp>
+      <p:sp>
+        <p:nvSpPr>
+          <p:cNvPr id="7" name="Content Placeholder 2"/>
+          <p:cNvSpPr txBox="1">
+            <a:spLocks/>
+          </p:cNvSpPr>
+          <p:nvPr/>
+        </p:nvSpPr>
+        <p:spPr>
+          <a:xfrm>
+            <a:off x="628650" y="1825625"/>
+            <a:ext cx="7886700" cy="2168859"/>
+          </a:xfrm>
+          <a:prstGeom prst="rect">
+            <a:avLst/>
+          </a:prstGeom>
+        </p:spPr>
+        <p:txBody>
+          <a:bodyPr vert="horz" lIns="91425" tIns="91425" rIns="91425" bIns="91425" rtlCol="0" anchor="t" anchorCtr="0">
+            <a:normAutofit/>
+          </a:bodyPr>
+          <a:lstStyle>
+            <a:lvl1pPr marL="228594" indent="-228594" algn="l" defTabSz="914377" rtl="0" eaLnBrk="1" latinLnBrk="0" hangingPunct="1">
+              <a:lnSpc>
+                <a:spcPct val="90000"/>
+              </a:lnSpc>
+              <a:spcBef>
+                <a:spcPts val="0"/>
+              </a:spcBef>
+              <a:buFont typeface="Arial" panose="020B0604020202020204" pitchFamily="34" charset="0"/>
+              <a:buChar char="•"/>
+              <a:defRPr sz="2800" kern="1200">
+                <a:solidFill>
+                  <a:schemeClr val="tx1"/>
+                </a:solidFill>
+                <a:latin typeface="+mn-lt"/>
+                <a:ea typeface="+mn-ea"/>
+                <a:cs typeface="+mn-cs"/>
+              </a:defRPr>
+            </a:lvl1pPr>
+            <a:lvl2pPr marL="685783" indent="-228594" algn="l" defTabSz="914377" rtl="0" eaLnBrk="1" latinLnBrk="0" hangingPunct="1">
+              <a:lnSpc>
+                <a:spcPct val="90000"/>
+              </a:lnSpc>
+              <a:spcBef>
+                <a:spcPts val="0"/>
+              </a:spcBef>
+              <a:buFont typeface="Arial" panose="020B0604020202020204" pitchFamily="34" charset="0"/>
+              <a:buChar char="•"/>
+              <a:defRPr sz="2400" kern="1200">
+                <a:solidFill>
+                  <a:schemeClr val="tx1"/>
+                </a:solidFill>
+                <a:latin typeface="+mn-lt"/>
+                <a:ea typeface="+mn-ea"/>
+                <a:cs typeface="+mn-cs"/>
+              </a:defRPr>
+            </a:lvl2pPr>
+            <a:lvl3pPr marL="1142971" indent="-228594" algn="l" defTabSz="914377" rtl="0" eaLnBrk="1" latinLnBrk="0" hangingPunct="1">
+              <a:lnSpc>
+                <a:spcPct val="90000"/>
+              </a:lnSpc>
+              <a:spcBef>
+                <a:spcPts val="0"/>
+              </a:spcBef>
+              <a:buFont typeface="Arial" panose="020B0604020202020204" pitchFamily="34" charset="0"/>
+              <a:buChar char="•"/>
+              <a:defRPr sz="2000" kern="1200">
+                <a:solidFill>
+                  <a:schemeClr val="tx1"/>
+                </a:solidFill>
+                <a:latin typeface="+mn-lt"/>
+                <a:ea typeface="+mn-ea"/>
+                <a:cs typeface="+mn-cs"/>
+              </a:defRPr>
+            </a:lvl3pPr>
+            <a:lvl4pPr marL="1600160" indent="-228594" algn="l" defTabSz="914377" rtl="0" eaLnBrk="1" latinLnBrk="0" hangingPunct="1">
+              <a:lnSpc>
+                <a:spcPct val="90000"/>
+              </a:lnSpc>
+              <a:spcBef>
+                <a:spcPts val="0"/>
+              </a:spcBef>
+              <a:buFont typeface="Arial" panose="020B0604020202020204" pitchFamily="34" charset="0"/>
+              <a:buChar char="•"/>
+              <a:defRPr sz="1800" kern="1200">
+                <a:solidFill>
+                  <a:schemeClr val="tx1"/>
+                </a:solidFill>
+                <a:latin typeface="+mn-lt"/>
+                <a:ea typeface="+mn-ea"/>
+                <a:cs typeface="+mn-cs"/>
+              </a:defRPr>
+            </a:lvl4pPr>
+            <a:lvl5pPr marL="2057349" indent="-228594" algn="l" defTabSz="914377" rtl="0" eaLnBrk="1" latinLnBrk="0" hangingPunct="1">
+              <a:lnSpc>
+                <a:spcPct val="90000"/>
+              </a:lnSpc>
+              <a:spcBef>
+                <a:spcPts val="0"/>
+              </a:spcBef>
+              <a:buFont typeface="Arial" panose="020B0604020202020204" pitchFamily="34" charset="0"/>
+              <a:buChar char="•"/>
+              <a:defRPr sz="1800" kern="1200">
+                <a:solidFill>
+                  <a:schemeClr val="tx1"/>
+                </a:solidFill>
+                <a:latin typeface="+mn-lt"/>
+                <a:ea typeface="+mn-ea"/>
+                <a:cs typeface="+mn-cs"/>
+              </a:defRPr>
+            </a:lvl5pPr>
+            <a:lvl6pPr marL="2514537" indent="-228594" algn="l" defTabSz="914377" rtl="0" eaLnBrk="1" latinLnBrk="0" hangingPunct="1">
+              <a:lnSpc>
+                <a:spcPct val="90000"/>
+              </a:lnSpc>
+              <a:spcBef>
+                <a:spcPts val="0"/>
+              </a:spcBef>
+              <a:buFont typeface="Arial" panose="020B0604020202020204" pitchFamily="34" charset="0"/>
+              <a:buChar char="•"/>
+              <a:defRPr sz="1800" kern="1200">
+                <a:solidFill>
+                  <a:schemeClr val="tx1"/>
+                </a:solidFill>
+                <a:latin typeface="+mn-lt"/>
+                <a:ea typeface="+mn-ea"/>
+                <a:cs typeface="+mn-cs"/>
+              </a:defRPr>
+            </a:lvl6pPr>
+            <a:lvl7pPr marL="2971726" indent="-228594" algn="l" defTabSz="914377" rtl="0" eaLnBrk="1" latinLnBrk="0" hangingPunct="1">
+              <a:lnSpc>
+                <a:spcPct val="90000"/>
+              </a:lnSpc>
+              <a:spcBef>
+                <a:spcPts val="0"/>
+              </a:spcBef>
+              <a:buFont typeface="Arial" panose="020B0604020202020204" pitchFamily="34" charset="0"/>
+              <a:buChar char="•"/>
+              <a:defRPr sz="1800" kern="1200">
+                <a:solidFill>
+                  <a:schemeClr val="tx1"/>
+                </a:solidFill>
+                <a:latin typeface="+mn-lt"/>
+                <a:ea typeface="+mn-ea"/>
+                <a:cs typeface="+mn-cs"/>
+              </a:defRPr>
+            </a:lvl7pPr>
+            <a:lvl8pPr marL="3428914" indent="-228594" algn="l" defTabSz="914377" rtl="0" eaLnBrk="1" latinLnBrk="0" hangingPunct="1">
+              <a:lnSpc>
+                <a:spcPct val="90000"/>
+              </a:lnSpc>
+              <a:spcBef>
+                <a:spcPts val="0"/>
+              </a:spcBef>
+              <a:buFont typeface="Arial" panose="020B0604020202020204" pitchFamily="34" charset="0"/>
+              <a:buChar char="•"/>
+              <a:defRPr sz="1800" kern="1200">
+                <a:solidFill>
+                  <a:schemeClr val="tx1"/>
+                </a:solidFill>
+                <a:latin typeface="+mn-lt"/>
+                <a:ea typeface="+mn-ea"/>
+                <a:cs typeface="+mn-cs"/>
+              </a:defRPr>
+            </a:lvl8pPr>
+            <a:lvl9pPr marL="3886103" indent="-228594" algn="l" defTabSz="914377" rtl="0" eaLnBrk="1" latinLnBrk="0" hangingPunct="1">
+              <a:lnSpc>
+                <a:spcPct val="90000"/>
+              </a:lnSpc>
+              <a:spcBef>
+                <a:spcPts val="0"/>
+              </a:spcBef>
+              <a:buFont typeface="Arial" panose="020B0604020202020204" pitchFamily="34" charset="0"/>
+              <a:buChar char="•"/>
+              <a:defRPr sz="1800" kern="1200">
+                <a:solidFill>
+                  <a:schemeClr val="tx1"/>
+                </a:solidFill>
+                <a:latin typeface="+mn-lt"/>
+                <a:ea typeface="+mn-ea"/>
+                <a:cs typeface="+mn-cs"/>
+              </a:defRPr>
+            </a:lvl9pPr>
+          </a:lstStyle>
+          <a:p>
             <a:pPr marL="0" indent="0">
               <a:buFont typeface="Arial" panose="020B0604020202020204" pitchFamily="34" charset="0"/>
               <a:buNone/>
             </a:pPr>
             <a:r>
-              <a:rPr lang="en-US" smtClean="0"/>
+              <a:rPr lang="en-US" dirty="0" smtClean="0"/>
               <a:t>Provide detect wrong route function.</a:t>
             </a:r>
           </a:p>
@@ -17739,7 +18367,7 @@
               <a:buNone/>
             </a:pPr>
             <a:r>
-              <a:rPr lang="en-US" smtClean="0"/>
+              <a:rPr lang="en-US" dirty="0" smtClean="0"/>
               <a:t>Help users know if they are going to wrong route.</a:t>
             </a:r>
           </a:p>
@@ -17749,13 +18377,175 @@
               <a:buNone/>
             </a:pPr>
             <a:r>
-              <a:rPr lang="en-US" smtClean="0"/>
+              <a:rPr lang="en-US" dirty="0" smtClean="0"/>
               <a:t>User can search again to get right route.</a:t>
             </a:r>
             <a:endParaRPr lang="en-US" dirty="0"/>
           </a:p>
         </p:txBody>
       </p:sp>
+      <p:pic>
+        <p:nvPicPr>
+          <p:cNvPr id="8" name="Picture 7"/>
+          <p:cNvPicPr>
+            <a:picLocks noChangeAspect="1"/>
+          </p:cNvPicPr>
+          <p:nvPr/>
+        </p:nvPicPr>
+        <p:blipFill>
+          <a:blip r:embed="rId3" cstate="print">
+            <a:extLst>
+              <a:ext uri="{28A0092B-C50C-407E-A947-70E740481C1C}">
+                <a14:useLocalDpi xmlns:a14="http://schemas.microsoft.com/office/drawing/2010/main" val="0"/>
+              </a:ext>
+            </a:extLst>
+          </a:blip>
+          <a:stretch>
+            <a:fillRect/>
+          </a:stretch>
+        </p:blipFill>
+        <p:spPr>
+          <a:xfrm>
+            <a:off x="900168" y="4402472"/>
+            <a:ext cx="1306902" cy="1306902"/>
+          </a:xfrm>
+          <a:prstGeom prst="rect">
+            <a:avLst/>
+          </a:prstGeom>
+        </p:spPr>
+      </p:pic>
+      <p:sp>
+        <p:nvSpPr>
+          <p:cNvPr id="9" name="TextBox 8"/>
+          <p:cNvSpPr txBox="1"/>
+          <p:nvPr/>
+        </p:nvSpPr>
+        <p:spPr>
+          <a:xfrm>
+            <a:off x="874715" y="5524708"/>
+            <a:ext cx="1504771" cy="400110"/>
+          </a:xfrm>
+          <a:prstGeom prst="rect">
+            <a:avLst/>
+          </a:prstGeom>
+          <a:noFill/>
+        </p:spPr>
+        <p:txBody>
+          <a:bodyPr wrap="none" rtlCol="0">
+            <a:spAutoFit/>
+          </a:bodyPr>
+          <a:lstStyle/>
+          <a:p>
+            <a:r>
+              <a:rPr lang="en-US" sz="2000" dirty="0" smtClean="0"/>
+              <a:t>Street</a:t>
+            </a:r>
+            <a:r>
+              <a:rPr lang="en-US" dirty="0" smtClean="0"/>
+              <a:t> Router</a:t>
+            </a:r>
+            <a:endParaRPr lang="en-US" dirty="0"/>
+          </a:p>
+        </p:txBody>
+      </p:sp>
+      <p:pic>
+        <p:nvPicPr>
+          <p:cNvPr id="10" name="Picture 9"/>
+          <p:cNvPicPr>
+            <a:picLocks noChangeAspect="1"/>
+          </p:cNvPicPr>
+          <p:nvPr/>
+        </p:nvPicPr>
+        <p:blipFill>
+          <a:blip r:embed="rId4" cstate="print">
+            <a:extLst>
+              <a:ext uri="{28A0092B-C50C-407E-A947-70E740481C1C}">
+                <a14:useLocalDpi xmlns:a14="http://schemas.microsoft.com/office/drawing/2010/main" val="0"/>
+              </a:ext>
+            </a:extLst>
+          </a:blip>
+          <a:stretch>
+            <a:fillRect/>
+          </a:stretch>
+        </p:blipFill>
+        <p:spPr>
+          <a:xfrm>
+            <a:off x="6693443" y="3461283"/>
+            <a:ext cx="1066401" cy="1066401"/>
+          </a:xfrm>
+          <a:prstGeom prst="rect">
+            <a:avLst/>
+          </a:prstGeom>
+        </p:spPr>
+      </p:pic>
+      <p:sp>
+        <p:nvSpPr>
+          <p:cNvPr id="11" name="TextBox 10"/>
+          <p:cNvSpPr txBox="1"/>
+          <p:nvPr/>
+        </p:nvSpPr>
+        <p:spPr>
+          <a:xfrm>
+            <a:off x="6279749" y="4491848"/>
+            <a:ext cx="2063578" cy="400110"/>
+          </a:xfrm>
+          <a:prstGeom prst="rect">
+            <a:avLst/>
+          </a:prstGeom>
+          <a:noFill/>
+        </p:spPr>
+        <p:txBody>
+          <a:bodyPr wrap="none" rtlCol="0">
+            <a:spAutoFit/>
+          </a:bodyPr>
+          <a:lstStyle/>
+          <a:p>
+            <a:r>
+              <a:rPr lang="en-US" sz="2000" dirty="0"/>
+              <a:t>Detect wrong way</a:t>
+            </a:r>
+          </a:p>
+        </p:txBody>
+      </p:sp>
+      <p:cxnSp>
+        <p:nvCxnSpPr>
+          <p:cNvPr id="3" name="Straight Arrow Connector 2"/>
+          <p:cNvCxnSpPr>
+            <a:stCxn id="8" idx="3"/>
+            <a:endCxn id="10" idx="1"/>
+          </p:cNvCxnSpPr>
+          <p:nvPr/>
+        </p:nvCxnSpPr>
+        <p:spPr>
+          <a:xfrm flipV="1">
+            <a:off x="2207070" y="3994484"/>
+            <a:ext cx="4486373" cy="1061439"/>
+          </a:xfrm>
+          <a:prstGeom prst="straightConnector1">
+            <a:avLst/>
+          </a:prstGeom>
+          <a:ln w="28575">
+            <a:solidFill>
+              <a:schemeClr val="tx1"/>
+            </a:solidFill>
+            <a:tailEnd type="triangle"/>
+          </a:ln>
+        </p:spPr>
+        <p:style>
+          <a:lnRef idx="1">
+            <a:schemeClr val="accent1"/>
+          </a:lnRef>
+          <a:fillRef idx="0">
+            <a:schemeClr val="accent1"/>
+          </a:fillRef>
+          <a:effectRef idx="0">
+            <a:schemeClr val="accent1"/>
+          </a:effectRef>
+          <a:fontRef idx="minor">
+            <a:schemeClr val="tx1"/>
+          </a:fontRef>
+        </p:style>
+      </p:cxnSp>
     </p:spTree>
     <p:extLst>
       <p:ext uri="{BB962C8B-B14F-4D97-AF65-F5344CB8AC3E}">
@@ -19034,4 +19824,47 @@
     </a:ext>
   </a:extLst>
 </a:theme>
+</file>
+
+<file path=ppt/theme/themeOverride1.xml><?xml version="1.0" encoding="utf-8"?>
+<a:themeOverride xmlns:a="http://schemas.openxmlformats.org/drawingml/2006/main">
+  <a:clrScheme name="Office Theme">
+    <a:dk1>
+      <a:sysClr val="windowText" lastClr="000000"/>
+    </a:dk1>
+    <a:lt1>
+      <a:sysClr val="window" lastClr="FFFFFF"/>
+    </a:lt1>
+    <a:dk2>
+      <a:srgbClr val="44546A"/>
+    </a:dk2>
+    <a:lt2>
+      <a:srgbClr val="E7E6E6"/>
+    </a:lt2>
+    <a:accent1>
+      <a:srgbClr val="5B9BD5"/>
+    </a:accent1>
+    <a:accent2>
+      <a:srgbClr val="ED7D31"/>
+    </a:accent2>
+    <a:accent3>
+      <a:srgbClr val="A5A5A5"/>
+    </a:accent3>
+    <a:accent4>
+      <a:srgbClr val="FFC000"/>
+    </a:accent4>
+    <a:accent5>
+      <a:srgbClr val="4472C4"/>
+    </a:accent5>
+    <a:accent6>
+      <a:srgbClr val="70AD47"/>
+    </a:accent6>
+    <a:hlink>
+      <a:srgbClr val="0563C1"/>
+    </a:hlink>
+    <a:folHlink>
+      <a:srgbClr val="954F72"/>
+    </a:folHlink>
+  </a:clrScheme>
+</a:themeOverride>
 </file>
--- a/Document/presentation/nam/9 notify wrong way.pptx
+++ b/Document/presentation/nam/9 notify wrong way.pptx
@@ -14,7 +14,7 @@
     <p:sldId id="316" r:id="rId5"/>
     <p:sldId id="315" r:id="rId6"/>
     <p:sldId id="320" r:id="rId7"/>
-    <p:sldId id="321" r:id="rId8"/>
+    <p:sldId id="324" r:id="rId8"/>
     <p:sldId id="303" r:id="rId9"/>
     <p:sldId id="282" r:id="rId10"/>
     <p:sldId id="273" r:id="rId11"/>
@@ -2594,11 +2594,7 @@
             </a:r>
             <a:r>
               <a:rPr lang="en-US" dirty="0" smtClean="0"/>
-              <a:t> </a:t>
-            </a:r>
-            <a:r>
-              <a:rPr lang="en-US" dirty="0" smtClean="0"/>
-              <a:t>di</a:t>
+              <a:t> di</a:t>
             </a:r>
             <a:r>
               <a:rPr lang="en-US" baseline="0" dirty="0" smtClean="0"/>
@@ -4143,7 +4139,7 @@
     </p:spTree>
     <p:extLst>
       <p:ext uri="{BB962C8B-B14F-4D97-AF65-F5344CB8AC3E}">
-        <p14:creationId xmlns:p14="http://schemas.microsoft.com/office/powerpoint/2010/main" val="2055629102"/>
+        <p14:creationId xmlns:p14="http://schemas.microsoft.com/office/powerpoint/2010/main" val="1694716515"/>
       </p:ext>
     </p:extLst>
   </p:cSld>
@@ -7822,19 +7818,21 @@
           <a:lstStyle/>
           <a:p>
             <a:r>
-              <a:rPr lang="en-US" sz="2400" dirty="0" smtClean="0"/>
-              <a:t>Mr</a:t>
-            </a:r>
-            <a:r>
-              <a:rPr lang="en-US" sz="2400" dirty="0" smtClean="0"/>
-              <a:t>. </a:t>
-            </a:r>
-            <a:r>
-              <a:rPr lang="en-US" sz="2400" dirty="0" err="1" smtClean="0"/>
+              <a:rPr lang="en-US" sz="2400" dirty="0" smtClean="0">
+                <a:latin typeface="+mj-lt"/>
+              </a:rPr>
+              <a:t>Mr. </a:t>
+            </a:r>
+            <a:r>
+              <a:rPr lang="en-US" sz="2400" dirty="0" err="1" smtClean="0">
+                <a:latin typeface="+mj-lt"/>
+              </a:rPr>
               <a:t>Khuong</a:t>
             </a:r>
             <a:r>
-              <a:rPr lang="en-US" sz="2400" dirty="0" smtClean="0"/>
+              <a:rPr lang="en-US" sz="2400" dirty="0" smtClean="0">
+                <a:latin typeface="+mj-lt"/>
+              </a:rPr>
               <a:t> always drives with high speed.</a:t>
             </a:r>
           </a:p>
@@ -18008,8 +18006,8 @@
         </p:nvSpPr>
         <p:spPr>
           <a:xfrm>
-            <a:off x="457200" y="2077686"/>
-            <a:ext cx="7980947" cy="461665"/>
+            <a:off x="850194" y="3182889"/>
+            <a:ext cx="7980947" cy="830997"/>
           </a:xfrm>
           <a:prstGeom prst="rect">
             <a:avLst/>
@@ -18023,54 +18021,17 @@
           <a:lstStyle/>
           <a:p>
             <a:r>
-              <a:rPr lang="en-US" sz="2400" dirty="0" smtClean="0"/>
+              <a:rPr lang="en-US" sz="2400" dirty="0" smtClean="0">
+                <a:latin typeface="Cambria" panose="02040503050406030204" pitchFamily="18" charset="0"/>
+              </a:rPr>
               <a:t>Despite detailed notification, sometime people still gets loss.</a:t>
             </a:r>
-            <a:endParaRPr lang="en-US" sz="2400" dirty="0"/>
-          </a:p>
-        </p:txBody>
-      </p:sp>
-      <p:pic>
-        <p:nvPicPr>
-          <p:cNvPr id="1028" name="Picture 4" descr="http://botay.vn/pdata/memes/21.jpg"/>
-          <p:cNvPicPr>
-            <a:picLocks noChangeAspect="1" noChangeArrowheads="1"/>
-          </p:cNvPicPr>
-          <p:nvPr/>
-        </p:nvPicPr>
-        <p:blipFill>
-          <a:blip r:embed="rId3">
-            <a:extLst>
-              <a:ext uri="{28A0092B-C50C-407E-A947-70E740481C1C}">
-                <a14:useLocalDpi xmlns:a14="http://schemas.microsoft.com/office/drawing/2010/main" val="0"/>
-              </a:ext>
-            </a:extLst>
-          </a:blip>
-          <a:srcRect/>
-          <a:stretch>
-            <a:fillRect/>
-          </a:stretch>
-        </p:blipFill>
-        <p:spPr bwMode="auto">
-          <a:xfrm>
-            <a:off x="2610017" y="3022936"/>
-            <a:ext cx="3261393" cy="3261393"/>
-          </a:xfrm>
-          <a:prstGeom prst="rect">
-            <a:avLst/>
-          </a:prstGeom>
-          <a:noFill/>
-          <a:extLst>
-            <a:ext uri="{909E8E84-426E-40DD-AFC4-6F175D3DCCD1}">
-              <a14:hiddenFill xmlns:a14="http://schemas.microsoft.com/office/drawing/2010/main">
-                <a:solidFill>
-                  <a:srgbClr val="FFFFFF"/>
-                </a:solidFill>
-              </a14:hiddenFill>
-            </a:ext>
-          </a:extLst>
-        </p:spPr>
-      </p:pic>
+            <a:endParaRPr lang="en-US" sz="2400" dirty="0">
+              <a:latin typeface="Cambria" panose="02040503050406030204" pitchFamily="18" charset="0"/>
+            </a:endParaRPr>
+          </a:p>
+        </p:txBody>
+      </p:sp>
     </p:spTree>
     <p:extLst>
       <p:ext uri="{BB962C8B-B14F-4D97-AF65-F5344CB8AC3E}">
@@ -18103,7 +18064,7 @@
       </p:grpSpPr>
       <p:sp>
         <p:nvSpPr>
-          <p:cNvPr id="6" name="Title 5"/>
+          <p:cNvPr id="2" name="Title 1"/>
           <p:cNvSpPr>
             <a:spLocks noGrp="1"/>
           </p:cNvSpPr>
@@ -18114,37 +18075,31 @@
         <p:spPr/>
         <p:txBody>
           <a:bodyPr>
-            <a:normAutofit/>
+            <a:noAutofit/>
           </a:bodyPr>
           <a:lstStyle/>
           <a:p>
             <a:r>
-              <a:rPr lang="vi-VN" sz="5400" dirty="0" smtClean="0">
+              <a:rPr lang="en-US" sz="6000" dirty="0" smtClean="0">
                 <a:solidFill>
                   <a:schemeClr val="bg1"/>
                 </a:solidFill>
-                <a:latin typeface="Cambria"/>
-                <a:ea typeface="Cambria"/>
-                <a:cs typeface="Cambria"/>
-                <a:sym typeface="Cambria"/>
+                <a:latin typeface="Cambria" pitchFamily="18" charset="0"/>
               </a:rPr>
               <a:t>Solution</a:t>
             </a:r>
-            <a:endParaRPr lang="en-US" sz="5400" dirty="0">
+            <a:endParaRPr lang="en-US" sz="6000" dirty="0">
               <a:solidFill>
                 <a:schemeClr val="bg1"/>
               </a:solidFill>
-              <a:latin typeface="Cambria"/>
-              <a:ea typeface="Cambria"/>
-              <a:cs typeface="Cambria"/>
-              <a:sym typeface="Cambria"/>
+              <a:latin typeface="Cambria" pitchFamily="18" charset="0"/>
             </a:endParaRPr>
           </a:p>
         </p:txBody>
       </p:sp>
       <p:sp>
         <p:nvSpPr>
-          <p:cNvPr id="5" name="Slide Number Placeholder 4"/>
+          <p:cNvPr id="4" name="Slide Number Placeholder 3"/>
           <p:cNvSpPr>
             <a:spLocks noGrp="1"/>
           </p:cNvSpPr>
@@ -18166,360 +18121,433 @@
           </a:p>
         </p:txBody>
       </p:sp>
-      <p:sp>
-        <p:nvSpPr>
-          <p:cNvPr id="7" name="Content Placeholder 2"/>
-          <p:cNvSpPr txBox="1">
-            <a:spLocks/>
-          </p:cNvSpPr>
-          <p:nvPr/>
-        </p:nvSpPr>
-        <p:spPr>
-          <a:xfrm>
-            <a:off x="628650" y="1825625"/>
-            <a:ext cx="7886700" cy="2168859"/>
-          </a:xfrm>
-          <a:prstGeom prst="rect">
-            <a:avLst/>
-          </a:prstGeom>
-        </p:spPr>
-        <p:txBody>
-          <a:bodyPr vert="horz" lIns="91425" tIns="91425" rIns="91425" bIns="91425" rtlCol="0" anchor="t" anchorCtr="0">
-            <a:normAutofit/>
-          </a:bodyPr>
-          <a:lstStyle>
-            <a:lvl1pPr marL="228594" indent="-228594" algn="l" defTabSz="914377" rtl="0" eaLnBrk="1" latinLnBrk="0" hangingPunct="1">
-              <a:lnSpc>
-                <a:spcPct val="90000"/>
-              </a:lnSpc>
-              <a:spcBef>
-                <a:spcPts val="0"/>
-              </a:spcBef>
-              <a:buFont typeface="Arial" panose="020B0604020202020204" pitchFamily="34" charset="0"/>
-              <a:buChar char="•"/>
-              <a:defRPr sz="2800" kern="1200">
-                <a:solidFill>
-                  <a:schemeClr val="tx1"/>
-                </a:solidFill>
-                <a:latin typeface="+mn-lt"/>
-                <a:ea typeface="+mn-ea"/>
-                <a:cs typeface="+mn-cs"/>
-              </a:defRPr>
-            </a:lvl1pPr>
-            <a:lvl2pPr marL="685783" indent="-228594" algn="l" defTabSz="914377" rtl="0" eaLnBrk="1" latinLnBrk="0" hangingPunct="1">
-              <a:lnSpc>
-                <a:spcPct val="90000"/>
-              </a:lnSpc>
-              <a:spcBef>
-                <a:spcPts val="0"/>
-              </a:spcBef>
-              <a:buFont typeface="Arial" panose="020B0604020202020204" pitchFamily="34" charset="0"/>
-              <a:buChar char="•"/>
-              <a:defRPr sz="2400" kern="1200">
-                <a:solidFill>
-                  <a:schemeClr val="tx1"/>
-                </a:solidFill>
-                <a:latin typeface="+mn-lt"/>
-                <a:ea typeface="+mn-ea"/>
-                <a:cs typeface="+mn-cs"/>
-              </a:defRPr>
-            </a:lvl2pPr>
-            <a:lvl3pPr marL="1142971" indent="-228594" algn="l" defTabSz="914377" rtl="0" eaLnBrk="1" latinLnBrk="0" hangingPunct="1">
-              <a:lnSpc>
-                <a:spcPct val="90000"/>
-              </a:lnSpc>
-              <a:spcBef>
-                <a:spcPts val="0"/>
-              </a:spcBef>
-              <a:buFont typeface="Arial" panose="020B0604020202020204" pitchFamily="34" charset="0"/>
-              <a:buChar char="•"/>
-              <a:defRPr sz="2000" kern="1200">
-                <a:solidFill>
-                  <a:schemeClr val="tx1"/>
-                </a:solidFill>
-                <a:latin typeface="+mn-lt"/>
-                <a:ea typeface="+mn-ea"/>
-                <a:cs typeface="+mn-cs"/>
-              </a:defRPr>
-            </a:lvl3pPr>
-            <a:lvl4pPr marL="1600160" indent="-228594" algn="l" defTabSz="914377" rtl="0" eaLnBrk="1" latinLnBrk="0" hangingPunct="1">
-              <a:lnSpc>
-                <a:spcPct val="90000"/>
-              </a:lnSpc>
-              <a:spcBef>
-                <a:spcPts val="0"/>
-              </a:spcBef>
-              <a:buFont typeface="Arial" panose="020B0604020202020204" pitchFamily="34" charset="0"/>
-              <a:buChar char="•"/>
-              <a:defRPr sz="1800" kern="1200">
-                <a:solidFill>
-                  <a:schemeClr val="tx1"/>
-                </a:solidFill>
-                <a:latin typeface="+mn-lt"/>
-                <a:ea typeface="+mn-ea"/>
-                <a:cs typeface="+mn-cs"/>
-              </a:defRPr>
-            </a:lvl4pPr>
-            <a:lvl5pPr marL="2057349" indent="-228594" algn="l" defTabSz="914377" rtl="0" eaLnBrk="1" latinLnBrk="0" hangingPunct="1">
-              <a:lnSpc>
-                <a:spcPct val="90000"/>
-              </a:lnSpc>
-              <a:spcBef>
-                <a:spcPts val="0"/>
-              </a:spcBef>
-              <a:buFont typeface="Arial" panose="020B0604020202020204" pitchFamily="34" charset="0"/>
-              <a:buChar char="•"/>
-              <a:defRPr sz="1800" kern="1200">
-                <a:solidFill>
-                  <a:schemeClr val="tx1"/>
-                </a:solidFill>
-                <a:latin typeface="+mn-lt"/>
-                <a:ea typeface="+mn-ea"/>
-                <a:cs typeface="+mn-cs"/>
-              </a:defRPr>
-            </a:lvl5pPr>
-            <a:lvl6pPr marL="2514537" indent="-228594" algn="l" defTabSz="914377" rtl="0" eaLnBrk="1" latinLnBrk="0" hangingPunct="1">
-              <a:lnSpc>
-                <a:spcPct val="90000"/>
-              </a:lnSpc>
-              <a:spcBef>
-                <a:spcPts val="0"/>
-              </a:spcBef>
-              <a:buFont typeface="Arial" panose="020B0604020202020204" pitchFamily="34" charset="0"/>
-              <a:buChar char="•"/>
-              <a:defRPr sz="1800" kern="1200">
-                <a:solidFill>
-                  <a:schemeClr val="tx1"/>
-                </a:solidFill>
-                <a:latin typeface="+mn-lt"/>
-                <a:ea typeface="+mn-ea"/>
-                <a:cs typeface="+mn-cs"/>
-              </a:defRPr>
-            </a:lvl6pPr>
-            <a:lvl7pPr marL="2971726" indent="-228594" algn="l" defTabSz="914377" rtl="0" eaLnBrk="1" latinLnBrk="0" hangingPunct="1">
-              <a:lnSpc>
-                <a:spcPct val="90000"/>
-              </a:lnSpc>
-              <a:spcBef>
-                <a:spcPts val="0"/>
-              </a:spcBef>
-              <a:buFont typeface="Arial" panose="020B0604020202020204" pitchFamily="34" charset="0"/>
-              <a:buChar char="•"/>
-              <a:defRPr sz="1800" kern="1200">
-                <a:solidFill>
-                  <a:schemeClr val="tx1"/>
-                </a:solidFill>
-                <a:latin typeface="+mn-lt"/>
-                <a:ea typeface="+mn-ea"/>
-                <a:cs typeface="+mn-cs"/>
-              </a:defRPr>
-            </a:lvl7pPr>
-            <a:lvl8pPr marL="3428914" indent="-228594" algn="l" defTabSz="914377" rtl="0" eaLnBrk="1" latinLnBrk="0" hangingPunct="1">
-              <a:lnSpc>
-                <a:spcPct val="90000"/>
-              </a:lnSpc>
-              <a:spcBef>
-                <a:spcPts val="0"/>
-              </a:spcBef>
-              <a:buFont typeface="Arial" panose="020B0604020202020204" pitchFamily="34" charset="0"/>
-              <a:buChar char="•"/>
-              <a:defRPr sz="1800" kern="1200">
-                <a:solidFill>
-                  <a:schemeClr val="tx1"/>
-                </a:solidFill>
-                <a:latin typeface="+mn-lt"/>
-                <a:ea typeface="+mn-ea"/>
-                <a:cs typeface="+mn-cs"/>
-              </a:defRPr>
-            </a:lvl8pPr>
-            <a:lvl9pPr marL="3886103" indent="-228594" algn="l" defTabSz="914377" rtl="0" eaLnBrk="1" latinLnBrk="0" hangingPunct="1">
-              <a:lnSpc>
-                <a:spcPct val="90000"/>
-              </a:lnSpc>
-              <a:spcBef>
-                <a:spcPts val="0"/>
-              </a:spcBef>
-              <a:buFont typeface="Arial" panose="020B0604020202020204" pitchFamily="34" charset="0"/>
-              <a:buChar char="•"/>
-              <a:defRPr sz="1800" kern="1200">
-                <a:solidFill>
-                  <a:schemeClr val="tx1"/>
-                </a:solidFill>
-                <a:latin typeface="+mn-lt"/>
-                <a:ea typeface="+mn-ea"/>
-                <a:cs typeface="+mn-cs"/>
-              </a:defRPr>
-            </a:lvl9pPr>
-          </a:lstStyle>
-          <a:p>
-            <a:pPr marL="0" indent="0">
-              <a:buFont typeface="Arial" panose="020B0604020202020204" pitchFamily="34" charset="0"/>
-              <a:buNone/>
-            </a:pPr>
-            <a:r>
-              <a:rPr lang="en-US" dirty="0" smtClean="0"/>
-              <a:t>Provide detect wrong route function.</a:t>
-            </a:r>
-          </a:p>
-          <a:p>
-            <a:pPr marL="0" indent="0">
-              <a:buFont typeface="Arial" panose="020B0604020202020204" pitchFamily="34" charset="0"/>
-              <a:buNone/>
-            </a:pPr>
-            <a:r>
-              <a:rPr lang="en-US" dirty="0" smtClean="0"/>
-              <a:t>Help users know if they are going to wrong route.</a:t>
-            </a:r>
-          </a:p>
-          <a:p>
-            <a:pPr marL="0" indent="0">
-              <a:buFont typeface="Arial" panose="020B0604020202020204" pitchFamily="34" charset="0"/>
-              <a:buNone/>
-            </a:pPr>
-            <a:r>
-              <a:rPr lang="en-US" dirty="0" smtClean="0"/>
-              <a:t>User can search again to get right route.</a:t>
-            </a:r>
-            <a:endParaRPr lang="en-US" dirty="0"/>
-          </a:p>
-        </p:txBody>
-      </p:sp>
-      <p:pic>
-        <p:nvPicPr>
-          <p:cNvPr id="8" name="Picture 7"/>
-          <p:cNvPicPr>
-            <a:picLocks noChangeAspect="1"/>
-          </p:cNvPicPr>
-          <p:nvPr/>
-        </p:nvPicPr>
-        <p:blipFill>
-          <a:blip r:embed="rId3" cstate="print">
+      <p:grpSp>
+        <p:nvGrpSpPr>
+          <p:cNvPr id="16" name="Group 15"/>
+          <p:cNvGrpSpPr/>
+          <p:nvPr/>
+        </p:nvGrpSpPr>
+        <p:grpSpPr>
+          <a:xfrm>
+            <a:off x="2786360" y="4906331"/>
+            <a:ext cx="1808508" cy="1522346"/>
+            <a:chOff x="3762294" y="3466888"/>
+            <a:chExt cx="1808508" cy="1522346"/>
+          </a:xfrm>
+        </p:grpSpPr>
+        <p:pic>
+          <p:nvPicPr>
+            <p:cNvPr id="3" name="Picture 2"/>
+            <p:cNvPicPr>
+              <a:picLocks noChangeAspect="1"/>
+            </p:cNvPicPr>
+            <p:nvPr/>
+          </p:nvPicPr>
+          <p:blipFill>
+            <a:blip r:embed="rId3" cstate="print">
+              <a:extLst>
+                <a:ext uri="{28A0092B-C50C-407E-A947-70E740481C1C}">
+                  <a14:useLocalDpi xmlns:a14="http://schemas.microsoft.com/office/drawing/2010/main" val="0"/>
+                </a:ext>
+              </a:extLst>
+            </a:blip>
+            <a:stretch>
+              <a:fillRect/>
+            </a:stretch>
+          </p:blipFill>
+          <p:spPr>
+            <a:xfrm>
+              <a:off x="3787747" y="3466888"/>
+              <a:ext cx="1306902" cy="1306902"/>
+            </a:xfrm>
+            <a:prstGeom prst="rect">
+              <a:avLst/>
+            </a:prstGeom>
+          </p:spPr>
+        </p:pic>
+        <p:sp>
+          <p:nvSpPr>
+            <p:cNvPr id="8" name="TextBox 7"/>
+            <p:cNvSpPr txBox="1"/>
+            <p:nvPr/>
+          </p:nvSpPr>
+          <p:spPr>
+            <a:xfrm>
+              <a:off x="3762294" y="4589124"/>
+              <a:ext cx="1808508" cy="400110"/>
+            </a:xfrm>
+            <a:prstGeom prst="rect">
+              <a:avLst/>
+            </a:prstGeom>
+            <a:noFill/>
+          </p:spPr>
+          <p:txBody>
+            <a:bodyPr wrap="none" rtlCol="0">
+              <a:spAutoFit/>
+            </a:bodyPr>
+            <a:lstStyle/>
+            <a:p>
+              <a:r>
+                <a:rPr lang="en-US" sz="2000" b="1" dirty="0" smtClean="0">
+                  <a:latin typeface="Cambria" panose="02040503050406030204" pitchFamily="18" charset="0"/>
+                </a:rPr>
+                <a:t>Street Router</a:t>
+              </a:r>
+              <a:endParaRPr lang="en-US" sz="2000" b="1" dirty="0">
+                <a:latin typeface="Cambria" panose="02040503050406030204" pitchFamily="18" charset="0"/>
+              </a:endParaRPr>
+            </a:p>
+          </p:txBody>
+        </p:sp>
+      </p:grpSp>
+      <p:grpSp>
+        <p:nvGrpSpPr>
+          <p:cNvPr id="5" name="Group 4"/>
+          <p:cNvGrpSpPr/>
+          <p:nvPr/>
+        </p:nvGrpSpPr>
+        <p:grpSpPr>
+          <a:xfrm>
+            <a:off x="829807" y="4773790"/>
+            <a:ext cx="1458733" cy="1535149"/>
+            <a:chOff x="982207" y="1642667"/>
+            <a:chExt cx="1458733" cy="1535149"/>
+          </a:xfrm>
+        </p:grpSpPr>
+        <p:pic>
+          <p:nvPicPr>
+            <p:cNvPr id="10" name="Picture 2" descr="C:\Users\ngoan\Desktop\image\bus.png"/>
+            <p:cNvPicPr>
+              <a:picLocks noChangeAspect="1" noChangeArrowheads="1"/>
+            </p:cNvPicPr>
+            <p:nvPr/>
+          </p:nvPicPr>
+          <p:blipFill>
+            <a:blip r:embed="rId4">
+              <a:extLst>
+                <a:ext uri="{28A0092B-C50C-407E-A947-70E740481C1C}">
+                  <a14:useLocalDpi xmlns:a14="http://schemas.microsoft.com/office/drawing/2010/main" val="0"/>
+                </a:ext>
+              </a:extLst>
+            </a:blip>
+            <a:srcRect/>
+            <a:stretch>
+              <a:fillRect/>
+            </a:stretch>
+          </p:blipFill>
+          <p:spPr bwMode="auto">
+            <a:xfrm>
+              <a:off x="1046342" y="1642667"/>
+              <a:ext cx="1135039" cy="1135039"/>
+            </a:xfrm>
+            <a:prstGeom prst="rect">
+              <a:avLst/>
+            </a:prstGeom>
+            <a:noFill/>
             <a:extLst>
-              <a:ext uri="{28A0092B-C50C-407E-A947-70E740481C1C}">
-                <a14:useLocalDpi xmlns:a14="http://schemas.microsoft.com/office/drawing/2010/main" val="0"/>
+              <a:ext uri="{909E8E84-426E-40DD-AFC4-6F175D3DCCD1}">
+                <a14:hiddenFill xmlns:a14="http://schemas.microsoft.com/office/drawing/2010/main">
+                  <a:solidFill>
+                    <a:srgbClr val="FFFFFF"/>
+                  </a:solidFill>
+                </a14:hiddenFill>
               </a:ext>
             </a:extLst>
-          </a:blip>
-          <a:stretch>
-            <a:fillRect/>
-          </a:stretch>
-        </p:blipFill>
-        <p:spPr>
-          <a:xfrm>
-            <a:off x="900168" y="4402472"/>
-            <a:ext cx="1306902" cy="1306902"/>
-          </a:xfrm>
-          <a:prstGeom prst="rect">
-            <a:avLst/>
-          </a:prstGeom>
-        </p:spPr>
-      </p:pic>
-      <p:sp>
-        <p:nvSpPr>
-          <p:cNvPr id="9" name="TextBox 8"/>
-          <p:cNvSpPr txBox="1"/>
-          <p:nvPr/>
-        </p:nvSpPr>
-        <p:spPr>
-          <a:xfrm>
-            <a:off x="874715" y="5524708"/>
-            <a:ext cx="1504771" cy="400110"/>
-          </a:xfrm>
-          <a:prstGeom prst="rect">
-            <a:avLst/>
-          </a:prstGeom>
-          <a:noFill/>
-        </p:spPr>
-        <p:txBody>
-          <a:bodyPr wrap="none" rtlCol="0">
-            <a:spAutoFit/>
-          </a:bodyPr>
-          <a:lstStyle/>
-          <a:p>
-            <a:r>
-              <a:rPr lang="en-US" sz="2000" dirty="0" smtClean="0"/>
-              <a:t>Street</a:t>
-            </a:r>
-            <a:r>
-              <a:rPr lang="en-US" dirty="0" smtClean="0"/>
-              <a:t> Router</a:t>
-            </a:r>
-            <a:endParaRPr lang="en-US" dirty="0"/>
-          </a:p>
-        </p:txBody>
-      </p:sp>
-      <p:pic>
-        <p:nvPicPr>
-          <p:cNvPr id="10" name="Picture 9"/>
-          <p:cNvPicPr>
-            <a:picLocks noChangeAspect="1"/>
-          </p:cNvPicPr>
-          <p:nvPr/>
-        </p:nvPicPr>
-        <p:blipFill>
-          <a:blip r:embed="rId4" cstate="print">
+          </p:spPr>
+        </p:pic>
+        <p:sp>
+          <p:nvSpPr>
+            <p:cNvPr id="11" name="TextBox 10"/>
+            <p:cNvSpPr txBox="1"/>
+            <p:nvPr/>
+          </p:nvSpPr>
+          <p:spPr>
+            <a:xfrm>
+              <a:off x="982207" y="2777706"/>
+              <a:ext cx="1458733" cy="400110"/>
+            </a:xfrm>
+            <a:prstGeom prst="rect">
+              <a:avLst/>
+            </a:prstGeom>
+            <a:noFill/>
+          </p:spPr>
+          <p:txBody>
+            <a:bodyPr wrap="none" rtlCol="0">
+              <a:spAutoFit/>
+            </a:bodyPr>
+            <a:lstStyle/>
+            <a:p>
+              <a:r>
+                <a:rPr lang="en-US" sz="2000" b="1" dirty="0" smtClean="0">
+                  <a:latin typeface="Cambria" panose="02040503050406030204" pitchFamily="18" charset="0"/>
+                </a:rPr>
+                <a:t>Search bus</a:t>
+              </a:r>
+              <a:endParaRPr lang="en-US" sz="2000" b="1" dirty="0">
+                <a:latin typeface="Cambria" panose="02040503050406030204" pitchFamily="18" charset="0"/>
+              </a:endParaRPr>
+            </a:p>
+          </p:txBody>
+        </p:sp>
+      </p:grpSp>
+      <p:grpSp>
+        <p:nvGrpSpPr>
+          <p:cNvPr id="6" name="Group 5"/>
+          <p:cNvGrpSpPr/>
+          <p:nvPr/>
+        </p:nvGrpSpPr>
+        <p:grpSpPr>
+          <a:xfrm>
+            <a:off x="677681" y="2708031"/>
+            <a:ext cx="1762983" cy="1517713"/>
+            <a:chOff x="3697069" y="1642667"/>
+            <a:chExt cx="1762983" cy="1517713"/>
+          </a:xfrm>
+        </p:grpSpPr>
+        <p:pic>
+          <p:nvPicPr>
+            <p:cNvPr id="9" name="Picture 2" descr="C:\Users\ngoan\Desktop\image\24598-200.png"/>
+            <p:cNvPicPr>
+              <a:picLocks noChangeAspect="1" noChangeArrowheads="1"/>
+            </p:cNvPicPr>
+            <p:nvPr/>
+          </p:nvPicPr>
+          <p:blipFill>
+            <a:blip r:embed="rId5">
+              <a:extLst>
+                <a:ext uri="{28A0092B-C50C-407E-A947-70E740481C1C}">
+                  <a14:useLocalDpi xmlns:a14="http://schemas.microsoft.com/office/drawing/2010/main" val="0"/>
+                </a:ext>
+              </a:extLst>
+            </a:blip>
+            <a:srcRect/>
+            <a:stretch>
+              <a:fillRect/>
+            </a:stretch>
+          </p:blipFill>
+          <p:spPr bwMode="auto">
+            <a:xfrm>
+              <a:off x="3853851" y="1642667"/>
+              <a:ext cx="1135039" cy="1135039"/>
+            </a:xfrm>
+            <a:prstGeom prst="rect">
+              <a:avLst/>
+            </a:prstGeom>
+            <a:noFill/>
             <a:extLst>
-              <a:ext uri="{28A0092B-C50C-407E-A947-70E740481C1C}">
-                <a14:useLocalDpi xmlns:a14="http://schemas.microsoft.com/office/drawing/2010/main" val="0"/>
+              <a:ext uri="{909E8E84-426E-40DD-AFC4-6F175D3DCCD1}">
+                <a14:hiddenFill xmlns:a14="http://schemas.microsoft.com/office/drawing/2010/main">
+                  <a:solidFill>
+                    <a:srgbClr val="FFFFFF"/>
+                  </a:solidFill>
+                </a14:hiddenFill>
               </a:ext>
             </a:extLst>
-          </a:blip>
-          <a:stretch>
-            <a:fillRect/>
-          </a:stretch>
-        </p:blipFill>
-        <p:spPr>
-          <a:xfrm>
-            <a:off x="6693443" y="3461283"/>
-            <a:ext cx="1066401" cy="1066401"/>
-          </a:xfrm>
-          <a:prstGeom prst="rect">
-            <a:avLst/>
-          </a:prstGeom>
-        </p:spPr>
-      </p:pic>
-      <p:sp>
-        <p:nvSpPr>
-          <p:cNvPr id="11" name="TextBox 10"/>
-          <p:cNvSpPr txBox="1"/>
-          <p:nvPr/>
-        </p:nvSpPr>
-        <p:spPr>
-          <a:xfrm>
-            <a:off x="6279749" y="4491848"/>
-            <a:ext cx="2063578" cy="400110"/>
-          </a:xfrm>
-          <a:prstGeom prst="rect">
-            <a:avLst/>
-          </a:prstGeom>
-          <a:noFill/>
-        </p:spPr>
-        <p:txBody>
-          <a:bodyPr wrap="none" rtlCol="0">
-            <a:spAutoFit/>
-          </a:bodyPr>
-          <a:lstStyle/>
-          <a:p>
-            <a:r>
-              <a:rPr lang="en-US" sz="2000" dirty="0"/>
-              <a:t>Detect wrong way</a:t>
-            </a:r>
-          </a:p>
-        </p:txBody>
-      </p:sp>
+          </p:spPr>
+        </p:pic>
+        <p:sp>
+          <p:nvSpPr>
+            <p:cNvPr id="12" name="TextBox 11"/>
+            <p:cNvSpPr txBox="1"/>
+            <p:nvPr/>
+          </p:nvSpPr>
+          <p:spPr>
+            <a:xfrm>
+              <a:off x="3697069" y="2760270"/>
+              <a:ext cx="1762983" cy="400110"/>
+            </a:xfrm>
+            <a:prstGeom prst="rect">
+              <a:avLst/>
+            </a:prstGeom>
+            <a:noFill/>
+          </p:spPr>
+          <p:txBody>
+            <a:bodyPr wrap="none" rtlCol="0">
+              <a:spAutoFit/>
+            </a:bodyPr>
+            <a:lstStyle/>
+            <a:p>
+              <a:r>
+                <a:rPr lang="en-US" sz="2000" b="1" dirty="0" smtClean="0">
+                  <a:latin typeface="Cambria" panose="02040503050406030204" pitchFamily="18" charset="0"/>
+                </a:rPr>
+                <a:t>Search motor</a:t>
+              </a:r>
+              <a:endParaRPr lang="en-US" sz="2000" b="1" dirty="0">
+                <a:latin typeface="Cambria" panose="02040503050406030204" pitchFamily="18" charset="0"/>
+              </a:endParaRPr>
+            </a:p>
+          </p:txBody>
+        </p:sp>
+      </p:grpSp>
+      <p:grpSp>
+        <p:nvGrpSpPr>
+          <p:cNvPr id="28" name="Group 27"/>
+          <p:cNvGrpSpPr/>
+          <p:nvPr/>
+        </p:nvGrpSpPr>
+        <p:grpSpPr>
+          <a:xfrm>
+            <a:off x="2372666" y="1827800"/>
+            <a:ext cx="2162772" cy="1447750"/>
+            <a:chOff x="6247665" y="1847819"/>
+            <a:chExt cx="2162772" cy="1447750"/>
+          </a:xfrm>
+        </p:grpSpPr>
+        <p:pic>
+          <p:nvPicPr>
+            <p:cNvPr id="29" name="Picture 28"/>
+            <p:cNvPicPr>
+              <a:picLocks noChangeAspect="1"/>
+            </p:cNvPicPr>
+            <p:nvPr/>
+          </p:nvPicPr>
+          <p:blipFill>
+            <a:blip r:embed="rId6" cstate="print">
+              <a:extLst>
+                <a:ext uri="{28A0092B-C50C-407E-A947-70E740481C1C}">
+                  <a14:useLocalDpi xmlns:a14="http://schemas.microsoft.com/office/drawing/2010/main" val="0"/>
+                </a:ext>
+              </a:extLst>
+            </a:blip>
+            <a:stretch>
+              <a:fillRect/>
+            </a:stretch>
+          </p:blipFill>
+          <p:spPr>
+            <a:xfrm>
+              <a:off x="6661359" y="1847819"/>
+              <a:ext cx="1066401" cy="1066401"/>
+            </a:xfrm>
+            <a:prstGeom prst="rect">
+              <a:avLst/>
+            </a:prstGeom>
+          </p:spPr>
+        </p:pic>
+        <p:sp>
+          <p:nvSpPr>
+            <p:cNvPr id="30" name="TextBox 29"/>
+            <p:cNvSpPr txBox="1"/>
+            <p:nvPr/>
+          </p:nvSpPr>
+          <p:spPr>
+            <a:xfrm>
+              <a:off x="6247665" y="2895459"/>
+              <a:ext cx="2162772" cy="400110"/>
+            </a:xfrm>
+            <a:prstGeom prst="rect">
+              <a:avLst/>
+            </a:prstGeom>
+            <a:noFill/>
+          </p:spPr>
+          <p:txBody>
+            <a:bodyPr wrap="none" rtlCol="0">
+              <a:spAutoFit/>
+            </a:bodyPr>
+            <a:lstStyle/>
+            <a:p>
+              <a:r>
+                <a:rPr lang="en-US" sz="2000" b="1" dirty="0" smtClean="0">
+                  <a:latin typeface="Cambria" panose="02040503050406030204" pitchFamily="18" charset="0"/>
+                </a:rPr>
+                <a:t>Detect right way</a:t>
+              </a:r>
+              <a:endParaRPr lang="en-US" sz="2000" b="1" dirty="0">
+                <a:latin typeface="Cambria" panose="02040503050406030204" pitchFamily="18" charset="0"/>
+              </a:endParaRPr>
+            </a:p>
+          </p:txBody>
+        </p:sp>
+      </p:grpSp>
+      <p:grpSp>
+        <p:nvGrpSpPr>
+          <p:cNvPr id="31" name="Group 30"/>
+          <p:cNvGrpSpPr/>
+          <p:nvPr/>
+        </p:nvGrpSpPr>
+        <p:grpSpPr>
+          <a:xfrm>
+            <a:off x="4898490" y="1733890"/>
+            <a:ext cx="1535998" cy="1556199"/>
+            <a:chOff x="927495" y="3581865"/>
+            <a:chExt cx="1535998" cy="1556199"/>
+          </a:xfrm>
+        </p:grpSpPr>
+        <p:pic>
+          <p:nvPicPr>
+            <p:cNvPr id="32" name="Picture 31"/>
+            <p:cNvPicPr>
+              <a:picLocks noChangeAspect="1"/>
+            </p:cNvPicPr>
+            <p:nvPr/>
+          </p:nvPicPr>
+          <p:blipFill>
+            <a:blip r:embed="rId7" cstate="print">
+              <a:extLst>
+                <a:ext uri="{28A0092B-C50C-407E-A947-70E740481C1C}">
+                  <a14:useLocalDpi xmlns:a14="http://schemas.microsoft.com/office/drawing/2010/main" val="0"/>
+                </a:ext>
+              </a:extLst>
+            </a:blip>
+            <a:stretch>
+              <a:fillRect/>
+            </a:stretch>
+          </p:blipFill>
+          <p:spPr>
+            <a:xfrm>
+              <a:off x="982207" y="3581865"/>
+              <a:ext cx="1156089" cy="1156089"/>
+            </a:xfrm>
+            <a:prstGeom prst="rect">
+              <a:avLst/>
+            </a:prstGeom>
+          </p:spPr>
+        </p:pic>
+        <p:sp>
+          <p:nvSpPr>
+            <p:cNvPr id="33" name="TextBox 32"/>
+            <p:cNvSpPr txBox="1"/>
+            <p:nvPr/>
+          </p:nvSpPr>
+          <p:spPr>
+            <a:xfrm>
+              <a:off x="927495" y="4737954"/>
+              <a:ext cx="1535998" cy="400110"/>
+            </a:xfrm>
+            <a:prstGeom prst="rect">
+              <a:avLst/>
+            </a:prstGeom>
+            <a:noFill/>
+          </p:spPr>
+          <p:txBody>
+            <a:bodyPr wrap="none" rtlCol="0">
+              <a:spAutoFit/>
+            </a:bodyPr>
+            <a:lstStyle/>
+            <a:p>
+              <a:r>
+                <a:rPr lang="en-US" sz="2000" b="1" dirty="0" smtClean="0">
+                  <a:latin typeface="Cambria" panose="02040503050406030204" pitchFamily="18" charset="0"/>
+                </a:rPr>
+                <a:t>Map offline</a:t>
+              </a:r>
+              <a:endParaRPr lang="en-US" b="1" dirty="0">
+                <a:latin typeface="Cambria" panose="02040503050406030204" pitchFamily="18" charset="0"/>
+              </a:endParaRPr>
+            </a:p>
+          </p:txBody>
+        </p:sp>
+      </p:grpSp>
       <p:cxnSp>
         <p:nvCxnSpPr>
-          <p:cNvPr id="3" name="Straight Arrow Connector 2"/>
-          <p:cNvCxnSpPr>
-            <a:stCxn id="8" idx="3"/>
-            <a:endCxn id="10" idx="1"/>
-          </p:cNvCxnSpPr>
+          <p:cNvPr id="35" name="Straight Arrow Connector 34"/>
+          <p:cNvCxnSpPr/>
           <p:nvPr/>
         </p:nvCxnSpPr>
         <p:spPr>
-          <a:xfrm flipV="1">
-            <a:off x="2207070" y="3994484"/>
-            <a:ext cx="4486373" cy="1061439"/>
+          <a:xfrm>
+            <a:off x="4359092" y="5667504"/>
+            <a:ext cx="1896798" cy="0"/>
           </a:xfrm>
           <a:prstGeom prst="straightConnector1">
             <a:avLst/>
@@ -18546,10 +18574,240 @@
           </a:fontRef>
         </p:style>
       </p:cxnSp>
+      <p:grpSp>
+        <p:nvGrpSpPr>
+          <p:cNvPr id="21" name="Group 20"/>
+          <p:cNvGrpSpPr/>
+          <p:nvPr/>
+        </p:nvGrpSpPr>
+        <p:grpSpPr>
+          <a:xfrm>
+            <a:off x="6553226" y="1827800"/>
+            <a:ext cx="2590774" cy="1493720"/>
+            <a:chOff x="4770877" y="5313385"/>
+            <a:chExt cx="2590774" cy="1493720"/>
+          </a:xfrm>
+        </p:grpSpPr>
+        <p:pic>
+          <p:nvPicPr>
+            <p:cNvPr id="22" name="Picture 21"/>
+            <p:cNvPicPr>
+              <a:picLocks noChangeAspect="1"/>
+            </p:cNvPicPr>
+            <p:nvPr/>
+          </p:nvPicPr>
+          <p:blipFill>
+            <a:blip r:embed="rId8" cstate="print">
+              <a:extLst>
+                <a:ext uri="{28A0092B-C50C-407E-A947-70E740481C1C}">
+                  <a14:useLocalDpi xmlns:a14="http://schemas.microsoft.com/office/drawing/2010/main" val="0"/>
+                </a:ext>
+              </a:extLst>
+            </a:blip>
+            <a:stretch>
+              <a:fillRect/>
+            </a:stretch>
+          </p:blipFill>
+          <p:spPr>
+            <a:xfrm>
+              <a:off x="5284987" y="5313385"/>
+              <a:ext cx="1093610" cy="1093610"/>
+            </a:xfrm>
+            <a:prstGeom prst="rect">
+              <a:avLst/>
+            </a:prstGeom>
+          </p:spPr>
+        </p:pic>
+        <p:sp>
+          <p:nvSpPr>
+            <p:cNvPr id="23" name="Rectangle 22"/>
+            <p:cNvSpPr/>
+            <p:nvPr/>
+          </p:nvSpPr>
+          <p:spPr>
+            <a:xfrm>
+              <a:off x="4770877" y="6406995"/>
+              <a:ext cx="2590774" cy="400110"/>
+            </a:xfrm>
+            <a:prstGeom prst="rect">
+              <a:avLst/>
+            </a:prstGeom>
+          </p:spPr>
+          <p:txBody>
+            <a:bodyPr wrap="none">
+              <a:spAutoFit/>
+            </a:bodyPr>
+            <a:lstStyle/>
+            <a:p>
+              <a:r>
+                <a:rPr lang="en-US" sz="2000" b="1" dirty="0" smtClean="0">
+                  <a:latin typeface="Cambria" panose="02040503050406030204" pitchFamily="18" charset="0"/>
+                </a:rPr>
+                <a:t>Support smart wear</a:t>
+              </a:r>
+              <a:endParaRPr lang="en-US" sz="2000" b="1" dirty="0">
+                <a:latin typeface="Cambria" panose="02040503050406030204" pitchFamily="18" charset="0"/>
+              </a:endParaRPr>
+            </a:p>
+          </p:txBody>
+        </p:sp>
+      </p:grpSp>
+      <p:grpSp>
+        <p:nvGrpSpPr>
+          <p:cNvPr id="25" name="Group 24"/>
+          <p:cNvGrpSpPr/>
+          <p:nvPr/>
+        </p:nvGrpSpPr>
+        <p:grpSpPr>
+          <a:xfrm>
+            <a:off x="7067336" y="3435709"/>
+            <a:ext cx="1689589" cy="1315004"/>
+            <a:chOff x="2024504" y="5313385"/>
+            <a:chExt cx="2019399" cy="1493720"/>
+          </a:xfrm>
+        </p:grpSpPr>
+        <p:sp>
+          <p:nvSpPr>
+            <p:cNvPr id="26" name="TextBox 25"/>
+            <p:cNvSpPr txBox="1"/>
+            <p:nvPr/>
+          </p:nvSpPr>
+          <p:spPr>
+            <a:xfrm>
+              <a:off x="2024504" y="6406995"/>
+              <a:ext cx="2019399" cy="400110"/>
+            </a:xfrm>
+            <a:prstGeom prst="rect">
+              <a:avLst/>
+            </a:prstGeom>
+            <a:noFill/>
+          </p:spPr>
+          <p:txBody>
+            <a:bodyPr wrap="none" rtlCol="0">
+              <a:spAutoFit/>
+            </a:bodyPr>
+            <a:lstStyle/>
+            <a:p>
+              <a:r>
+                <a:rPr lang="en-US" sz="2000" b="1" dirty="0">
+                  <a:latin typeface="Cambria" panose="02040503050406030204" pitchFamily="18" charset="0"/>
+                </a:rPr>
+                <a:t>Notify by sound</a:t>
+              </a:r>
+            </a:p>
+          </p:txBody>
+        </p:sp>
+        <p:pic>
+          <p:nvPicPr>
+            <p:cNvPr id="27" name="Picture 26"/>
+            <p:cNvPicPr>
+              <a:picLocks noChangeAspect="1"/>
+            </p:cNvPicPr>
+            <p:nvPr/>
+          </p:nvPicPr>
+          <p:blipFill>
+            <a:blip r:embed="rId9" cstate="print">
+              <a:extLst>
+                <a:ext uri="{28A0092B-C50C-407E-A947-70E740481C1C}">
+                  <a14:useLocalDpi xmlns:a14="http://schemas.microsoft.com/office/drawing/2010/main" val="0"/>
+                </a:ext>
+              </a:extLst>
+            </a:blip>
+            <a:stretch>
+              <a:fillRect/>
+            </a:stretch>
+          </p:blipFill>
+          <p:spPr>
+            <a:xfrm>
+              <a:off x="2339395" y="5313385"/>
+              <a:ext cx="1093610" cy="1093610"/>
+            </a:xfrm>
+            <a:prstGeom prst="rect">
+              <a:avLst/>
+            </a:prstGeom>
+          </p:spPr>
+        </p:pic>
+      </p:grpSp>
+      <p:grpSp>
+        <p:nvGrpSpPr>
+          <p:cNvPr id="34" name="Group 33"/>
+          <p:cNvGrpSpPr/>
+          <p:nvPr/>
+        </p:nvGrpSpPr>
+        <p:grpSpPr>
+          <a:xfrm>
+            <a:off x="6250464" y="4998002"/>
+            <a:ext cx="2363147" cy="1430675"/>
+            <a:chOff x="6247665" y="3707389"/>
+            <a:chExt cx="2363147" cy="1430675"/>
+          </a:xfrm>
+        </p:grpSpPr>
+        <p:pic>
+          <p:nvPicPr>
+            <p:cNvPr id="36" name="Picture 35"/>
+            <p:cNvPicPr>
+              <a:picLocks noChangeAspect="1"/>
+            </p:cNvPicPr>
+            <p:nvPr/>
+          </p:nvPicPr>
+          <p:blipFill>
+            <a:blip r:embed="rId10" cstate="print">
+              <a:extLst>
+                <a:ext uri="{28A0092B-C50C-407E-A947-70E740481C1C}">
+                  <a14:useLocalDpi xmlns:a14="http://schemas.microsoft.com/office/drawing/2010/main" val="0"/>
+                </a:ext>
+              </a:extLst>
+            </a:blip>
+            <a:stretch>
+              <a:fillRect/>
+            </a:stretch>
+          </p:blipFill>
+          <p:spPr>
+            <a:xfrm>
+              <a:off x="6661359" y="3707389"/>
+              <a:ext cx="1066401" cy="1066401"/>
+            </a:xfrm>
+            <a:prstGeom prst="rect">
+              <a:avLst/>
+            </a:prstGeom>
+          </p:spPr>
+        </p:pic>
+        <p:sp>
+          <p:nvSpPr>
+            <p:cNvPr id="37" name="TextBox 36"/>
+            <p:cNvSpPr txBox="1"/>
+            <p:nvPr/>
+          </p:nvSpPr>
+          <p:spPr>
+            <a:xfrm>
+              <a:off x="6247665" y="4737954"/>
+              <a:ext cx="2363147" cy="400110"/>
+            </a:xfrm>
+            <a:prstGeom prst="rect">
+              <a:avLst/>
+            </a:prstGeom>
+            <a:noFill/>
+          </p:spPr>
+          <p:txBody>
+            <a:bodyPr wrap="none" rtlCol="0">
+              <a:spAutoFit/>
+            </a:bodyPr>
+            <a:lstStyle/>
+            <a:p>
+              <a:r>
+                <a:rPr lang="en-US" sz="2000" b="1" dirty="0">
+                  <a:latin typeface="Cambria" panose="02040503050406030204" pitchFamily="18" charset="0"/>
+                </a:rPr>
+                <a:t>Detect wrong way</a:t>
+              </a:r>
+            </a:p>
+          </p:txBody>
+        </p:sp>
+      </p:grpSp>
     </p:spTree>
     <p:extLst>
       <p:ext uri="{BB962C8B-B14F-4D97-AF65-F5344CB8AC3E}">
-        <p14:creationId xmlns:p14="http://schemas.microsoft.com/office/powerpoint/2010/main" val="1937163546"/>
+        <p14:creationId xmlns:p14="http://schemas.microsoft.com/office/powerpoint/2010/main" val="1118493131"/>
       </p:ext>
     </p:extLst>
   </p:cSld>

--- a/Document/presentation/nam/9 notify wrong way.pptx
+++ b/Document/presentation/nam/9 notify wrong way.pptx
@@ -217,7 +217,7 @@
           <a:p>
             <a:fld id="{4129A581-B2BA-6A4B-B6BF-BD1B5D640D0B}" type="datetimeFigureOut">
               <a:rPr lang="en-US" smtClean="0"/>
-              <a:t>12/14/2015</a:t>
+              <a:t>12/15/2015</a:t>
             </a:fld>
             <a:endParaRPr lang="en-US"/>
           </a:p>
@@ -4706,7 +4706,7 @@
           <a:p>
             <a:fld id="{94B1E4EC-92D8-4A33-94B0-5CDDBDDA3BE9}" type="datetimeFigureOut">
               <a:rPr lang="en-US" smtClean="0"/>
-              <a:t>12/14/2015</a:t>
+              <a:t>12/15/2015</a:t>
             </a:fld>
             <a:endParaRPr lang="en-US"/>
           </a:p>
@@ -4876,7 +4876,7 @@
           <a:p>
             <a:fld id="{94B1E4EC-92D8-4A33-94B0-5CDDBDDA3BE9}" type="datetimeFigureOut">
               <a:rPr lang="en-US" smtClean="0"/>
-              <a:t>12/14/2015</a:t>
+              <a:t>12/15/2015</a:t>
             </a:fld>
             <a:endParaRPr lang="en-US"/>
           </a:p>
@@ -5056,7 +5056,7 @@
           <a:p>
             <a:fld id="{94B1E4EC-92D8-4A33-94B0-5CDDBDDA3BE9}" type="datetimeFigureOut">
               <a:rPr lang="en-US" smtClean="0"/>
-              <a:t>12/14/2015</a:t>
+              <a:t>12/15/2015</a:t>
             </a:fld>
             <a:endParaRPr lang="en-US"/>
           </a:p>
@@ -5521,7 +5521,7 @@
           <a:p>
             <a:fld id="{94B1E4EC-92D8-4A33-94B0-5CDDBDDA3BE9}" type="datetimeFigureOut">
               <a:rPr lang="en-US" smtClean="0"/>
-              <a:t>12/14/2015</a:t>
+              <a:t>12/15/2015</a:t>
             </a:fld>
             <a:endParaRPr lang="en-US"/>
           </a:p>
@@ -5765,7 +5765,7 @@
           <a:p>
             <a:fld id="{94B1E4EC-92D8-4A33-94B0-5CDDBDDA3BE9}" type="datetimeFigureOut">
               <a:rPr lang="en-US" smtClean="0"/>
-              <a:t>12/14/2015</a:t>
+              <a:t>12/15/2015</a:t>
             </a:fld>
             <a:endParaRPr lang="en-US"/>
           </a:p>
@@ -5997,7 +5997,7 @@
           <a:p>
             <a:fld id="{94B1E4EC-92D8-4A33-94B0-5CDDBDDA3BE9}" type="datetimeFigureOut">
               <a:rPr lang="en-US" smtClean="0"/>
-              <a:t>12/14/2015</a:t>
+              <a:t>12/15/2015</a:t>
             </a:fld>
             <a:endParaRPr lang="en-US"/>
           </a:p>
@@ -6364,7 +6364,7 @@
           <a:p>
             <a:fld id="{94B1E4EC-92D8-4A33-94B0-5CDDBDDA3BE9}" type="datetimeFigureOut">
               <a:rPr lang="en-US" smtClean="0"/>
-              <a:t>12/14/2015</a:t>
+              <a:t>12/15/2015</a:t>
             </a:fld>
             <a:endParaRPr lang="en-US"/>
           </a:p>
@@ -6482,7 +6482,7 @@
           <a:p>
             <a:fld id="{94B1E4EC-92D8-4A33-94B0-5CDDBDDA3BE9}" type="datetimeFigureOut">
               <a:rPr lang="en-US" smtClean="0"/>
-              <a:t>12/14/2015</a:t>
+              <a:t>12/15/2015</a:t>
             </a:fld>
             <a:endParaRPr lang="en-US"/>
           </a:p>
@@ -6577,7 +6577,7 @@
           <a:p>
             <a:fld id="{94B1E4EC-92D8-4A33-94B0-5CDDBDDA3BE9}" type="datetimeFigureOut">
               <a:rPr lang="en-US" smtClean="0"/>
-              <a:t>12/14/2015</a:t>
+              <a:t>12/15/2015</a:t>
             </a:fld>
             <a:endParaRPr lang="en-US"/>
           </a:p>
@@ -6854,7 +6854,7 @@
           <a:p>
             <a:fld id="{94B1E4EC-92D8-4A33-94B0-5CDDBDDA3BE9}" type="datetimeFigureOut">
               <a:rPr lang="en-US" smtClean="0"/>
-              <a:t>12/14/2015</a:t>
+              <a:t>12/15/2015</a:t>
             </a:fld>
             <a:endParaRPr lang="en-US"/>
           </a:p>
@@ -7111,7 +7111,7 @@
           <a:p>
             <a:fld id="{94B1E4EC-92D8-4A33-94B0-5CDDBDDA3BE9}" type="datetimeFigureOut">
               <a:rPr lang="en-US" smtClean="0"/>
-              <a:t>12/14/2015</a:t>
+              <a:t>12/15/2015</a:t>
             </a:fld>
             <a:endParaRPr lang="en-US"/>
           </a:p>
@@ -7324,7 +7324,7 @@
           <a:p>
             <a:fld id="{94B1E4EC-92D8-4A33-94B0-5CDDBDDA3BE9}" type="datetimeFigureOut">
               <a:rPr lang="en-US" smtClean="0"/>
-              <a:t>12/14/2015</a:t>
+              <a:t>12/15/2015</a:t>
             </a:fld>
             <a:endParaRPr lang="en-US"/>
           </a:p>
@@ -15933,7 +15933,7 @@
         <p:spPr>
           <a:xfrm>
             <a:off x="898358" y="1692035"/>
-            <a:ext cx="7347284" cy="830997"/>
+            <a:ext cx="7347284" cy="461665"/>
           </a:xfrm>
           <a:prstGeom prst="rect">
             <a:avLst/>
@@ -15948,53 +15948,11 @@
           <a:p>
             <a:r>
               <a:rPr lang="en-US" sz="2400" dirty="0" smtClean="0"/>
-              <a:t>Nickname of  Mr. </a:t>
-            </a:r>
-            <a:r>
-              <a:rPr lang="en-US" sz="2400" dirty="0" err="1" smtClean="0"/>
-              <a:t>Khuong</a:t>
+              <a:t>Mr</a:t>
             </a:r>
             <a:r>
               <a:rPr lang="en-US" sz="2400" dirty="0" smtClean="0"/>
-              <a:t> is “</a:t>
-            </a:r>
-            <a:r>
-              <a:rPr lang="en-US" sz="2400" dirty="0" err="1" smtClean="0"/>
-              <a:t>Khuong</a:t>
-            </a:r>
-            <a:r>
-              <a:rPr lang="en-US" sz="2400" dirty="0" smtClean="0"/>
-              <a:t> </a:t>
-            </a:r>
-            <a:r>
-              <a:rPr lang="en-US" sz="2400" dirty="0" err="1" smtClean="0"/>
-              <a:t>không</a:t>
-            </a:r>
-            <a:r>
-              <a:rPr lang="en-US" sz="2400" dirty="0" smtClean="0"/>
-              <a:t> </a:t>
-            </a:r>
-            <a:r>
-              <a:rPr lang="en-US" sz="2400" dirty="0" err="1" smtClean="0"/>
-              <a:t>sợ</a:t>
-            </a:r>
-            <a:r>
-              <a:rPr lang="en-US" sz="2400" dirty="0" smtClean="0"/>
-              <a:t> </a:t>
-            </a:r>
-            <a:r>
-              <a:rPr lang="en-US" sz="2400" dirty="0" err="1" smtClean="0"/>
-              <a:t>chết</a:t>
-            </a:r>
-            <a:r>
-              <a:rPr lang="en-US" sz="2400" dirty="0" smtClean="0"/>
-              <a:t>”.</a:t>
-            </a:r>
-          </a:p>
-          <a:p>
-            <a:r>
-              <a:rPr lang="en-US" sz="2400" dirty="0" smtClean="0"/>
-              <a:t>Mr. </a:t>
+              <a:t>. </a:t>
             </a:r>
             <a:r>
               <a:rPr lang="en-US" sz="2400" dirty="0" err="1" smtClean="0"/>
